--- a/Presenation.pptx
+++ b/Presenation.pptx
@@ -5,22 +5,25 @@
     <p:sldMasterId id="2147483648" r:id="rId1"/>
   </p:sldMasterIdLst>
   <p:notesMasterIdLst>
-    <p:notesMasterId r:id="rId15"/>
+    <p:notesMasterId r:id="rId18"/>
   </p:notesMasterIdLst>
   <p:sldIdLst>
     <p:sldId id="256" r:id="rId2"/>
     <p:sldId id="257" r:id="rId3"/>
     <p:sldId id="258" r:id="rId4"/>
-    <p:sldId id="263" r:id="rId5"/>
-    <p:sldId id="259" r:id="rId6"/>
+    <p:sldId id="273" r:id="rId5"/>
+    <p:sldId id="263" r:id="rId6"/>
     <p:sldId id="260" r:id="rId7"/>
-    <p:sldId id="268" r:id="rId8"/>
-    <p:sldId id="269" r:id="rId9"/>
-    <p:sldId id="267" r:id="rId10"/>
-    <p:sldId id="265" r:id="rId11"/>
-    <p:sldId id="270" r:id="rId12"/>
-    <p:sldId id="266" r:id="rId13"/>
-    <p:sldId id="264" r:id="rId14"/>
+    <p:sldId id="259" r:id="rId8"/>
+    <p:sldId id="271" r:id="rId9"/>
+    <p:sldId id="268" r:id="rId10"/>
+    <p:sldId id="269" r:id="rId11"/>
+    <p:sldId id="267" r:id="rId12"/>
+    <p:sldId id="264" r:id="rId13"/>
+    <p:sldId id="265" r:id="rId14"/>
+    <p:sldId id="270" r:id="rId15"/>
+    <p:sldId id="266" r:id="rId16"/>
+    <p:sldId id="272" r:id="rId17"/>
   </p:sldIdLst>
   <p:sldSz cx="9144000" cy="6858000" type="screen4x3"/>
   <p:notesSz cx="6858000" cy="9144000"/>
@@ -204,7 +207,8 @@
           <a:p>
             <a:fld id="{A2B7CEFC-AA97-4249-A47A-FC92A5A1EFB2}" type="datetimeFigureOut">
               <a:rPr lang="pl-PL" smtClean="0"/>
-              <a:t>21.05.2023</a:t>
+              <a:pPr/>
+              <a:t>22.05.2023</a:t>
             </a:fld>
             <a:endParaRPr lang="pl-PL"/>
           </a:p>
@@ -365,6 +369,7 @@
           <a:p>
             <a:fld id="{2E119433-815C-41C2-A5E7-F8B2392C3E25}" type="slidenum">
               <a:rPr lang="pl-PL" smtClean="0"/>
+              <a:pPr/>
               <a:t>‹#›</a:t>
             </a:fld>
             <a:endParaRPr lang="pl-PL"/>
@@ -536,6 +541,7 @@
           <a:p>
             <a:fld id="{2E119433-815C-41C2-A5E7-F8B2392C3E25}" type="slidenum">
               <a:rPr lang="pl-PL" smtClean="0"/>
+              <a:pPr/>
               <a:t>2</a:t>
             </a:fld>
             <a:endParaRPr lang="pl-PL"/>
@@ -732,7 +738,7 @@
             <a:fld id="{66221E02-25CB-4963-84BC-0813985E7D90}" type="datetimeFigureOut">
               <a:rPr lang="pl-PL" smtClean="0"/>
               <a:pPr/>
-              <a:t>21.05.2023</a:t>
+              <a:t>22.05.2023</a:t>
             </a:fld>
             <a:endParaRPr lang="pl-PL"/>
           </a:p>
@@ -899,7 +905,7 @@
             <a:fld id="{66221E02-25CB-4963-84BC-0813985E7D90}" type="datetimeFigureOut">
               <a:rPr lang="pl-PL" smtClean="0"/>
               <a:pPr/>
-              <a:t>21.05.2023</a:t>
+              <a:t>22.05.2023</a:t>
             </a:fld>
             <a:endParaRPr lang="pl-PL"/>
           </a:p>
@@ -1076,7 +1082,7 @@
             <a:fld id="{66221E02-25CB-4963-84BC-0813985E7D90}" type="datetimeFigureOut">
               <a:rPr lang="pl-PL" smtClean="0"/>
               <a:pPr/>
-              <a:t>21.05.2023</a:t>
+              <a:t>22.05.2023</a:t>
             </a:fld>
             <a:endParaRPr lang="pl-PL"/>
           </a:p>
@@ -1243,7 +1249,7 @@
             <a:fld id="{66221E02-25CB-4963-84BC-0813985E7D90}" type="datetimeFigureOut">
               <a:rPr lang="pl-PL" smtClean="0"/>
               <a:pPr/>
-              <a:t>21.05.2023</a:t>
+              <a:t>22.05.2023</a:t>
             </a:fld>
             <a:endParaRPr lang="pl-PL"/>
           </a:p>
@@ -1486,7 +1492,7 @@
             <a:fld id="{66221E02-25CB-4963-84BC-0813985E7D90}" type="datetimeFigureOut">
               <a:rPr lang="pl-PL" smtClean="0"/>
               <a:pPr/>
-              <a:t>21.05.2023</a:t>
+              <a:t>22.05.2023</a:t>
             </a:fld>
             <a:endParaRPr lang="pl-PL"/>
           </a:p>
@@ -1771,7 +1777,7 @@
             <a:fld id="{66221E02-25CB-4963-84BC-0813985E7D90}" type="datetimeFigureOut">
               <a:rPr lang="pl-PL" smtClean="0"/>
               <a:pPr/>
-              <a:t>21.05.2023</a:t>
+              <a:t>22.05.2023</a:t>
             </a:fld>
             <a:endParaRPr lang="pl-PL"/>
           </a:p>
@@ -2190,7 +2196,7 @@
             <a:fld id="{66221E02-25CB-4963-84BC-0813985E7D90}" type="datetimeFigureOut">
               <a:rPr lang="pl-PL" smtClean="0"/>
               <a:pPr/>
-              <a:t>21.05.2023</a:t>
+              <a:t>22.05.2023</a:t>
             </a:fld>
             <a:endParaRPr lang="pl-PL"/>
           </a:p>
@@ -2305,7 +2311,7 @@
             <a:fld id="{66221E02-25CB-4963-84BC-0813985E7D90}" type="datetimeFigureOut">
               <a:rPr lang="pl-PL" smtClean="0"/>
               <a:pPr/>
-              <a:t>21.05.2023</a:t>
+              <a:t>22.05.2023</a:t>
             </a:fld>
             <a:endParaRPr lang="pl-PL"/>
           </a:p>
@@ -2397,7 +2403,7 @@
             <a:fld id="{66221E02-25CB-4963-84BC-0813985E7D90}" type="datetimeFigureOut">
               <a:rPr lang="pl-PL" smtClean="0"/>
               <a:pPr/>
-              <a:t>21.05.2023</a:t>
+              <a:t>22.05.2023</a:t>
             </a:fld>
             <a:endParaRPr lang="pl-PL"/>
           </a:p>
@@ -2671,7 +2677,7 @@
             <a:fld id="{66221E02-25CB-4963-84BC-0813985E7D90}" type="datetimeFigureOut">
               <a:rPr lang="pl-PL" smtClean="0"/>
               <a:pPr/>
-              <a:t>21.05.2023</a:t>
+              <a:t>22.05.2023</a:t>
             </a:fld>
             <a:endParaRPr lang="pl-PL"/>
           </a:p>
@@ -2921,7 +2927,7 @@
             <a:fld id="{66221E02-25CB-4963-84BC-0813985E7D90}" type="datetimeFigureOut">
               <a:rPr lang="pl-PL" smtClean="0"/>
               <a:pPr/>
-              <a:t>21.05.2023</a:t>
+              <a:t>22.05.2023</a:t>
             </a:fld>
             <a:endParaRPr lang="pl-PL"/>
           </a:p>
@@ -3131,7 +3137,7 @@
             <a:fld id="{66221E02-25CB-4963-84BC-0813985E7D90}" type="datetimeFigureOut">
               <a:rPr lang="pl-PL" smtClean="0"/>
               <a:pPr/>
-              <a:t>21.05.2023</a:t>
+              <a:t>22.05.2023</a:t>
             </a:fld>
             <a:endParaRPr lang="pl-PL"/>
           </a:p>
@@ -3814,28 +3820,42 @@
         </p:nvSpPr>
         <p:spPr/>
         <p:txBody>
-          <a:bodyPr/>
+          <a:bodyPr>
+            <a:normAutofit fontScale="90000"/>
+          </a:bodyPr>
           <a:lstStyle/>
           <a:p>
             <a:r>
               <a:rPr lang="pl-PL" dirty="0" err="1" smtClean="0"/>
-              <a:t>Prepared</a:t>
+              <a:t>Quad</a:t>
             </a:r>
             <a:r>
               <a:rPr lang="pl-PL" dirty="0" smtClean="0"/>
               <a:t> </a:t>
             </a:r>
             <a:r>
+              <a:rPr lang="pl-PL" dirty="0" smtClean="0"/>
+              <a:t>Serial </a:t>
+            </a:r>
+            <a:r>
               <a:rPr lang="pl-PL" dirty="0" err="1" smtClean="0"/>
-              <a:t>example</a:t>
+              <a:t>periph</a:t>
             </a:r>
             <a:r>
               <a:rPr lang="pl-PL" dirty="0" smtClean="0"/>
-              <a:t> - </a:t>
+              <a:t>. </a:t>
             </a:r>
             <a:r>
               <a:rPr lang="pl-PL" dirty="0" err="1" smtClean="0"/>
-              <a:t>compilation</a:t>
+              <a:t>Interface</a:t>
+            </a:r>
+            <a:r>
+              <a:rPr lang="pl-PL" dirty="0" smtClean="0"/>
+              <a:t> (</a:t>
+            </a:r>
+            <a:r>
+              <a:rPr lang="pl-PL" dirty="0" smtClean="0"/>
+              <a:t>QSPI)</a:t>
             </a:r>
             <a:endParaRPr lang="pl-PL" dirty="0"/>
           </a:p>
@@ -3853,129 +3873,10 @@
         </p:nvSpPr>
         <p:spPr/>
         <p:txBody>
-          <a:bodyPr>
-            <a:normAutofit fontScale="77500" lnSpcReduction="20000"/>
-          </a:bodyPr>
-          <a:lstStyle/>
-          <a:p>
-            <a:r>
-              <a:rPr lang="pl-PL" dirty="0" smtClean="0"/>
-              <a:t>Zadbaj o następujące programy:</a:t>
-            </a:r>
-            <a:endParaRPr lang="pl-PL" dirty="0" smtClean="0"/>
-          </a:p>
-          <a:p>
-            <a:pPr>
-              <a:buNone/>
-            </a:pPr>
-            <a:r>
-              <a:rPr lang="pl-PL" dirty="0" smtClean="0"/>
-              <a:t/>
-            </a:r>
-            <a:br>
-              <a:rPr lang="pl-PL" dirty="0" smtClean="0"/>
-            </a:br>
-            <a:r>
-              <a:rPr lang="pl-PL" dirty="0" smtClean="0"/>
-              <a:t>    * </a:t>
-            </a:r>
-            <a:r>
-              <a:rPr lang="pl-PL" dirty="0" err="1" smtClean="0"/>
-              <a:t>arm-none-eabi-gcc</a:t>
-            </a:r>
-            <a:r>
-              <a:rPr lang="pl-PL" dirty="0" smtClean="0"/>
-              <a:t> 9.3.1</a:t>
-            </a:r>
-          </a:p>
-          <a:p>
-            <a:r>
-              <a:rPr lang="pl-PL" dirty="0" smtClean="0"/>
-              <a:t>    * </a:t>
-            </a:r>
-            <a:r>
-              <a:rPr lang="pl-PL" dirty="0" err="1" smtClean="0"/>
-              <a:t>OpenOCD</a:t>
-            </a:r>
-            <a:r>
-              <a:rPr lang="pl-PL" dirty="0" smtClean="0"/>
-              <a:t> 0.11.0</a:t>
-            </a:r>
-          </a:p>
-          <a:p>
-            <a:r>
-              <a:rPr lang="pl-PL" dirty="0" smtClean="0"/>
-              <a:t>    * make 4.2.1 / </a:t>
-            </a:r>
-            <a:r>
-              <a:rPr lang="pl-PL" dirty="0" err="1" smtClean="0"/>
-              <a:t>or</a:t>
-            </a:r>
-            <a:r>
-              <a:rPr lang="pl-PL" dirty="0" smtClean="0"/>
-              <a:t> 3.81</a:t>
-            </a:r>
-          </a:p>
-          <a:p>
-            <a:r>
-              <a:rPr lang="pl-PL" dirty="0" smtClean="0"/>
-              <a:t>    * STM32_Programmer_CLI</a:t>
-            </a:r>
-          </a:p>
-          <a:p>
-            <a:r>
-              <a:rPr lang="pl-PL" dirty="0" smtClean="0"/>
-              <a:t>    * </a:t>
-            </a:r>
-            <a:r>
-              <a:rPr lang="pl-PL" dirty="0" err="1" smtClean="0"/>
-              <a:t>Account</a:t>
-            </a:r>
-            <a:r>
-              <a:rPr lang="pl-PL" dirty="0" smtClean="0"/>
-              <a:t> </a:t>
-            </a:r>
-            <a:r>
-              <a:rPr lang="pl-PL" dirty="0" err="1" smtClean="0"/>
-              <a:t>Variable</a:t>
-            </a:r>
-            <a:r>
-              <a:rPr lang="pl-PL" dirty="0" smtClean="0"/>
-              <a:t> </a:t>
-            </a:r>
-            <a:r>
-              <a:rPr lang="pl-PL" dirty="0" smtClean="0"/>
-              <a:t>to STM32_CubeProgrammer: </a:t>
-            </a:r>
-            <a:r>
-              <a:rPr lang="pl-PL" dirty="0" smtClean="0"/>
-              <a:t>STM32_CubeProgrammerPATH eg. </a:t>
-            </a:r>
-            <a:r>
-              <a:rPr lang="pl-PL" dirty="0" err="1" smtClean="0"/>
-              <a:t>path</a:t>
-            </a:r>
-            <a:r>
-              <a:rPr lang="pl-PL" dirty="0" smtClean="0"/>
-              <a:t>: D:\STMicroelectronics\STM32Cube\STM32CubeProgrammer\bin</a:t>
-            </a:r>
-            <a:endParaRPr lang="pl-PL" dirty="0" smtClean="0"/>
-          </a:p>
-          <a:p>
-            <a:pPr>
-              <a:buNone/>
-            </a:pPr>
-            <a:r>
-              <a:rPr lang="pl-PL" dirty="0" smtClean="0"/>
-              <a:t/>
-            </a:r>
-            <a:br>
-              <a:rPr lang="pl-PL" dirty="0" smtClean="0"/>
-            </a:br>
-            <a:endParaRPr lang="pl-PL" dirty="0" smtClean="0"/>
-          </a:p>
-          <a:p>
-            <a:endParaRPr lang="pl-PL" dirty="0"/>
+          <a:bodyPr/>
+          <a:lstStyle/>
+          <a:p>
+            <a:endParaRPr lang="pl-PL"/>
           </a:p>
         </p:txBody>
       </p:sp>
@@ -4020,41 +3921,86 @@
           <a:lstStyle/>
           <a:p>
             <a:r>
-              <a:rPr lang="pl-PL" dirty="0" err="1" smtClean="0"/>
-              <a:t>Prepared</a:t>
+              <a:rPr lang="pl-PL" dirty="0" err="1" smtClean="0">
+                <a:solidFill>
+                  <a:srgbClr val="7C7F07"/>
+                </a:solidFill>
+              </a:rPr>
+              <a:t>DLTuc</a:t>
+            </a:r>
+            <a:r>
+              <a:rPr lang="pl-PL" dirty="0" smtClean="0">
+                <a:solidFill>
+                  <a:srgbClr val="7C7F07"/>
+                </a:solidFill>
+              </a:rPr>
+              <a:t> </a:t>
+            </a:r>
+            <a:r>
+              <a:rPr lang="pl-PL" dirty="0" err="1" smtClean="0">
+                <a:solidFill>
+                  <a:srgbClr val="7C7F07"/>
+                </a:solidFill>
+              </a:rPr>
+              <a:t>Library</a:t>
+            </a:r>
+            <a:endParaRPr lang="pl-PL" dirty="0">
+              <a:solidFill>
+                <a:srgbClr val="7C7F07"/>
+              </a:solidFill>
+            </a:endParaRPr>
+          </a:p>
+        </p:txBody>
+      </p:sp>
+      <p:sp>
+        <p:nvSpPr>
+          <p:cNvPr id="3" name="Symbol zastępczy zawartości 2"/>
+          <p:cNvSpPr>
+            <a:spLocks noGrp="1"/>
+          </p:cNvSpPr>
+          <p:nvPr>
+            <p:ph idx="1"/>
+          </p:nvPr>
+        </p:nvSpPr>
+        <p:spPr>
+          <a:xfrm>
+            <a:off x="357158" y="2857496"/>
+            <a:ext cx="8229600" cy="642942"/>
+          </a:xfrm>
+        </p:spPr>
+        <p:txBody>
+          <a:bodyPr>
+            <a:normAutofit/>
+          </a:bodyPr>
+          <a:lstStyle/>
+          <a:p>
+            <a:pPr>
+              <a:buNone/>
+            </a:pPr>
+            <a:r>
+              <a:rPr lang="pl-PL" dirty="0" smtClean="0">
+                <a:hlinkClick r:id="rId2"/>
+              </a:rPr>
+              <a:t>https://youtu.be/WWnudktQlP0</a:t>
             </a:r>
             <a:r>
               <a:rPr lang="pl-PL" dirty="0" smtClean="0"/>
               <a:t> </a:t>
             </a:r>
-            <a:r>
-              <a:rPr lang="pl-PL" dirty="0" err="1" smtClean="0"/>
-              <a:t>example</a:t>
-            </a:r>
-            <a:r>
-              <a:rPr lang="pl-PL" dirty="0" smtClean="0"/>
-              <a:t> </a:t>
-            </a:r>
-            <a:r>
-              <a:rPr lang="pl-PL" dirty="0" smtClean="0"/>
-              <a:t>– kod w QSPI</a:t>
-            </a:r>
             <a:endParaRPr lang="pl-PL" dirty="0"/>
           </a:p>
         </p:txBody>
       </p:sp>
       <p:pic>
         <p:nvPicPr>
-          <p:cNvPr id="4098" name="Picture 2"/>
+          <p:cNvPr id="3075" name="Picture 3"/>
           <p:cNvPicPr>
-            <a:picLocks noGrp="1" noChangeAspect="1" noChangeArrowheads="1"/>
+            <a:picLocks noChangeAspect="1" noChangeArrowheads="1"/>
           </p:cNvPicPr>
-          <p:nvPr>
-            <p:ph idx="1"/>
-          </p:nvPr>
+          <p:nvPr/>
         </p:nvPicPr>
         <p:blipFill>
-          <a:blip r:embed="rId2"/>
+          <a:blip r:embed="rId3"/>
           <a:srcRect/>
           <a:stretch>
             <a:fillRect/>
@@ -4062,8 +4008,8 @@
         </p:blipFill>
         <p:spPr bwMode="auto">
           <a:xfrm>
-            <a:off x="1428728" y="2071678"/>
-            <a:ext cx="6357950" cy="3579125"/>
+            <a:off x="2643174" y="4143380"/>
+            <a:ext cx="6154737" cy="2209800"/>
           </a:xfrm>
           <a:prstGeom prst="rect">
             <a:avLst/>
@@ -4078,6 +4024,36 @@
           <a:effectLst/>
         </p:spPr>
       </p:pic>
+      <p:sp>
+        <p:nvSpPr>
+          <p:cNvPr id="6" name="pole tekstowe 5"/>
+          <p:cNvSpPr txBox="1"/>
+          <p:nvPr/>
+        </p:nvSpPr>
+        <p:spPr>
+          <a:xfrm>
+            <a:off x="357158" y="2285992"/>
+            <a:ext cx="6643734" cy="369332"/>
+          </a:xfrm>
+          <a:prstGeom prst="rect">
+            <a:avLst/>
+          </a:prstGeom>
+          <a:noFill/>
+        </p:spPr>
+        <p:txBody>
+          <a:bodyPr wrap="square" rtlCol="0">
+            <a:spAutoFit/>
+          </a:bodyPr>
+          <a:lstStyle/>
+          <a:p>
+            <a:r>
+              <a:rPr lang="pl-PL" smtClean="0"/>
+              <a:t>Uproszczenie procesu rozwoju oprogramowania wbudowanego</a:t>
+            </a:r>
+            <a:endParaRPr lang="pl-PL" dirty="0" smtClean="0"/>
+          </a:p>
+        </p:txBody>
+      </p:sp>
     </p:spTree>
   </p:cSld>
   <p:clrMapOvr>
@@ -4115,6 +4091,524 @@
         </p:nvSpPr>
         <p:spPr>
           <a:xfrm>
+            <a:off x="142844" y="357166"/>
+            <a:ext cx="5900750" cy="917596"/>
+          </a:xfrm>
+        </p:spPr>
+        <p:txBody>
+          <a:bodyPr/>
+          <a:lstStyle/>
+          <a:p>
+            <a:r>
+              <a:rPr lang="pl-PL" dirty="0" smtClean="0"/>
+              <a:t>Przygotowany przykład</a:t>
+            </a:r>
+            <a:endParaRPr lang="pl-PL" dirty="0"/>
+          </a:p>
+        </p:txBody>
+      </p:sp>
+      <p:sp>
+        <p:nvSpPr>
+          <p:cNvPr id="3" name="Symbol zastępczy zawartości 2"/>
+          <p:cNvSpPr>
+            <a:spLocks noGrp="1"/>
+          </p:cNvSpPr>
+          <p:nvPr>
+            <p:ph idx="1"/>
+          </p:nvPr>
+        </p:nvSpPr>
+        <p:spPr/>
+        <p:txBody>
+          <a:bodyPr>
+            <a:normAutofit/>
+          </a:bodyPr>
+          <a:lstStyle/>
+          <a:p>
+            <a:pPr>
+              <a:buNone/>
+            </a:pPr>
+            <a:r>
+              <a:rPr lang="pl-PL" sz="1800" b="1" dirty="0" smtClean="0"/>
+              <a:t>	</a:t>
+            </a:r>
+          </a:p>
+          <a:p>
+            <a:pPr>
+              <a:buNone/>
+            </a:pPr>
+            <a:endParaRPr lang="pl-PL" sz="1800" b="1" dirty="0" smtClean="0"/>
+          </a:p>
+          <a:p>
+            <a:pPr>
+              <a:buNone/>
+            </a:pPr>
+            <a:endParaRPr lang="pl-PL" sz="1800" b="1" dirty="0" smtClean="0"/>
+          </a:p>
+          <a:p>
+            <a:pPr>
+              <a:buNone/>
+            </a:pPr>
+            <a:endParaRPr lang="pl-PL" sz="1800" b="1" dirty="0" smtClean="0"/>
+          </a:p>
+          <a:p>
+            <a:pPr>
+              <a:buNone/>
+            </a:pPr>
+            <a:endParaRPr lang="pl-PL" sz="1800" b="1" dirty="0" smtClean="0"/>
+          </a:p>
+          <a:p>
+            <a:pPr>
+              <a:buNone/>
+            </a:pPr>
+            <a:endParaRPr lang="pl-PL" sz="1800" b="1" dirty="0" smtClean="0"/>
+          </a:p>
+          <a:p>
+            <a:pPr>
+              <a:buNone/>
+            </a:pPr>
+            <a:r>
+              <a:rPr lang="pl-PL" sz="1800" b="1" dirty="0" smtClean="0"/>
+              <a:t>	</a:t>
+            </a:r>
+            <a:r>
+              <a:rPr lang="pl-PL" sz="1800" b="1" dirty="0" err="1" smtClean="0"/>
+              <a:t>Github</a:t>
+            </a:r>
+            <a:r>
+              <a:rPr lang="pl-PL" sz="1800" b="1" dirty="0" smtClean="0"/>
+              <a:t>:</a:t>
+            </a:r>
+            <a:r>
+              <a:rPr lang="pl-PL" sz="1800" dirty="0" smtClean="0"/>
+              <a:t/>
+            </a:r>
+            <a:br>
+              <a:rPr lang="pl-PL" sz="1800" dirty="0" smtClean="0"/>
+            </a:br>
+            <a:r>
+              <a:rPr lang="pl-PL" sz="1800" dirty="0" smtClean="0">
+                <a:hlinkClick r:id="rId2"/>
+              </a:rPr>
+              <a:t>https://github.com/trteodor/stm32h747_disco_lvgl_bare_metal</a:t>
+            </a:r>
+            <a:r>
+              <a:rPr lang="pl-PL" sz="1800" dirty="0" smtClean="0"/>
+              <a:t> </a:t>
+            </a:r>
+          </a:p>
+          <a:p>
+            <a:pPr>
+              <a:buNone/>
+            </a:pPr>
+            <a:r>
+              <a:rPr lang="pl-PL" sz="1800" dirty="0" smtClean="0"/>
+              <a:t/>
+            </a:r>
+            <a:br>
+              <a:rPr lang="pl-PL" sz="1800" dirty="0" smtClean="0"/>
+            </a:br>
+            <a:r>
+              <a:rPr lang="pl-PL" sz="1800" b="1" dirty="0" err="1" smtClean="0"/>
+              <a:t>Free</a:t>
+            </a:r>
+            <a:r>
+              <a:rPr lang="pl-PL" sz="1800" b="1" dirty="0" smtClean="0"/>
+              <a:t> </a:t>
+            </a:r>
+            <a:r>
+              <a:rPr lang="pl-PL" sz="1800" b="1" dirty="0" err="1" smtClean="0"/>
+              <a:t>Icons</a:t>
+            </a:r>
+            <a:r>
+              <a:rPr lang="pl-PL" sz="1800" b="1" dirty="0" smtClean="0"/>
+              <a:t>:</a:t>
+            </a:r>
+            <a:r>
+              <a:rPr lang="pl-PL" sz="1800" dirty="0" smtClean="0"/>
+              <a:t/>
+            </a:r>
+            <a:br>
+              <a:rPr lang="pl-PL" sz="1800" dirty="0" smtClean="0"/>
+            </a:br>
+            <a:r>
+              <a:rPr lang="pl-PL" sz="1800" dirty="0" smtClean="0">
+                <a:hlinkClick r:id="rId3"/>
+              </a:rPr>
+              <a:t>https://all-free-download.com/free-icon/pack-jpeg.html</a:t>
+            </a:r>
+            <a:r>
+              <a:rPr lang="pl-PL" sz="1800" dirty="0" smtClean="0"/>
+              <a:t/>
+            </a:r>
+            <a:br>
+              <a:rPr lang="pl-PL" sz="1800" dirty="0" smtClean="0"/>
+            </a:br>
+            <a:r>
+              <a:rPr lang="pl-PL" sz="1800" dirty="0" smtClean="0"/>
+              <a:t/>
+            </a:r>
+            <a:br>
+              <a:rPr lang="pl-PL" sz="1800" dirty="0" smtClean="0"/>
+            </a:br>
+            <a:r>
+              <a:rPr lang="pl-PL" sz="1800" b="1" dirty="0" err="1" smtClean="0"/>
+              <a:t>Benchmark</a:t>
+            </a:r>
+            <a:r>
+              <a:rPr lang="pl-PL" sz="1800" b="1" dirty="0" smtClean="0"/>
+              <a:t> video show:</a:t>
+            </a:r>
+            <a:r>
+              <a:rPr lang="pl-PL" sz="1800" dirty="0" smtClean="0"/>
+              <a:t/>
+            </a:r>
+            <a:br>
+              <a:rPr lang="pl-PL" sz="1800" dirty="0" smtClean="0"/>
+            </a:br>
+            <a:r>
+              <a:rPr lang="pl-PL" sz="1800" dirty="0" smtClean="0">
+                <a:hlinkClick r:id="rId4"/>
+              </a:rPr>
+              <a:t>https://youtu.be/5MxftdVXUOgd</a:t>
+            </a:r>
+            <a:endParaRPr lang="pl-PL" sz="1800" dirty="0"/>
+          </a:p>
+        </p:txBody>
+      </p:sp>
+      <p:pic>
+        <p:nvPicPr>
+          <p:cNvPr id="4" name="Picture 7" descr="D:\STM32_VSCodeWorkSpace\stm32h747_lvgl_master_start\Pictures\h747lvgl_Photo.jpg"/>
+          <p:cNvPicPr>
+            <a:picLocks noChangeAspect="1" noChangeArrowheads="1"/>
+          </p:cNvPicPr>
+          <p:nvPr/>
+        </p:nvPicPr>
+        <p:blipFill>
+          <a:blip r:embed="rId5" cstate="print"/>
+          <a:srcRect/>
+          <a:stretch>
+            <a:fillRect/>
+          </a:stretch>
+        </p:blipFill>
+        <p:spPr bwMode="auto">
+          <a:xfrm rot="2918870">
+            <a:off x="6022854" y="1156940"/>
+            <a:ext cx="2665556" cy="2025083"/>
+          </a:xfrm>
+          <a:prstGeom prst="rect">
+            <a:avLst/>
+          </a:prstGeom>
+          <a:noFill/>
+        </p:spPr>
+      </p:pic>
+    </p:spTree>
+  </p:cSld>
+  <p:clrMapOvr>
+    <a:masterClrMapping/>
+  </p:clrMapOvr>
+</p:sld>
+</file>
+
+<file path=ppt/slides/slide13.xml><?xml version="1.0" encoding="utf-8"?>
+<p:sld xmlns:a="http://schemas.openxmlformats.org/drawingml/2006/main" xmlns:r="http://schemas.openxmlformats.org/officeDocument/2006/relationships" xmlns:p="http://schemas.openxmlformats.org/presentationml/2006/main">
+  <p:cSld>
+    <p:spTree>
+      <p:nvGrpSpPr>
+        <p:cNvPr id="1" name=""/>
+        <p:cNvGrpSpPr/>
+        <p:nvPr/>
+      </p:nvGrpSpPr>
+      <p:grpSpPr>
+        <a:xfrm>
+          <a:off x="0" y="0"/>
+          <a:ext cx="0" cy="0"/>
+          <a:chOff x="0" y="0"/>
+          <a:chExt cx="0" cy="0"/>
+        </a:xfrm>
+      </p:grpSpPr>
+      <p:sp>
+        <p:nvSpPr>
+          <p:cNvPr id="2" name="Tytuł 1"/>
+          <p:cNvSpPr>
+            <a:spLocks noGrp="1"/>
+          </p:cNvSpPr>
+          <p:nvPr>
+            <p:ph type="title"/>
+          </p:nvPr>
+        </p:nvSpPr>
+        <p:spPr/>
+        <p:txBody>
+          <a:bodyPr>
+            <a:normAutofit fontScale="90000"/>
+          </a:bodyPr>
+          <a:lstStyle/>
+          <a:p>
+            <a:r>
+              <a:rPr lang="pl-PL" dirty="0" smtClean="0"/>
+              <a:t>Przygotowany przykład - </a:t>
+            </a:r>
+            <a:r>
+              <a:rPr lang="pl-PL" dirty="0" smtClean="0"/>
+              <a:t>kompilowanie</a:t>
+            </a:r>
+            <a:endParaRPr lang="pl-PL" dirty="0"/>
+          </a:p>
+        </p:txBody>
+      </p:sp>
+      <p:sp>
+        <p:nvSpPr>
+          <p:cNvPr id="3" name="Symbol zastępczy zawartości 2"/>
+          <p:cNvSpPr>
+            <a:spLocks noGrp="1"/>
+          </p:cNvSpPr>
+          <p:nvPr>
+            <p:ph idx="1"/>
+          </p:nvPr>
+        </p:nvSpPr>
+        <p:spPr/>
+        <p:txBody>
+          <a:bodyPr>
+            <a:normAutofit fontScale="77500" lnSpcReduction="20000"/>
+          </a:bodyPr>
+          <a:lstStyle/>
+          <a:p>
+            <a:r>
+              <a:rPr lang="pl-PL" dirty="0" smtClean="0"/>
+              <a:t>Zadbaj o następujące programy:</a:t>
+            </a:r>
+          </a:p>
+          <a:p>
+            <a:pPr>
+              <a:buNone/>
+            </a:pPr>
+            <a:r>
+              <a:rPr lang="pl-PL" dirty="0" smtClean="0"/>
+              <a:t/>
+            </a:r>
+            <a:br>
+              <a:rPr lang="pl-PL" dirty="0" smtClean="0"/>
+            </a:br>
+            <a:r>
+              <a:rPr lang="pl-PL" dirty="0" smtClean="0"/>
+              <a:t>    * </a:t>
+            </a:r>
+            <a:r>
+              <a:rPr lang="pl-PL" dirty="0" err="1" smtClean="0"/>
+              <a:t>arm-none-eabi-gcc</a:t>
+            </a:r>
+            <a:r>
+              <a:rPr lang="pl-PL" dirty="0" smtClean="0"/>
+              <a:t> 9.3.1</a:t>
+            </a:r>
+          </a:p>
+          <a:p>
+            <a:r>
+              <a:rPr lang="pl-PL" dirty="0" smtClean="0"/>
+              <a:t>    * </a:t>
+            </a:r>
+            <a:r>
+              <a:rPr lang="pl-PL" dirty="0" err="1" smtClean="0"/>
+              <a:t>OpenOCD</a:t>
+            </a:r>
+            <a:r>
+              <a:rPr lang="pl-PL" dirty="0" smtClean="0"/>
+              <a:t> 0.11.0</a:t>
+            </a:r>
+          </a:p>
+          <a:p>
+            <a:r>
+              <a:rPr lang="pl-PL" dirty="0" smtClean="0"/>
+              <a:t>    * make 4.2.1 / </a:t>
+            </a:r>
+            <a:r>
+              <a:rPr lang="pl-PL" dirty="0" err="1" smtClean="0"/>
+              <a:t>or</a:t>
+            </a:r>
+            <a:r>
+              <a:rPr lang="pl-PL" dirty="0" smtClean="0"/>
+              <a:t> 3.81</a:t>
+            </a:r>
+          </a:p>
+          <a:p>
+            <a:r>
+              <a:rPr lang="pl-PL" dirty="0" smtClean="0"/>
+              <a:t>    * STM32_Programmer_CLI</a:t>
+            </a:r>
+          </a:p>
+          <a:p>
+            <a:r>
+              <a:rPr lang="pl-PL" dirty="0" smtClean="0"/>
+              <a:t>    * </a:t>
+            </a:r>
+            <a:r>
+              <a:rPr lang="pl-PL" dirty="0" err="1" smtClean="0"/>
+              <a:t>Account</a:t>
+            </a:r>
+            <a:r>
+              <a:rPr lang="pl-PL" dirty="0" smtClean="0"/>
+              <a:t> </a:t>
+            </a:r>
+            <a:r>
+              <a:rPr lang="pl-PL" dirty="0" err="1" smtClean="0"/>
+              <a:t>Variable</a:t>
+            </a:r>
+            <a:r>
+              <a:rPr lang="pl-PL" dirty="0" smtClean="0"/>
+              <a:t> to STM32_CubeProgrammer: STM32_CubeProgrammerPATH eg. </a:t>
+            </a:r>
+            <a:r>
+              <a:rPr lang="pl-PL" dirty="0" err="1" smtClean="0"/>
+              <a:t>path</a:t>
+            </a:r>
+            <a:r>
+              <a:rPr lang="pl-PL" dirty="0" smtClean="0"/>
+              <a:t>: D:\STMicroelectronics\STM32Cube\STM32CubeProgrammer\bin</a:t>
+            </a:r>
+          </a:p>
+          <a:p>
+            <a:pPr>
+              <a:buNone/>
+            </a:pPr>
+            <a:r>
+              <a:rPr lang="pl-PL" dirty="0" smtClean="0"/>
+              <a:t/>
+            </a:r>
+            <a:br>
+              <a:rPr lang="pl-PL" dirty="0" smtClean="0"/>
+            </a:br>
+            <a:endParaRPr lang="pl-PL" dirty="0" smtClean="0"/>
+          </a:p>
+          <a:p>
+            <a:endParaRPr lang="pl-PL" dirty="0"/>
+          </a:p>
+        </p:txBody>
+      </p:sp>
+    </p:spTree>
+  </p:cSld>
+  <p:clrMapOvr>
+    <a:masterClrMapping/>
+  </p:clrMapOvr>
+</p:sld>
+</file>
+
+<file path=ppt/slides/slide14.xml><?xml version="1.0" encoding="utf-8"?>
+<p:sld xmlns:a="http://schemas.openxmlformats.org/drawingml/2006/main" xmlns:r="http://schemas.openxmlformats.org/officeDocument/2006/relationships" xmlns:p="http://schemas.openxmlformats.org/presentationml/2006/main">
+  <p:cSld>
+    <p:spTree>
+      <p:nvGrpSpPr>
+        <p:cNvPr id="1" name=""/>
+        <p:cNvGrpSpPr/>
+        <p:nvPr/>
+      </p:nvGrpSpPr>
+      <p:grpSpPr>
+        <a:xfrm>
+          <a:off x="0" y="0"/>
+          <a:ext cx="0" cy="0"/>
+          <a:chOff x="0" y="0"/>
+          <a:chExt cx="0" cy="0"/>
+        </a:xfrm>
+      </p:grpSpPr>
+      <p:sp>
+        <p:nvSpPr>
+          <p:cNvPr id="2" name="Tytuł 1"/>
+          <p:cNvSpPr>
+            <a:spLocks noGrp="1"/>
+          </p:cNvSpPr>
+          <p:nvPr>
+            <p:ph type="title"/>
+          </p:nvPr>
+        </p:nvSpPr>
+        <p:spPr/>
+        <p:txBody>
+          <a:bodyPr>
+            <a:normAutofit fontScale="90000"/>
+          </a:bodyPr>
+          <a:lstStyle/>
+          <a:p>
+            <a:r>
+              <a:rPr lang="pl-PL" dirty="0" smtClean="0"/>
+              <a:t>Przygotowany przykład – fragmenty kodu </a:t>
+            </a:r>
+            <a:r>
+              <a:rPr lang="pl-PL" dirty="0" smtClean="0"/>
+              <a:t>w QSPI</a:t>
+            </a:r>
+            <a:endParaRPr lang="pl-PL" dirty="0"/>
+          </a:p>
+        </p:txBody>
+      </p:sp>
+      <p:pic>
+        <p:nvPicPr>
+          <p:cNvPr id="4098" name="Picture 2"/>
+          <p:cNvPicPr>
+            <a:picLocks noGrp="1" noChangeAspect="1" noChangeArrowheads="1"/>
+          </p:cNvPicPr>
+          <p:nvPr>
+            <p:ph idx="1"/>
+          </p:nvPr>
+        </p:nvPicPr>
+        <p:blipFill>
+          <a:blip r:embed="rId2"/>
+          <a:srcRect/>
+          <a:stretch>
+            <a:fillRect/>
+          </a:stretch>
+        </p:blipFill>
+        <p:spPr bwMode="auto">
+          <a:xfrm>
+            <a:off x="2500298" y="2357430"/>
+            <a:ext cx="6357950" cy="3579125"/>
+          </a:xfrm>
+          <a:prstGeom prst="rect">
+            <a:avLst/>
+          </a:prstGeom>
+          <a:noFill/>
+          <a:ln w="9525">
+            <a:noFill/>
+            <a:miter lim="800000"/>
+            <a:headEnd/>
+            <a:tailEnd/>
+          </a:ln>
+          <a:effectLst/>
+        </p:spPr>
+      </p:pic>
+    </p:spTree>
+  </p:cSld>
+  <p:clrMapOvr>
+    <a:masterClrMapping/>
+  </p:clrMapOvr>
+</p:sld>
+</file>
+
+<file path=ppt/slides/slide15.xml><?xml version="1.0" encoding="utf-8"?>
+<p:sld xmlns:a="http://schemas.openxmlformats.org/drawingml/2006/main" xmlns:r="http://schemas.openxmlformats.org/officeDocument/2006/relationships" xmlns:p="http://schemas.openxmlformats.org/presentationml/2006/main">
+  <p:cSld>
+    <p:spTree>
+      <p:nvGrpSpPr>
+        <p:cNvPr id="1" name=""/>
+        <p:cNvGrpSpPr/>
+        <p:nvPr/>
+      </p:nvGrpSpPr>
+      <p:grpSpPr>
+        <a:xfrm>
+          <a:off x="0" y="0"/>
+          <a:ext cx="0" cy="0"/>
+          <a:chOff x="0" y="0"/>
+          <a:chExt cx="0" cy="0"/>
+        </a:xfrm>
+      </p:grpSpPr>
+      <p:sp>
+        <p:nvSpPr>
+          <p:cNvPr id="2" name="Tytuł 1"/>
+          <p:cNvSpPr>
+            <a:spLocks noGrp="1"/>
+          </p:cNvSpPr>
+          <p:nvPr>
+            <p:ph type="title"/>
+          </p:nvPr>
+        </p:nvSpPr>
+        <p:spPr>
+          <a:xfrm>
             <a:off x="142844" y="274638"/>
             <a:ext cx="8543956" cy="1143000"/>
           </a:xfrm>
@@ -4126,36 +4620,12 @@
           <a:lstStyle/>
           <a:p>
             <a:r>
-              <a:rPr lang="pl-PL" dirty="0" err="1" smtClean="0"/>
-              <a:t>Prepared</a:t>
-            </a:r>
-            <a:r>
               <a:rPr lang="pl-PL" dirty="0" smtClean="0"/>
-              <a:t> </a:t>
-            </a:r>
-            <a:r>
-              <a:rPr lang="pl-PL" dirty="0" err="1" smtClean="0"/>
-              <a:t>example</a:t>
+              <a:t>Przygotowany przykład </a:t>
             </a:r>
             <a:r>
               <a:rPr lang="pl-PL" dirty="0" smtClean="0"/>
-              <a:t> </a:t>
-            </a:r>
-            <a:r>
-              <a:rPr lang="pl-PL" dirty="0" smtClean="0"/>
-              <a:t>- </a:t>
-            </a:r>
-            <a:r>
-              <a:rPr lang="pl-PL" dirty="0" err="1" smtClean="0"/>
-              <a:t>Flashing</a:t>
-            </a:r>
-            <a:r>
-              <a:rPr lang="pl-PL" dirty="0" smtClean="0"/>
-              <a:t> and </a:t>
-            </a:r>
-            <a:r>
-              <a:rPr lang="pl-PL" dirty="0" err="1" smtClean="0"/>
-              <a:t>testing</a:t>
+              <a:t> -Programowanie i testowanie</a:t>
             </a:r>
             <a:endParaRPr lang="pl-PL" dirty="0"/>
           </a:p>
@@ -4195,7 +4665,7 @@
         </p:nvSpPr>
         <p:spPr>
           <a:xfrm>
-            <a:off x="857224" y="2500306"/>
+            <a:off x="857224" y="2714620"/>
             <a:ext cx="2340321" cy="369332"/>
           </a:xfrm>
           <a:prstGeom prst="rect">
@@ -4233,7 +4703,7 @@
 </p:sld>
 </file>
 
-<file path=ppt/slides/slide13.xml><?xml version="1.0" encoding="utf-8"?>
+<file path=ppt/slides/slide16.xml><?xml version="1.0" encoding="utf-8"?>
 <p:sld xmlns:a="http://schemas.openxmlformats.org/drawingml/2006/main" xmlns:r="http://schemas.openxmlformats.org/officeDocument/2006/relationships" xmlns:p="http://schemas.openxmlformats.org/presentationml/2006/main">
   <p:cSld>
     <p:spTree>
@@ -4260,27 +4730,14 @@
             <p:ph type="title"/>
           </p:nvPr>
         </p:nvSpPr>
-        <p:spPr>
-          <a:xfrm>
-            <a:off x="142844" y="357166"/>
-            <a:ext cx="5900750" cy="917596"/>
-          </a:xfrm>
-        </p:spPr>
+        <p:spPr/>
         <p:txBody>
           <a:bodyPr/>
           <a:lstStyle/>
           <a:p>
             <a:r>
-              <a:rPr lang="pl-PL" dirty="0" err="1" smtClean="0"/>
-              <a:t>Prepared</a:t>
-            </a:r>
-            <a:r>
               <a:rPr lang="pl-PL" dirty="0" smtClean="0"/>
-              <a:t> </a:t>
-            </a:r>
-            <a:r>
-              <a:rPr lang="pl-PL" dirty="0" err="1" smtClean="0"/>
-              <a:t>example</a:t>
+              <a:t>Podsumowanie</a:t>
             </a:r>
             <a:endParaRPr lang="pl-PL" dirty="0"/>
           </a:p>
@@ -4303,197 +4760,50 @@
           </a:bodyPr>
           <a:lstStyle/>
           <a:p>
-            <a:pPr>
-              <a:buNone/>
-            </a:pPr>
-            <a:r>
-              <a:rPr lang="pl-PL" sz="1800" b="1" dirty="0" smtClean="0"/>
-              <a:t>	</a:t>
-            </a:r>
-          </a:p>
-          <a:p>
-            <a:pPr>
-              <a:buNone/>
-            </a:pPr>
-            <a:endParaRPr lang="pl-PL" sz="1800" b="1" dirty="0" smtClean="0"/>
-          </a:p>
-          <a:p>
-            <a:pPr>
-              <a:buNone/>
-            </a:pPr>
-            <a:endParaRPr lang="pl-PL" sz="1800" b="1" dirty="0" smtClean="0"/>
-          </a:p>
-          <a:p>
-            <a:pPr>
-              <a:buNone/>
-            </a:pPr>
-            <a:endParaRPr lang="pl-PL" sz="1800" b="1" dirty="0" smtClean="0"/>
-          </a:p>
-          <a:p>
-            <a:pPr>
-              <a:buNone/>
-            </a:pPr>
-            <a:endParaRPr lang="pl-PL" sz="1800" b="1" dirty="0" smtClean="0"/>
-          </a:p>
-          <a:p>
-            <a:pPr>
-              <a:buNone/>
-            </a:pPr>
-            <a:endParaRPr lang="pl-PL" sz="1800" b="1" dirty="0" smtClean="0"/>
-          </a:p>
-          <a:p>
-            <a:pPr>
-              <a:buNone/>
-            </a:pPr>
-            <a:r>
-              <a:rPr lang="pl-PL" sz="1800" b="1" dirty="0" smtClean="0"/>
-              <a:t>	</a:t>
-            </a:r>
-            <a:r>
-              <a:rPr lang="pl-PL" sz="1800" b="1" dirty="0" err="1" smtClean="0"/>
-              <a:t>Github</a:t>
-            </a:r>
-            <a:r>
-              <a:rPr lang="pl-PL" sz="1800" b="1" dirty="0" smtClean="0"/>
-              <a:t>:</a:t>
-            </a:r>
-            <a:r>
-              <a:rPr lang="pl-PL" sz="1800" dirty="0" smtClean="0"/>
-              <a:t/>
+            <a:r>
+              <a:rPr lang="pl-PL" sz="2200" dirty="0" smtClean="0"/>
+              <a:t>Uruchomiono wyświetlacz sterowany przez DSI</a:t>
+            </a:r>
+          </a:p>
+          <a:p>
+            <a:r>
+              <a:rPr lang="pl-PL" sz="2200" dirty="0" smtClean="0"/>
+              <a:t>Przedstawiono możliwości biblioteki LVGL</a:t>
+            </a:r>
+          </a:p>
+          <a:p>
+            <a:r>
+              <a:rPr lang="pl-PL" sz="2200" dirty="0" smtClean="0"/>
+              <a:t>Zaprezentowano program generator GUI – </a:t>
+            </a:r>
+            <a:r>
+              <a:rPr lang="pl-PL" sz="2200" dirty="0" err="1" smtClean="0"/>
+              <a:t>SquareLine</a:t>
+            </a:r>
+            <a:endParaRPr lang="pl-PL" sz="2200" dirty="0" smtClean="0"/>
+          </a:p>
+          <a:p>
+            <a:endParaRPr lang="pl-PL" sz="2200" dirty="0" smtClean="0"/>
+          </a:p>
+          <a:p>
+            <a:endParaRPr lang="pl-PL" sz="2200" dirty="0" smtClean="0"/>
+          </a:p>
+          <a:p>
+            <a:r>
+              <a:rPr lang="pl-PL" sz="2200" dirty="0" smtClean="0"/>
+              <a:t>Wspomniano/ pobieżnie omówiono o układy</a:t>
             </a:r>
             <a:br>
-              <a:rPr lang="pl-PL" sz="1800" dirty="0" smtClean="0"/>
+              <a:rPr lang="pl-PL" sz="2200" dirty="0" smtClean="0"/>
             </a:br>
             <a:r>
-              <a:rPr lang="pl-PL" sz="1800" dirty="0" smtClean="0">
-                <a:hlinkClick r:id="rId2"/>
-              </a:rPr>
-              <a:t>https</a:t>
-            </a:r>
-            <a:r>
-              <a:rPr lang="pl-PL" sz="1800" dirty="0" smtClean="0">
-                <a:hlinkClick r:id="rId2"/>
-              </a:rPr>
-              <a:t>://</a:t>
-            </a:r>
-            <a:r>
-              <a:rPr lang="pl-PL" sz="1800" dirty="0" smtClean="0">
-                <a:hlinkClick r:id="rId2"/>
-              </a:rPr>
-              <a:t>github.com/trteodor/stm32h747_disco_lvgl_bare_metal</a:t>
-            </a:r>
-            <a:r>
-              <a:rPr lang="pl-PL" sz="1800" dirty="0" smtClean="0"/>
-              <a:t> </a:t>
-            </a:r>
-          </a:p>
-          <a:p>
-            <a:pPr>
-              <a:buNone/>
-            </a:pPr>
-            <a:r>
-              <a:rPr lang="pl-PL" sz="1800" dirty="0" smtClean="0"/>
-              <a:t/>
-            </a:r>
-            <a:br>
-              <a:rPr lang="pl-PL" sz="1800" dirty="0" smtClean="0"/>
-            </a:br>
-            <a:r>
-              <a:rPr lang="pl-PL" sz="1800" b="1" dirty="0" err="1" smtClean="0"/>
-              <a:t>Free</a:t>
-            </a:r>
-            <a:r>
-              <a:rPr lang="pl-PL" sz="1800" b="1" dirty="0" smtClean="0"/>
-              <a:t> </a:t>
-            </a:r>
-            <a:r>
-              <a:rPr lang="pl-PL" sz="1800" b="1" dirty="0" err="1" smtClean="0"/>
-              <a:t>Icons</a:t>
-            </a:r>
-            <a:r>
-              <a:rPr lang="pl-PL" sz="1800" b="1" dirty="0" smtClean="0"/>
-              <a:t>:</a:t>
-            </a:r>
-            <a:r>
-              <a:rPr lang="pl-PL" sz="1800" dirty="0" smtClean="0"/>
-              <a:t/>
-            </a:r>
-            <a:br>
-              <a:rPr lang="pl-PL" sz="1800" dirty="0" smtClean="0"/>
-            </a:br>
-            <a:r>
-              <a:rPr lang="pl-PL" sz="1800" dirty="0" smtClean="0">
-                <a:hlinkClick r:id="rId3"/>
-              </a:rPr>
-              <a:t>https://</a:t>
-            </a:r>
-            <a:r>
-              <a:rPr lang="pl-PL" sz="1800" dirty="0" smtClean="0">
-                <a:hlinkClick r:id="rId3"/>
-              </a:rPr>
-              <a:t>all-free-download.com/free-icon/pack-jpeg.html</a:t>
-            </a:r>
-            <a:r>
-              <a:rPr lang="pl-PL" sz="1800" dirty="0" smtClean="0"/>
-              <a:t/>
-            </a:r>
-            <a:br>
-              <a:rPr lang="pl-PL" sz="1800" dirty="0" smtClean="0"/>
-            </a:br>
-            <a:r>
-              <a:rPr lang="pl-PL" sz="1800" dirty="0" smtClean="0"/>
-              <a:t/>
-            </a:r>
-            <a:br>
-              <a:rPr lang="pl-PL" sz="1800" dirty="0" smtClean="0"/>
-            </a:br>
-            <a:r>
-              <a:rPr lang="pl-PL" sz="1800" b="1" dirty="0" smtClean="0"/>
-              <a:t>Video demo:</a:t>
-            </a:r>
-            <a:r>
-              <a:rPr lang="pl-PL" sz="1800" dirty="0" smtClean="0"/>
-              <a:t/>
-            </a:r>
-            <a:br>
-              <a:rPr lang="pl-PL" sz="1800" dirty="0" smtClean="0"/>
-            </a:br>
-            <a:r>
-              <a:rPr lang="pl-PL" sz="1800" dirty="0" smtClean="0">
-                <a:hlinkClick r:id="rId4"/>
-              </a:rPr>
-              <a:t>https://youtu.be/5MxftdVXUOgd</a:t>
-            </a:r>
-            <a:endParaRPr lang="pl-PL" sz="1800" dirty="0"/>
-          </a:p>
-        </p:txBody>
-      </p:sp>
-      <p:pic>
-        <p:nvPicPr>
-          <p:cNvPr id="4" name="Picture 7" descr="D:\STM32_VSCodeWorkSpace\stm32h747_lvgl_master_start\Pictures\h747lvgl_Photo.jpg"/>
-          <p:cNvPicPr>
-            <a:picLocks noChangeAspect="1" noChangeArrowheads="1"/>
-          </p:cNvPicPr>
-          <p:nvPr/>
-        </p:nvPicPr>
-        <p:blipFill>
-          <a:blip r:embed="rId5" cstate="print"/>
-          <a:srcRect/>
-          <a:stretch>
-            <a:fillRect/>
-          </a:stretch>
-        </p:blipFill>
-        <p:spPr bwMode="auto">
-          <a:xfrm rot="2918870">
-            <a:off x="6022854" y="1156940"/>
-            <a:ext cx="2665556" cy="2025083"/>
-          </a:xfrm>
-          <a:prstGeom prst="rect">
-            <a:avLst/>
-          </a:prstGeom>
-          <a:noFill/>
-        </p:spPr>
-      </p:pic>
+              <a:rPr lang="pl-PL" sz="2200" dirty="0" smtClean="0"/>
+              <a:t>      SDRAM, QSPI, LTDC, DSI</a:t>
+            </a:r>
+            <a:endParaRPr lang="pl-PL" sz="2200" dirty="0"/>
+          </a:p>
+        </p:txBody>
+      </p:sp>
     </p:spTree>
   </p:cSld>
   <p:clrMapOvr>
@@ -4688,13 +4998,8 @@
             </a:r>
             <a:r>
               <a:rPr lang="pl-PL" dirty="0" smtClean="0"/>
-              <a:t> </a:t>
-            </a:r>
-            <a:r>
-              <a:rPr lang="pl-PL" dirty="0" smtClean="0"/>
-              <a:t>ST-LINK/V3</a:t>
-            </a:r>
-            <a:endParaRPr lang="pl-PL" dirty="0" smtClean="0"/>
+              <a:t> ST-LINK/V3</a:t>
+            </a:r>
           </a:p>
           <a:p>
             <a:r>
@@ -4797,7 +5102,7 @@
         </p:blipFill>
         <p:spPr bwMode="auto">
           <a:xfrm>
-            <a:off x="2116794" y="2571744"/>
+            <a:off x="2000232" y="2857496"/>
             <a:ext cx="7027206" cy="3857652"/>
           </a:xfrm>
           <a:prstGeom prst="rect">
@@ -4847,11 +5152,7 @@
             </a:pPr>
             <a:r>
               <a:rPr lang="pl-PL" dirty="0" smtClean="0"/>
-              <a:t> </a:t>
-            </a:r>
-            <a:r>
-              <a:rPr lang="pl-PL" dirty="0" smtClean="0"/>
-              <a:t>Generowanie kodu w języku C</a:t>
+              <a:t> Generowanie kodu w języku C</a:t>
             </a:r>
           </a:p>
           <a:p>
@@ -4876,11 +5177,7 @@
             </a:br>
             <a:r>
               <a:rPr lang="pl-PL" dirty="0" smtClean="0"/>
-              <a:t>	 – np. wywołanie niestandardowej </a:t>
-            </a:r>
-            <a:r>
-              <a:rPr lang="pl-PL" dirty="0" smtClean="0"/>
-              <a:t>funkcji</a:t>
+              <a:t>	 – np. wywołanie niestandardowej funkcji</a:t>
             </a:r>
           </a:p>
           <a:p>
@@ -4938,33 +5235,11 @@
             <p:ph type="title"/>
           </p:nvPr>
         </p:nvSpPr>
-        <p:spPr>
-          <a:xfrm>
-            <a:off x="428596" y="214290"/>
-            <a:ext cx="8229600" cy="1274786"/>
-          </a:xfrm>
-        </p:spPr>
-        <p:txBody>
-          <a:bodyPr>
-            <a:normAutofit fontScale="90000"/>
-          </a:bodyPr>
-          <a:lstStyle/>
-          <a:p>
-            <a:r>
-              <a:rPr lang="pl-PL" dirty="0" smtClean="0"/>
-              <a:t>Wyświetlacz OTM8009A</a:t>
-            </a:r>
-            <a:br>
-              <a:rPr lang="pl-PL" dirty="0" smtClean="0"/>
-            </a:br>
-            <a:r>
-              <a:rPr lang="pl-PL" dirty="0" err="1" smtClean="0"/>
-              <a:t>On-The-Board</a:t>
-            </a:r>
-            <a:r>
-              <a:rPr lang="pl-PL" dirty="0" smtClean="0"/>
-              <a:t> </a:t>
-            </a:r>
+        <p:spPr/>
+        <p:txBody>
+          <a:bodyPr/>
+          <a:lstStyle/>
+          <a:p>
             <a:r>
               <a:rPr lang="pl-PL" dirty="0" smtClean="0">
                 <a:solidFill>
@@ -4972,16 +5247,14 @@
                 </a:solidFill>
                 <a:latin typeface="Berlin Sans FB Demi" pitchFamily="34" charset="0"/>
               </a:rPr>
-              <a:t>STM32H747-Discovery</a:t>
-            </a:r>
-            <a:r>
-              <a:rPr lang="pl-PL" dirty="0" smtClean="0"/>
-              <a:t/>
-            </a:r>
-            <a:br>
-              <a:rPr lang="pl-PL" dirty="0" smtClean="0"/>
-            </a:br>
-            <a:endParaRPr lang="pl-PL" dirty="0"/>
+              <a:t>MCU - STM32H747</a:t>
+            </a:r>
+            <a:endParaRPr lang="pl-PL" dirty="0">
+              <a:solidFill>
+                <a:srgbClr val="EE208C"/>
+              </a:solidFill>
+              <a:latin typeface="Berlin Sans FB Demi" pitchFamily="34" charset="0"/>
+            </a:endParaRPr>
           </a:p>
         </p:txBody>
       </p:sp>
@@ -5000,7 +5273,7 @@
           <a:bodyPr/>
           <a:lstStyle/>
           <a:p>
-            <a:endParaRPr lang="pl-PL" dirty="0"/>
+            <a:endParaRPr lang="pl-PL"/>
           </a:p>
         </p:txBody>
       </p:sp>
@@ -5039,7 +5312,12 @@
             <p:ph type="title"/>
           </p:nvPr>
         </p:nvSpPr>
-        <p:spPr/>
+        <p:spPr>
+          <a:xfrm>
+            <a:off x="428596" y="214290"/>
+            <a:ext cx="8229600" cy="1274786"/>
+          </a:xfrm>
+        </p:spPr>
         <p:txBody>
           <a:bodyPr>
             <a:normAutofit fontScale="90000"/>
@@ -5048,7 +5326,35 @@
           <a:p>
             <a:r>
               <a:rPr lang="pl-PL" dirty="0" smtClean="0"/>
-              <a:t>LTDC</a:t>
+              <a:t>Sterownik wyświetlacza OTM8009A</a:t>
+            </a:r>
+            <a:r>
+              <a:rPr lang="pl-PL" dirty="0" smtClean="0"/>
+              <a:t/>
+            </a:r>
+            <a:br>
+              <a:rPr lang="pl-PL" dirty="0" smtClean="0"/>
+            </a:br>
+            <a:r>
+              <a:rPr lang="pl-PL" dirty="0" err="1" smtClean="0"/>
+              <a:t>On-The-Board</a:t>
+            </a:r>
+            <a:r>
+              <a:rPr lang="pl-PL" dirty="0" smtClean="0"/>
+              <a:t> </a:t>
+            </a:r>
+            <a:r>
+              <a:rPr lang="pl-PL" dirty="0" smtClean="0">
+                <a:solidFill>
+                  <a:srgbClr val="EE208C"/>
+                </a:solidFill>
+                <a:latin typeface="Berlin Sans FB Demi" pitchFamily="34" charset="0"/>
+              </a:rPr>
+              <a:t>STM32H747-Discovery</a:t>
+            </a:r>
+            <a:r>
+              <a:rPr lang="pl-PL" dirty="0" smtClean="0"/>
+              <a:t/>
             </a:r>
             <a:br>
               <a:rPr lang="pl-PL" dirty="0" smtClean="0"/>
@@ -5072,7 +5378,7 @@
           <a:bodyPr/>
           <a:lstStyle/>
           <a:p>
-            <a:endParaRPr lang="pl-PL"/>
+            <a:endParaRPr lang="pl-PL" dirty="0"/>
           </a:p>
         </p:txBody>
       </p:sp>
@@ -5118,7 +5424,15 @@
           <a:p>
             <a:r>
               <a:rPr lang="pl-PL" dirty="0" smtClean="0"/>
-              <a:t>DSI</a:t>
+              <a:t>Display serial </a:t>
+            </a:r>
+            <a:r>
+              <a:rPr lang="pl-PL" dirty="0" err="1" smtClean="0"/>
+              <a:t>interface</a:t>
+            </a:r>
+            <a:r>
+              <a:rPr lang="pl-PL" dirty="0" smtClean="0"/>
+              <a:t> (DSI)</a:t>
             </a:r>
             <a:endParaRPr lang="pl-PL" dirty="0"/>
           </a:p>
@@ -5178,38 +5492,73 @@
             <p:ph type="title"/>
           </p:nvPr>
         </p:nvSpPr>
-        <p:spPr/>
-        <p:txBody>
-          <a:bodyPr/>
-          <a:lstStyle/>
-          <a:p>
-            <a:r>
-              <a:rPr lang="pl-PL" dirty="0" smtClean="0"/>
-              <a:t>SDRAM</a:t>
+        <p:spPr>
+          <a:xfrm>
+            <a:off x="457200" y="274638"/>
+            <a:ext cx="8229600" cy="1225536"/>
+          </a:xfrm>
+        </p:spPr>
+        <p:txBody>
+          <a:bodyPr>
+            <a:normAutofit/>
+          </a:bodyPr>
+          <a:lstStyle/>
+          <a:p>
+            <a:r>
+              <a:rPr lang="pl-PL" b="1" dirty="0" err="1" smtClean="0"/>
+              <a:t>LCD-TFT</a:t>
+            </a:r>
+            <a:r>
+              <a:rPr lang="pl-PL" b="1" dirty="0" smtClean="0"/>
+              <a:t> display </a:t>
+            </a:r>
+            <a:r>
+              <a:rPr lang="pl-PL" b="1" dirty="0" err="1" smtClean="0"/>
+              <a:t>controller</a:t>
+            </a:r>
+            <a:r>
+              <a:rPr lang="pl-PL" b="1" dirty="0" smtClean="0"/>
+              <a:t> (LTDC)</a:t>
             </a:r>
             <a:endParaRPr lang="pl-PL" dirty="0"/>
           </a:p>
         </p:txBody>
       </p:sp>
-      <p:sp>
-        <p:nvSpPr>
-          <p:cNvPr id="3" name="Symbol zastępczy zawartości 2"/>
-          <p:cNvSpPr>
-            <a:spLocks noGrp="1"/>
-          </p:cNvSpPr>
+      <p:pic>
+        <p:nvPicPr>
+          <p:cNvPr id="1026" name="Picture 2"/>
+          <p:cNvPicPr>
+            <a:picLocks noGrp="1" noChangeAspect="1" noChangeArrowheads="1"/>
+          </p:cNvPicPr>
           <p:nvPr>
             <p:ph idx="1"/>
           </p:nvPr>
-        </p:nvSpPr>
-        <p:spPr/>
-        <p:txBody>
-          <a:bodyPr/>
-          <a:lstStyle/>
-          <a:p>
-            <a:endParaRPr lang="pl-PL"/>
-          </a:p>
-        </p:txBody>
-      </p:sp>
+        </p:nvPicPr>
+        <p:blipFill>
+          <a:blip r:embed="rId2"/>
+          <a:srcRect/>
+          <a:stretch>
+            <a:fillRect/>
+          </a:stretch>
+        </p:blipFill>
+        <p:spPr bwMode="auto">
+          <a:xfrm>
+            <a:off x="2214546" y="1643050"/>
+            <a:ext cx="6264429" cy="4483100"/>
+          </a:xfrm>
+          <a:prstGeom prst="rect">
+            <a:avLst/>
+          </a:prstGeom>
+          <a:noFill/>
+          <a:ln w="9525">
+            <a:noFill/>
+            <a:miter lim="800000"/>
+            <a:headEnd/>
+            <a:tailEnd/>
+          </a:ln>
+          <a:effectLst/>
+        </p:spPr>
+      </p:pic>
     </p:spTree>
   </p:cSld>
   <p:clrMapOvr>
@@ -5248,57 +5597,69 @@
         <p:spPr/>
         <p:txBody>
           <a:bodyPr>
-            <a:normAutofit fontScale="90000"/>
+            <a:normAutofit/>
           </a:bodyPr>
           <a:lstStyle/>
           <a:p>
             <a:r>
-              <a:rPr lang="pl-PL" dirty="0" smtClean="0"/>
-              <a:t>QSPI – </a:t>
-            </a:r>
-            <a:r>
-              <a:rPr lang="pl-PL" dirty="0" err="1" smtClean="0"/>
-              <a:t>Quad</a:t>
-            </a:r>
-            <a:r>
-              <a:rPr lang="pl-PL" dirty="0" smtClean="0"/>
-              <a:t> Serial </a:t>
-            </a:r>
-            <a:r>
-              <a:rPr lang="pl-PL" dirty="0" err="1" smtClean="0"/>
-              <a:t>periph</a:t>
-            </a:r>
-            <a:r>
-              <a:rPr lang="pl-PL" dirty="0" smtClean="0"/>
-              <a:t>. </a:t>
-            </a:r>
-            <a:r>
-              <a:rPr lang="pl-PL" dirty="0" err="1" smtClean="0"/>
-              <a:t>interface</a:t>
+              <a:rPr lang="pl-PL" b="1" dirty="0" err="1" smtClean="0"/>
+              <a:t>LCD-TFT</a:t>
+            </a:r>
+            <a:r>
+              <a:rPr lang="pl-PL" b="1" dirty="0" smtClean="0"/>
+              <a:t> display </a:t>
+            </a:r>
+            <a:r>
+              <a:rPr lang="pl-PL" b="1" dirty="0" err="1" smtClean="0"/>
+              <a:t>controller</a:t>
+            </a:r>
+            <a:r>
+              <a:rPr lang="pl-PL" b="1" dirty="0" smtClean="0"/>
+              <a:t> (LTDC</a:t>
+            </a:r>
+            <a:r>
+              <a:rPr lang="pl-PL" b="1" dirty="0" smtClean="0"/>
+              <a:t>)</a:t>
             </a:r>
             <a:endParaRPr lang="pl-PL" dirty="0"/>
           </a:p>
         </p:txBody>
       </p:sp>
-      <p:sp>
-        <p:nvSpPr>
-          <p:cNvPr id="3" name="Symbol zastępczy zawartości 2"/>
-          <p:cNvSpPr>
-            <a:spLocks noGrp="1"/>
-          </p:cNvSpPr>
+      <p:pic>
+        <p:nvPicPr>
+          <p:cNvPr id="2050" name="Picture 2"/>
+          <p:cNvPicPr>
+            <a:picLocks noGrp="1" noChangeAspect="1" noChangeArrowheads="1"/>
+          </p:cNvPicPr>
           <p:nvPr>
             <p:ph idx="1"/>
           </p:nvPr>
-        </p:nvSpPr>
-        <p:spPr/>
-        <p:txBody>
-          <a:bodyPr/>
-          <a:lstStyle/>
-          <a:p>
-            <a:endParaRPr lang="pl-PL"/>
-          </a:p>
-        </p:txBody>
-      </p:sp>
+        </p:nvPicPr>
+        <p:blipFill>
+          <a:blip r:embed="rId2"/>
+          <a:srcRect/>
+          <a:stretch>
+            <a:fillRect/>
+          </a:stretch>
+        </p:blipFill>
+        <p:spPr bwMode="auto">
+          <a:xfrm>
+            <a:off x="457200" y="2101079"/>
+            <a:ext cx="8229600" cy="3524205"/>
+          </a:xfrm>
+          <a:prstGeom prst="rect">
+            <a:avLst/>
+          </a:prstGeom>
+          <a:noFill/>
+          <a:ln w="9525">
+            <a:noFill/>
+            <a:miter lim="800000"/>
+            <a:headEnd/>
+            <a:tailEnd/>
+          </a:ln>
+          <a:effectLst/>
+        </p:spPr>
+      </p:pic>
     </p:spTree>
   </p:cSld>
   <p:clrMapOvr>
@@ -5340,34 +5701,10 @@
           <a:lstStyle/>
           <a:p>
             <a:r>
-              <a:rPr lang="pl-PL" dirty="0" err="1" smtClean="0">
-                <a:solidFill>
-                  <a:srgbClr val="7C7F07"/>
-                </a:solidFill>
-              </a:rPr>
-              <a:t>DLTuc</a:t>
-            </a:r>
-            <a:r>
-              <a:rPr lang="pl-PL" dirty="0" smtClean="0">
-                <a:solidFill>
-                  <a:srgbClr val="7C7F07"/>
-                </a:solidFill>
-              </a:rPr>
-              <a:t> </a:t>
-            </a:r>
-            <a:r>
-              <a:rPr lang="pl-PL" dirty="0" err="1" smtClean="0">
-                <a:solidFill>
-                  <a:srgbClr val="7C7F07"/>
-                </a:solidFill>
-              </a:rPr>
-              <a:t>Library</a:t>
-            </a:r>
-            <a:endParaRPr lang="pl-PL" dirty="0">
-              <a:solidFill>
-                <a:srgbClr val="7C7F07"/>
-              </a:solidFill>
-            </a:endParaRPr>
+              <a:rPr lang="pl-PL" dirty="0" smtClean="0"/>
+              <a:t>SDRAM</a:t>
+            </a:r>
+            <a:endParaRPr lang="pl-PL" dirty="0"/>
           </a:p>
         </p:txBody>
       </p:sp>
@@ -5381,107 +5718,12 @@
             <p:ph idx="1"/>
           </p:nvPr>
         </p:nvSpPr>
-        <p:spPr>
-          <a:xfrm>
-            <a:off x="357158" y="2857496"/>
-            <a:ext cx="8229600" cy="642942"/>
-          </a:xfrm>
-        </p:spPr>
-        <p:txBody>
-          <a:bodyPr>
-            <a:normAutofit/>
-          </a:bodyPr>
-          <a:lstStyle/>
-          <a:p>
-            <a:pPr>
-              <a:buNone/>
-            </a:pPr>
-            <a:r>
-              <a:rPr lang="pl-PL" dirty="0" smtClean="0">
-                <a:hlinkClick r:id="rId2"/>
-              </a:rPr>
-              <a:t>https</a:t>
-            </a:r>
-            <a:r>
-              <a:rPr lang="pl-PL" dirty="0" smtClean="0">
-                <a:hlinkClick r:id="rId2"/>
-              </a:rPr>
-              <a:t>://</a:t>
-            </a:r>
-            <a:r>
-              <a:rPr lang="pl-PL" dirty="0" smtClean="0">
-                <a:hlinkClick r:id="rId2"/>
-              </a:rPr>
-              <a:t>youtu.be/WWnudktQlP0</a:t>
-            </a:r>
-            <a:r>
-              <a:rPr lang="pl-PL" dirty="0" smtClean="0"/>
-              <a:t> </a:t>
-            </a:r>
-            <a:endParaRPr lang="pl-PL" dirty="0"/>
-          </a:p>
-        </p:txBody>
-      </p:sp>
-      <p:pic>
-        <p:nvPicPr>
-          <p:cNvPr id="3075" name="Picture 3"/>
-          <p:cNvPicPr>
-            <a:picLocks noChangeAspect="1" noChangeArrowheads="1"/>
-          </p:cNvPicPr>
-          <p:nvPr/>
-        </p:nvPicPr>
-        <p:blipFill>
-          <a:blip r:embed="rId3"/>
-          <a:srcRect/>
-          <a:stretch>
-            <a:fillRect/>
-          </a:stretch>
-        </p:blipFill>
-        <p:spPr bwMode="auto">
-          <a:xfrm>
-            <a:off x="928662" y="3571876"/>
-            <a:ext cx="6154737" cy="2209800"/>
-          </a:xfrm>
-          <a:prstGeom prst="rect">
-            <a:avLst/>
-          </a:prstGeom>
-          <a:noFill/>
-          <a:ln w="9525">
-            <a:noFill/>
-            <a:miter lim="800000"/>
-            <a:headEnd/>
-            <a:tailEnd/>
-          </a:ln>
-          <a:effectLst/>
-        </p:spPr>
-      </p:pic>
-      <p:sp>
-        <p:nvSpPr>
-          <p:cNvPr id="6" name="pole tekstowe 5"/>
-          <p:cNvSpPr txBox="1"/>
-          <p:nvPr/>
-        </p:nvSpPr>
-        <p:spPr>
-          <a:xfrm>
-            <a:off x="357158" y="2285992"/>
-            <a:ext cx="6643734" cy="369332"/>
-          </a:xfrm>
-          <a:prstGeom prst="rect">
-            <a:avLst/>
-          </a:prstGeom>
-          <a:noFill/>
-        </p:spPr>
-        <p:txBody>
-          <a:bodyPr wrap="square" rtlCol="0">
-            <a:spAutoFit/>
-          </a:bodyPr>
-          <a:lstStyle/>
-          <a:p>
-            <a:r>
-              <a:rPr lang="pl-PL" smtClean="0"/>
-              <a:t>Uproszczenie procesu rozwoju oprogramowania wbudowanego</a:t>
-            </a:r>
-            <a:endParaRPr lang="pl-PL" dirty="0" smtClean="0"/>
+        <p:spPr/>
+        <p:txBody>
+          <a:bodyPr/>
+          <a:lstStyle/>
+          <a:p>
+            <a:endParaRPr lang="pl-PL"/>
           </a:p>
         </p:txBody>
       </p:sp>

--- a/Presenation.pptx
+++ b/Presenation.pptx
@@ -9,20 +9,20 @@
   </p:notesMasterIdLst>
   <p:sldIdLst>
     <p:sldId id="256" r:id="rId2"/>
-    <p:sldId id="257" r:id="rId3"/>
-    <p:sldId id="258" r:id="rId4"/>
-    <p:sldId id="273" r:id="rId5"/>
-    <p:sldId id="263" r:id="rId6"/>
+    <p:sldId id="264" r:id="rId3"/>
+    <p:sldId id="273" r:id="rId4"/>
+    <p:sldId id="258" r:id="rId5"/>
+    <p:sldId id="257" r:id="rId6"/>
     <p:sldId id="260" r:id="rId7"/>
     <p:sldId id="259" r:id="rId8"/>
-    <p:sldId id="271" r:id="rId9"/>
+    <p:sldId id="263" r:id="rId9"/>
     <p:sldId id="268" r:id="rId10"/>
     <p:sldId id="269" r:id="rId11"/>
     <p:sldId id="267" r:id="rId12"/>
-    <p:sldId id="264" r:id="rId13"/>
-    <p:sldId id="265" r:id="rId14"/>
-    <p:sldId id="270" r:id="rId15"/>
-    <p:sldId id="266" r:id="rId16"/>
+    <p:sldId id="265" r:id="rId13"/>
+    <p:sldId id="270" r:id="rId14"/>
+    <p:sldId id="266" r:id="rId15"/>
+    <p:sldId id="274" r:id="rId16"/>
     <p:sldId id="272" r:id="rId17"/>
   </p:sldIdLst>
   <p:sldSz cx="9144000" cy="6858000" type="screen4x3"/>
@@ -208,7 +208,7 @@
             <a:fld id="{A2B7CEFC-AA97-4249-A47A-FC92A5A1EFB2}" type="datetimeFigureOut">
               <a:rPr lang="pl-PL" smtClean="0"/>
               <a:pPr/>
-              <a:t>22.05.2023</a:t>
+              <a:t>27.05.2023</a:t>
             </a:fld>
             <a:endParaRPr lang="pl-PL"/>
           </a:p>
@@ -542,7 +542,7 @@
             <a:fld id="{2E119433-815C-41C2-A5E7-F8B2392C3E25}" type="slidenum">
               <a:rPr lang="pl-PL" smtClean="0"/>
               <a:pPr/>
-              <a:t>2</a:t>
+              <a:t>5</a:t>
             </a:fld>
             <a:endParaRPr lang="pl-PL"/>
           </a:p>
@@ -738,7 +738,7 @@
             <a:fld id="{66221E02-25CB-4963-84BC-0813985E7D90}" type="datetimeFigureOut">
               <a:rPr lang="pl-PL" smtClean="0"/>
               <a:pPr/>
-              <a:t>22.05.2023</a:t>
+              <a:t>27.05.2023</a:t>
             </a:fld>
             <a:endParaRPr lang="pl-PL"/>
           </a:p>
@@ -905,7 +905,7 @@
             <a:fld id="{66221E02-25CB-4963-84BC-0813985E7D90}" type="datetimeFigureOut">
               <a:rPr lang="pl-PL" smtClean="0"/>
               <a:pPr/>
-              <a:t>22.05.2023</a:t>
+              <a:t>27.05.2023</a:t>
             </a:fld>
             <a:endParaRPr lang="pl-PL"/>
           </a:p>
@@ -1082,7 +1082,7 @@
             <a:fld id="{66221E02-25CB-4963-84BC-0813985E7D90}" type="datetimeFigureOut">
               <a:rPr lang="pl-PL" smtClean="0"/>
               <a:pPr/>
-              <a:t>22.05.2023</a:t>
+              <a:t>27.05.2023</a:t>
             </a:fld>
             <a:endParaRPr lang="pl-PL"/>
           </a:p>
@@ -1249,7 +1249,7 @@
             <a:fld id="{66221E02-25CB-4963-84BC-0813985E7D90}" type="datetimeFigureOut">
               <a:rPr lang="pl-PL" smtClean="0"/>
               <a:pPr/>
-              <a:t>22.05.2023</a:t>
+              <a:t>27.05.2023</a:t>
             </a:fld>
             <a:endParaRPr lang="pl-PL"/>
           </a:p>
@@ -1492,7 +1492,7 @@
             <a:fld id="{66221E02-25CB-4963-84BC-0813985E7D90}" type="datetimeFigureOut">
               <a:rPr lang="pl-PL" smtClean="0"/>
               <a:pPr/>
-              <a:t>22.05.2023</a:t>
+              <a:t>27.05.2023</a:t>
             </a:fld>
             <a:endParaRPr lang="pl-PL"/>
           </a:p>
@@ -1777,7 +1777,7 @@
             <a:fld id="{66221E02-25CB-4963-84BC-0813985E7D90}" type="datetimeFigureOut">
               <a:rPr lang="pl-PL" smtClean="0"/>
               <a:pPr/>
-              <a:t>22.05.2023</a:t>
+              <a:t>27.05.2023</a:t>
             </a:fld>
             <a:endParaRPr lang="pl-PL"/>
           </a:p>
@@ -2196,7 +2196,7 @@
             <a:fld id="{66221E02-25CB-4963-84BC-0813985E7D90}" type="datetimeFigureOut">
               <a:rPr lang="pl-PL" smtClean="0"/>
               <a:pPr/>
-              <a:t>22.05.2023</a:t>
+              <a:t>27.05.2023</a:t>
             </a:fld>
             <a:endParaRPr lang="pl-PL"/>
           </a:p>
@@ -2311,7 +2311,7 @@
             <a:fld id="{66221E02-25CB-4963-84BC-0813985E7D90}" type="datetimeFigureOut">
               <a:rPr lang="pl-PL" smtClean="0"/>
               <a:pPr/>
-              <a:t>22.05.2023</a:t>
+              <a:t>27.05.2023</a:t>
             </a:fld>
             <a:endParaRPr lang="pl-PL"/>
           </a:p>
@@ -2403,7 +2403,7 @@
             <a:fld id="{66221E02-25CB-4963-84BC-0813985E7D90}" type="datetimeFigureOut">
               <a:rPr lang="pl-PL" smtClean="0"/>
               <a:pPr/>
-              <a:t>22.05.2023</a:t>
+              <a:t>27.05.2023</a:t>
             </a:fld>
             <a:endParaRPr lang="pl-PL"/>
           </a:p>
@@ -2677,7 +2677,7 @@
             <a:fld id="{66221E02-25CB-4963-84BC-0813985E7D90}" type="datetimeFigureOut">
               <a:rPr lang="pl-PL" smtClean="0"/>
               <a:pPr/>
-              <a:t>22.05.2023</a:t>
+              <a:t>27.05.2023</a:t>
             </a:fld>
             <a:endParaRPr lang="pl-PL"/>
           </a:p>
@@ -2927,7 +2927,7 @@
             <a:fld id="{66221E02-25CB-4963-84BC-0813985E7D90}" type="datetimeFigureOut">
               <a:rPr lang="pl-PL" smtClean="0"/>
               <a:pPr/>
-              <a:t>22.05.2023</a:t>
+              <a:t>27.05.2023</a:t>
             </a:fld>
             <a:endParaRPr lang="pl-PL"/>
           </a:p>
@@ -3137,7 +3137,7 @@
             <a:fld id="{66221E02-25CB-4963-84BC-0813985E7D90}" type="datetimeFigureOut">
               <a:rPr lang="pl-PL" smtClean="0"/>
               <a:pPr/>
-              <a:t>22.05.2023</a:t>
+              <a:t>27.05.2023</a:t>
             </a:fld>
             <a:endParaRPr lang="pl-PL"/>
           </a:p>
@@ -3788,6 +3788,13 @@
   <p:clrMapOvr>
     <a:masterClrMapping/>
   </p:clrMapOvr>
+  <p:timing>
+    <p:tnLst>
+      <p:par>
+        <p:cTn id="1" dur="indefinite" restart="never" nodeType="tmRoot"/>
+      </p:par>
+    </p:tnLst>
+  </p:timing>
 </p:sld>
 </file>
 
@@ -3831,11 +3838,7 @@
             </a:r>
             <a:r>
               <a:rPr lang="pl-PL" dirty="0" smtClean="0"/>
-              <a:t> </a:t>
-            </a:r>
-            <a:r>
-              <a:rPr lang="pl-PL" dirty="0" smtClean="0"/>
-              <a:t>Serial </a:t>
+              <a:t> Serial </a:t>
             </a:r>
             <a:r>
               <a:rPr lang="pl-PL" dirty="0" err="1" smtClean="0"/>
@@ -3851,40 +3854,123 @@
             </a:r>
             <a:r>
               <a:rPr lang="pl-PL" dirty="0" smtClean="0"/>
-              <a:t> (</a:t>
-            </a:r>
-            <a:r>
-              <a:rPr lang="pl-PL" dirty="0" smtClean="0"/>
-              <a:t>QSPI)</a:t>
+              <a:t> (QSPI</a:t>
+            </a:r>
+            <a:r>
+              <a:rPr lang="pl-PL" dirty="0" smtClean="0"/>
+              <a:t>)</a:t>
+            </a:r>
+            <a:br>
+              <a:rPr lang="pl-PL" dirty="0" smtClean="0"/>
+            </a:br>
+            <a:r>
+              <a:rPr lang="pl-PL" dirty="0" smtClean="0"/>
+              <a:t>- </a:t>
+            </a:r>
+            <a:r>
+              <a:rPr lang="pl-PL" dirty="0" err="1" smtClean="0"/>
+              <a:t>Memory</a:t>
+            </a:r>
+            <a:r>
+              <a:rPr lang="pl-PL" dirty="0" smtClean="0"/>
+              <a:t> </a:t>
+            </a:r>
+            <a:r>
+              <a:rPr lang="pl-PL" dirty="0" err="1" smtClean="0"/>
+              <a:t>mapped</a:t>
+            </a:r>
+            <a:r>
+              <a:rPr lang="pl-PL" dirty="0" smtClean="0"/>
+              <a:t> </a:t>
+            </a:r>
+            <a:r>
+              <a:rPr lang="pl-PL" dirty="0" err="1" smtClean="0"/>
+              <a:t>mode</a:t>
             </a:r>
             <a:endParaRPr lang="pl-PL" dirty="0"/>
           </a:p>
         </p:txBody>
       </p:sp>
-      <p:sp>
-        <p:nvSpPr>
-          <p:cNvPr id="3" name="Symbol zastępczy zawartości 2"/>
-          <p:cNvSpPr>
-            <a:spLocks noGrp="1"/>
-          </p:cNvSpPr>
+      <p:pic>
+        <p:nvPicPr>
+          <p:cNvPr id="6146" name="Picture 2"/>
+          <p:cNvPicPr>
+            <a:picLocks noGrp="1" noChangeAspect="1" noChangeArrowheads="1"/>
+          </p:cNvPicPr>
           <p:nvPr>
             <p:ph idx="1"/>
           </p:nvPr>
-        </p:nvSpPr>
-        <p:spPr/>
-        <p:txBody>
-          <a:bodyPr/>
-          <a:lstStyle/>
-          <a:p>
-            <a:endParaRPr lang="pl-PL"/>
-          </a:p>
-        </p:txBody>
-      </p:sp>
+        </p:nvPicPr>
+        <p:blipFill>
+          <a:blip r:embed="rId2"/>
+          <a:srcRect/>
+          <a:stretch>
+            <a:fillRect/>
+          </a:stretch>
+        </p:blipFill>
+        <p:spPr bwMode="auto">
+          <a:xfrm>
+            <a:off x="914400" y="1571612"/>
+            <a:ext cx="8229600" cy="1218072"/>
+          </a:xfrm>
+          <a:prstGeom prst="rect">
+            <a:avLst/>
+          </a:prstGeom>
+          <a:noFill/>
+          <a:ln w="9525">
+            <a:noFill/>
+            <a:miter lim="800000"/>
+            <a:headEnd/>
+            <a:tailEnd/>
+          </a:ln>
+          <a:effectLst/>
+        </p:spPr>
+      </p:pic>
+      <p:pic>
+        <p:nvPicPr>
+          <p:cNvPr id="6147" name="Picture 3"/>
+          <p:cNvPicPr>
+            <a:picLocks noChangeAspect="1" noChangeArrowheads="1"/>
+          </p:cNvPicPr>
+          <p:nvPr/>
+        </p:nvPicPr>
+        <p:blipFill>
+          <a:blip r:embed="rId3"/>
+          <a:srcRect/>
+          <a:stretch>
+            <a:fillRect/>
+          </a:stretch>
+        </p:blipFill>
+        <p:spPr bwMode="auto">
+          <a:xfrm>
+            <a:off x="0" y="2786058"/>
+            <a:ext cx="3997297" cy="3704285"/>
+          </a:xfrm>
+          <a:prstGeom prst="rect">
+            <a:avLst/>
+          </a:prstGeom>
+          <a:noFill/>
+          <a:ln w="9525">
+            <a:noFill/>
+            <a:miter lim="800000"/>
+            <a:headEnd/>
+            <a:tailEnd/>
+          </a:ln>
+          <a:effectLst/>
+        </p:spPr>
+      </p:pic>
     </p:spTree>
   </p:cSld>
   <p:clrMapOvr>
     <a:masterClrMapping/>
   </p:clrMapOvr>
+  <p:timing>
+    <p:tnLst>
+      <p:par>
+        <p:cTn id="1" dur="indefinite" restart="never" nodeType="tmRoot"/>
+      </p:par>
+    </p:tnLst>
+  </p:timing>
 </p:sld>
 </file>
 
@@ -3964,7 +4050,7 @@
         </p:nvSpPr>
         <p:spPr>
           <a:xfrm>
-            <a:off x="357158" y="2857496"/>
+            <a:off x="357158" y="2786058"/>
             <a:ext cx="8229600" cy="642942"/>
           </a:xfrm>
         </p:spPr>
@@ -4047,10 +4133,67 @@
           <a:lstStyle/>
           <a:p>
             <a:r>
-              <a:rPr lang="pl-PL" smtClean="0"/>
-              <a:t>Uproszczenie procesu rozwoju oprogramowania wbudowanego</a:t>
+              <a:rPr lang="en-US" dirty="0" smtClean="0"/>
+              <a:t>Simplifying the </a:t>
+            </a:r>
+            <a:r>
+              <a:rPr lang="pl-PL" dirty="0" err="1" smtClean="0"/>
+              <a:t>embedded</a:t>
+            </a:r>
+            <a:r>
+              <a:rPr lang="pl-PL" dirty="0" smtClean="0"/>
+              <a:t> </a:t>
+            </a:r>
+            <a:r>
+              <a:rPr lang="en-US" dirty="0" smtClean="0"/>
+              <a:t>software </a:t>
+            </a:r>
+            <a:r>
+              <a:rPr lang="en-US" dirty="0" smtClean="0"/>
+              <a:t>development process</a:t>
             </a:r>
             <a:endParaRPr lang="pl-PL" dirty="0" smtClean="0"/>
+          </a:p>
+        </p:txBody>
+      </p:sp>
+      <p:sp>
+        <p:nvSpPr>
+          <p:cNvPr id="7" name="Prostokąt 6"/>
+          <p:cNvSpPr/>
+          <p:nvPr/>
+        </p:nvSpPr>
+        <p:spPr>
+          <a:xfrm>
+            <a:off x="428596" y="3500438"/>
+            <a:ext cx="3876702" cy="369332"/>
+          </a:xfrm>
+          <a:prstGeom prst="rect">
+            <a:avLst/>
+          </a:prstGeom>
+        </p:spPr>
+        <p:txBody>
+          <a:bodyPr wrap="none">
+            <a:spAutoFit/>
+          </a:bodyPr>
+          <a:lstStyle/>
+          <a:p>
+            <a:r>
+              <a:rPr lang="pl-PL" dirty="0" smtClean="0">
+                <a:hlinkClick r:id="rId4"/>
+              </a:rPr>
+              <a:t>https://</a:t>
+            </a:r>
+            <a:r>
+              <a:rPr lang="pl-PL" dirty="0" smtClean="0">
+                <a:hlinkClick r:id="rId4"/>
+              </a:rPr>
+              <a:t>github.com/trteodor/DLTuc_lib</a:t>
+            </a:r>
+            <a:r>
+              <a:rPr lang="pl-PL" dirty="0" smtClean="0"/>
+              <a:t> </a:t>
+            </a:r>
+            <a:endParaRPr lang="pl-PL" dirty="0"/>
           </a:p>
         </p:txBody>
       </p:sp>
@@ -4059,6 +4202,13 @@
   <p:clrMapOvr>
     <a:masterClrMapping/>
   </p:clrMapOvr>
+  <p:timing>
+    <p:tnLst>
+      <p:par>
+        <p:cTn id="1" dur="indefinite" restart="never" nodeType="tmRoot"/>
+      </p:par>
+    </p:tnLst>
+  </p:timing>
 </p:sld>
 </file>
 
@@ -4089,34 +4239,6 @@
             <p:ph type="title"/>
           </p:nvPr>
         </p:nvSpPr>
-        <p:spPr>
-          <a:xfrm>
-            <a:off x="142844" y="357166"/>
-            <a:ext cx="5900750" cy="917596"/>
-          </a:xfrm>
-        </p:spPr>
-        <p:txBody>
-          <a:bodyPr/>
-          <a:lstStyle/>
-          <a:p>
-            <a:r>
-              <a:rPr lang="pl-PL" dirty="0" smtClean="0"/>
-              <a:t>Przygotowany przykład</a:t>
-            </a:r>
-            <a:endParaRPr lang="pl-PL" dirty="0"/>
-          </a:p>
-        </p:txBody>
-      </p:sp>
-      <p:sp>
-        <p:nvSpPr>
-          <p:cNvPr id="3" name="Symbol zastępczy zawartości 2"/>
-          <p:cNvSpPr>
-            <a:spLocks noGrp="1"/>
-          </p:cNvSpPr>
-          <p:nvPr>
-            <p:ph idx="1"/>
-          </p:nvPr>
-        </p:nvSpPr>
         <p:spPr/>
         <p:txBody>
           <a:bodyPr>
@@ -4124,188 +4246,211 @@
           </a:bodyPr>
           <a:lstStyle/>
           <a:p>
+            <a:r>
+              <a:rPr lang="pl-PL" dirty="0" err="1" smtClean="0"/>
+              <a:t>Prepared</a:t>
+            </a:r>
+            <a:r>
+              <a:rPr lang="pl-PL" dirty="0" smtClean="0"/>
+              <a:t> </a:t>
+            </a:r>
+            <a:r>
+              <a:rPr lang="pl-PL" dirty="0" err="1" smtClean="0"/>
+              <a:t>example</a:t>
+            </a:r>
+            <a:r>
+              <a:rPr lang="pl-PL" dirty="0" smtClean="0"/>
+              <a:t> - </a:t>
+            </a:r>
+            <a:r>
+              <a:rPr lang="pl-PL" dirty="0" err="1" smtClean="0"/>
+              <a:t>compilation</a:t>
+            </a:r>
+            <a:endParaRPr lang="pl-PL" dirty="0"/>
+          </a:p>
+        </p:txBody>
+      </p:sp>
+      <p:sp>
+        <p:nvSpPr>
+          <p:cNvPr id="3" name="Symbol zastępczy zawartości 2"/>
+          <p:cNvSpPr>
+            <a:spLocks noGrp="1"/>
+          </p:cNvSpPr>
+          <p:nvPr>
+            <p:ph idx="1"/>
+          </p:nvPr>
+        </p:nvSpPr>
+        <p:spPr/>
+        <p:txBody>
+          <a:bodyPr>
+            <a:normAutofit fontScale="77500" lnSpcReduction="20000"/>
+          </a:bodyPr>
+          <a:lstStyle/>
+          <a:p>
+            <a:r>
+              <a:rPr lang="pl-PL" dirty="0" smtClean="0"/>
+              <a:t>Take </a:t>
+            </a:r>
+            <a:r>
+              <a:rPr lang="pl-PL" dirty="0" err="1" smtClean="0"/>
+              <a:t>care</a:t>
+            </a:r>
+            <a:r>
+              <a:rPr lang="pl-PL" dirty="0" smtClean="0"/>
+              <a:t> </a:t>
+            </a:r>
+            <a:r>
+              <a:rPr lang="pl-PL" dirty="0" err="1" smtClean="0"/>
+              <a:t>about</a:t>
+            </a:r>
+            <a:r>
+              <a:rPr lang="pl-PL" dirty="0" smtClean="0"/>
+              <a:t> </a:t>
+            </a:r>
+            <a:r>
+              <a:rPr lang="pl-PL" dirty="0" err="1" smtClean="0"/>
+              <a:t>following</a:t>
+            </a:r>
+            <a:r>
+              <a:rPr lang="pl-PL" dirty="0" smtClean="0"/>
+              <a:t>:</a:t>
+            </a:r>
+            <a:endParaRPr lang="pl-PL" dirty="0" smtClean="0"/>
+          </a:p>
+          <a:p>
             <a:pPr>
               <a:buNone/>
             </a:pPr>
             <a:r>
-              <a:rPr lang="pl-PL" sz="1800" b="1" dirty="0" smtClean="0"/>
-              <a:t>	</a:t>
+              <a:rPr lang="pl-PL" dirty="0" smtClean="0"/>
+              <a:t/>
+            </a:r>
+            <a:br>
+              <a:rPr lang="pl-PL" dirty="0" smtClean="0"/>
+            </a:br>
+            <a:r>
+              <a:rPr lang="pl-PL" dirty="0" smtClean="0"/>
+              <a:t>* </a:t>
+            </a:r>
+            <a:r>
+              <a:rPr lang="pl-PL" dirty="0" err="1" smtClean="0"/>
+              <a:t>arm-none-eabi-gcc</a:t>
+            </a:r>
+            <a:r>
+              <a:rPr lang="pl-PL" dirty="0" smtClean="0"/>
+              <a:t> 9.3.1</a:t>
             </a:r>
           </a:p>
           <a:p>
             <a:pPr>
               <a:buNone/>
             </a:pPr>
-            <a:endParaRPr lang="pl-PL" sz="1800" b="1" dirty="0" smtClean="0"/>
+            <a:r>
+              <a:rPr lang="pl-PL" dirty="0" smtClean="0"/>
+              <a:t>    * </a:t>
+            </a:r>
+            <a:r>
+              <a:rPr lang="pl-PL" dirty="0" err="1" smtClean="0"/>
+              <a:t>OpenOCD</a:t>
+            </a:r>
+            <a:r>
+              <a:rPr lang="pl-PL" dirty="0" smtClean="0"/>
+              <a:t> 0.11.0</a:t>
+            </a:r>
           </a:p>
           <a:p>
             <a:pPr>
               <a:buNone/>
             </a:pPr>
-            <a:endParaRPr lang="pl-PL" sz="1800" b="1" dirty="0" smtClean="0"/>
+            <a:r>
+              <a:rPr lang="pl-PL" dirty="0" smtClean="0"/>
+              <a:t>    * make 4.2.1 / </a:t>
+            </a:r>
+            <a:r>
+              <a:rPr lang="pl-PL" dirty="0" err="1" smtClean="0"/>
+              <a:t>or</a:t>
+            </a:r>
+            <a:r>
+              <a:rPr lang="pl-PL" dirty="0" smtClean="0"/>
+              <a:t> 3.81</a:t>
+            </a:r>
           </a:p>
           <a:p>
             <a:pPr>
               <a:buNone/>
             </a:pPr>
-            <a:endParaRPr lang="pl-PL" sz="1800" b="1" dirty="0" smtClean="0"/>
+            <a:r>
+              <a:rPr lang="pl-PL" dirty="0" smtClean="0"/>
+              <a:t>    * STM32_Programmer_CLI</a:t>
+            </a:r>
           </a:p>
           <a:p>
             <a:pPr>
               <a:buNone/>
             </a:pPr>
-            <a:endParaRPr lang="pl-PL" sz="1800" b="1" dirty="0" smtClean="0"/>
+            <a:r>
+              <a:rPr lang="pl-PL" dirty="0" smtClean="0"/>
+              <a:t>    </a:t>
+            </a:r>
+            <a:r>
+              <a:rPr lang="pl-PL" dirty="0" smtClean="0"/>
+              <a:t>* </a:t>
+            </a:r>
+            <a:r>
+              <a:rPr lang="pl-PL" dirty="0" err="1" smtClean="0"/>
+              <a:t>Account</a:t>
+            </a:r>
+            <a:r>
+              <a:rPr lang="pl-PL" dirty="0" smtClean="0"/>
+              <a:t> </a:t>
+            </a:r>
+            <a:r>
+              <a:rPr lang="pl-PL" dirty="0" err="1" smtClean="0"/>
+              <a:t>Variable</a:t>
+            </a:r>
+            <a:r>
+              <a:rPr lang="pl-PL" dirty="0" smtClean="0"/>
+              <a:t> to STM32_CubeProgrammer: STM32_CubeProgrammerPATH eg. </a:t>
+            </a:r>
+            <a:r>
+              <a:rPr lang="pl-PL" dirty="0" err="1" smtClean="0"/>
+              <a:t>path</a:t>
+            </a:r>
+            <a:r>
+              <a:rPr lang="pl-PL" dirty="0" smtClean="0"/>
+              <a:t>: D:\STMicroelectronics\STM32Cube\STM32CubeProgrammer\bin</a:t>
+            </a:r>
           </a:p>
           <a:p>
             <a:pPr>
               <a:buNone/>
             </a:pPr>
-            <a:endParaRPr lang="pl-PL" sz="1800" b="1" dirty="0" smtClean="0"/>
-          </a:p>
-          <a:p>
-            <a:pPr>
-              <a:buNone/>
-            </a:pPr>
-            <a:r>
-              <a:rPr lang="pl-PL" sz="1800" b="1" dirty="0" smtClean="0"/>
-              <a:t>	</a:t>
-            </a:r>
-            <a:r>
-              <a:rPr lang="pl-PL" sz="1800" b="1" dirty="0" err="1" smtClean="0"/>
-              <a:t>Github</a:t>
-            </a:r>
-            <a:r>
-              <a:rPr lang="pl-PL" sz="1800" b="1" dirty="0" smtClean="0"/>
-              <a:t>:</a:t>
-            </a:r>
-            <a:r>
-              <a:rPr lang="pl-PL" sz="1800" dirty="0" smtClean="0"/>
+            <a:r>
+              <a:rPr lang="pl-PL" dirty="0" smtClean="0"/>
               <a:t/>
             </a:r>
             <a:br>
-              <a:rPr lang="pl-PL" sz="1800" dirty="0" smtClean="0"/>
+              <a:rPr lang="pl-PL" dirty="0" smtClean="0"/>
             </a:br>
-            <a:r>
-              <a:rPr lang="pl-PL" sz="1800" dirty="0" smtClean="0">
-                <a:hlinkClick r:id="rId2"/>
-              </a:rPr>
-              <a:t>https://github.com/trteodor/stm32h747_disco_lvgl_bare_metal</a:t>
-            </a:r>
-            <a:r>
-              <a:rPr lang="pl-PL" sz="1800" dirty="0" smtClean="0"/>
-              <a:t> </a:t>
-            </a:r>
-          </a:p>
-          <a:p>
-            <a:pPr>
-              <a:buNone/>
-            </a:pPr>
-            <a:r>
-              <a:rPr lang="pl-PL" sz="1800" dirty="0" smtClean="0"/>
-              <a:t/>
-            </a:r>
-            <a:br>
-              <a:rPr lang="pl-PL" sz="1800" dirty="0" smtClean="0"/>
-            </a:br>
-            <a:r>
-              <a:rPr lang="pl-PL" sz="1800" b="1" dirty="0" err="1" smtClean="0"/>
-              <a:t>Free</a:t>
-            </a:r>
-            <a:r>
-              <a:rPr lang="pl-PL" sz="1800" b="1" dirty="0" smtClean="0"/>
-              <a:t> </a:t>
-            </a:r>
-            <a:r>
-              <a:rPr lang="pl-PL" sz="1800" b="1" dirty="0" err="1" smtClean="0"/>
-              <a:t>Icons</a:t>
-            </a:r>
-            <a:r>
-              <a:rPr lang="pl-PL" sz="1800" b="1" dirty="0" smtClean="0"/>
-              <a:t>:</a:t>
-            </a:r>
-            <a:r>
-              <a:rPr lang="pl-PL" sz="1800" dirty="0" smtClean="0"/>
-              <a:t/>
-            </a:r>
-            <a:br>
-              <a:rPr lang="pl-PL" sz="1800" dirty="0" smtClean="0"/>
-            </a:br>
-            <a:r>
-              <a:rPr lang="pl-PL" sz="1800" dirty="0" smtClean="0">
-                <a:hlinkClick r:id="rId3"/>
-              </a:rPr>
-              <a:t>https://all-free-download.com/free-icon/pack-jpeg.html</a:t>
-            </a:r>
-            <a:r>
-              <a:rPr lang="pl-PL" sz="1800" dirty="0" smtClean="0"/>
-              <a:t/>
-            </a:r>
-            <a:br>
-              <a:rPr lang="pl-PL" sz="1800" dirty="0" smtClean="0"/>
-            </a:br>
-            <a:r>
-              <a:rPr lang="pl-PL" sz="1800" dirty="0" smtClean="0"/>
-              <a:t/>
-            </a:r>
-            <a:br>
-              <a:rPr lang="pl-PL" sz="1800" dirty="0" smtClean="0"/>
-            </a:br>
-            <a:r>
-              <a:rPr lang="pl-PL" sz="1800" b="1" dirty="0" err="1" smtClean="0"/>
-              <a:t>Benchmark</a:t>
-            </a:r>
-            <a:r>
-              <a:rPr lang="pl-PL" sz="1800" b="1" dirty="0" smtClean="0"/>
-              <a:t> video show:</a:t>
-            </a:r>
-            <a:r>
-              <a:rPr lang="pl-PL" sz="1800" dirty="0" smtClean="0"/>
-              <a:t/>
-            </a:r>
-            <a:br>
-              <a:rPr lang="pl-PL" sz="1800" dirty="0" smtClean="0"/>
-            </a:br>
-            <a:r>
-              <a:rPr lang="pl-PL" sz="1800" dirty="0" smtClean="0">
-                <a:hlinkClick r:id="rId4"/>
-              </a:rPr>
-              <a:t>https://youtu.be/5MxftdVXUOgd</a:t>
-            </a:r>
-            <a:endParaRPr lang="pl-PL" sz="1800" dirty="0"/>
-          </a:p>
-        </p:txBody>
-      </p:sp>
-      <p:pic>
-        <p:nvPicPr>
-          <p:cNvPr id="4" name="Picture 7" descr="D:\STM32_VSCodeWorkSpace\stm32h747_lvgl_master_start\Pictures\h747lvgl_Photo.jpg"/>
-          <p:cNvPicPr>
-            <a:picLocks noChangeAspect="1" noChangeArrowheads="1"/>
-          </p:cNvPicPr>
-          <p:nvPr/>
-        </p:nvPicPr>
-        <p:blipFill>
-          <a:blip r:embed="rId5" cstate="print"/>
-          <a:srcRect/>
-          <a:stretch>
-            <a:fillRect/>
-          </a:stretch>
-        </p:blipFill>
-        <p:spPr bwMode="auto">
-          <a:xfrm rot="2918870">
-            <a:off x="6022854" y="1156940"/>
-            <a:ext cx="2665556" cy="2025083"/>
-          </a:xfrm>
-          <a:prstGeom prst="rect">
-            <a:avLst/>
-          </a:prstGeom>
-          <a:noFill/>
-        </p:spPr>
-      </p:pic>
+            <a:endParaRPr lang="pl-PL" dirty="0" smtClean="0"/>
+          </a:p>
+          <a:p>
+            <a:endParaRPr lang="pl-PL" dirty="0"/>
+          </a:p>
+        </p:txBody>
+      </p:sp>
     </p:spTree>
   </p:cSld>
   <p:clrMapOvr>
     <a:masterClrMapping/>
   </p:clrMapOvr>
+  <p:timing>
+    <p:tnLst>
+      <p:par>
+        <p:cTn id="1" dur="indefinite" restart="never" nodeType="tmRoot"/>
+      </p:par>
+    </p:tnLst>
+  </p:timing>
 </p:sld>
 </file>
 
@@ -4336,7 +4481,12 @@
             <p:ph type="title"/>
           </p:nvPr>
         </p:nvSpPr>
-        <p:spPr/>
+        <p:spPr>
+          <a:xfrm>
+            <a:off x="0" y="274638"/>
+            <a:ext cx="9144000" cy="1143000"/>
+          </a:xfrm>
+        </p:spPr>
         <p:txBody>
           <a:bodyPr>
             <a:normAutofit fontScale="90000"/>
@@ -4344,105 +4494,32 @@
           <a:lstStyle/>
           <a:p>
             <a:r>
-              <a:rPr lang="pl-PL" dirty="0" smtClean="0"/>
-              <a:t>Przygotowany przykład - </a:t>
-            </a:r>
-            <a:r>
-              <a:rPr lang="pl-PL" dirty="0" smtClean="0"/>
-              <a:t>kompilowanie</a:t>
-            </a:r>
-            <a:endParaRPr lang="pl-PL" dirty="0"/>
-          </a:p>
-        </p:txBody>
-      </p:sp>
-      <p:sp>
-        <p:nvSpPr>
-          <p:cNvPr id="3" name="Symbol zastępczy zawartości 2"/>
-          <p:cNvSpPr>
-            <a:spLocks noGrp="1"/>
-          </p:cNvSpPr>
-          <p:nvPr>
-            <p:ph idx="1"/>
-          </p:nvPr>
-        </p:nvSpPr>
-        <p:spPr/>
-        <p:txBody>
-          <a:bodyPr>
-            <a:normAutofit fontScale="77500" lnSpcReduction="20000"/>
-          </a:bodyPr>
-          <a:lstStyle/>
-          <a:p>
-            <a:r>
-              <a:rPr lang="pl-PL" dirty="0" smtClean="0"/>
-              <a:t>Zadbaj o następujące programy:</a:t>
-            </a:r>
-          </a:p>
-          <a:p>
-            <a:pPr>
-              <a:buNone/>
-            </a:pPr>
-            <a:r>
-              <a:rPr lang="pl-PL" dirty="0" smtClean="0"/>
-              <a:t/>
-            </a:r>
-            <a:br>
-              <a:rPr lang="pl-PL" dirty="0" smtClean="0"/>
-            </a:br>
-            <a:r>
-              <a:rPr lang="pl-PL" dirty="0" smtClean="0"/>
-              <a:t>    * </a:t>
-            </a:r>
-            <a:r>
               <a:rPr lang="pl-PL" dirty="0" err="1" smtClean="0"/>
-              <a:t>arm-none-eabi-gcc</a:t>
-            </a:r>
-            <a:r>
-              <a:rPr lang="pl-PL" dirty="0" smtClean="0"/>
-              <a:t> 9.3.1</a:t>
-            </a:r>
-          </a:p>
-          <a:p>
-            <a:r>
-              <a:rPr lang="pl-PL" dirty="0" smtClean="0"/>
-              <a:t>    * </a:t>
+              <a:t>Prepared</a:t>
+            </a:r>
+            <a:r>
+              <a:rPr lang="pl-PL" dirty="0" smtClean="0"/>
+              <a:t> </a:t>
             </a:r>
             <a:r>
               <a:rPr lang="pl-PL" dirty="0" err="1" smtClean="0"/>
-              <a:t>OpenOCD</a:t>
-            </a:r>
-            <a:r>
-              <a:rPr lang="pl-PL" dirty="0" smtClean="0"/>
-              <a:t> 0.11.0</a:t>
-            </a:r>
-          </a:p>
-          <a:p>
-            <a:r>
-              <a:rPr lang="pl-PL" dirty="0" smtClean="0"/>
-              <a:t>    * make 4.2.1 / </a:t>
+              <a:t>example</a:t>
+            </a:r>
+            <a:r>
+              <a:rPr lang="pl-PL" dirty="0" smtClean="0"/>
+              <a:t> – </a:t>
             </a:r>
             <a:r>
               <a:rPr lang="pl-PL" dirty="0" err="1" smtClean="0"/>
-              <a:t>or</a:t>
-            </a:r>
-            <a:r>
-              <a:rPr lang="pl-PL" dirty="0" smtClean="0"/>
-              <a:t> 3.81</a:t>
-            </a:r>
-          </a:p>
-          <a:p>
-            <a:r>
-              <a:rPr lang="pl-PL" dirty="0" smtClean="0"/>
-              <a:t>    * STM32_Programmer_CLI</a:t>
-            </a:r>
-          </a:p>
-          <a:p>
-            <a:r>
-              <a:rPr lang="pl-PL" dirty="0" smtClean="0"/>
-              <a:t>    * </a:t>
+              <a:t>code</a:t>
+            </a:r>
+            <a:r>
+              <a:rPr lang="pl-PL" dirty="0" smtClean="0"/>
+              <a:t> </a:t>
             </a:r>
             <a:r>
               <a:rPr lang="pl-PL" dirty="0" err="1" smtClean="0"/>
-              <a:t>Account</a:t>
+              <a:t>framents</a:t>
             </a:r>
             <a:r>
               <a:rPr lang="pl-PL" dirty="0" smtClean="0"/>
@@ -4450,88 +4527,43 @@
             </a:r>
             <a:r>
               <a:rPr lang="pl-PL" dirty="0" err="1" smtClean="0"/>
-              <a:t>Variable</a:t>
-            </a:r>
-            <a:r>
-              <a:rPr lang="pl-PL" dirty="0" smtClean="0"/>
-              <a:t> to STM32_CubeProgrammer: STM32_CubeProgrammerPATH eg. </a:t>
+              <a:t>in</a:t>
+            </a:r>
+            <a:r>
+              <a:rPr lang="pl-PL" dirty="0" smtClean="0"/>
+              <a:t> </a:t>
             </a:r>
             <a:r>
               <a:rPr lang="pl-PL" dirty="0" err="1" smtClean="0"/>
-              <a:t>path</a:t>
-            </a:r>
-            <a:r>
-              <a:rPr lang="pl-PL" dirty="0" smtClean="0"/>
-              <a:t>: D:\STMicroelectronics\STM32Cube\STM32CubeProgrammer\bin</a:t>
-            </a:r>
-          </a:p>
-          <a:p>
-            <a:pPr>
-              <a:buNone/>
-            </a:pPr>
-            <a:r>
-              <a:rPr lang="pl-PL" dirty="0" smtClean="0"/>
-              <a:t/>
-            </a:r>
-            <a:br>
-              <a:rPr lang="pl-PL" dirty="0" smtClean="0"/>
-            </a:br>
-            <a:endParaRPr lang="pl-PL" dirty="0" smtClean="0"/>
-          </a:p>
-          <a:p>
-            <a:endParaRPr lang="pl-PL" dirty="0"/>
-          </a:p>
-        </p:txBody>
-      </p:sp>
-    </p:spTree>
-  </p:cSld>
-  <p:clrMapOvr>
-    <a:masterClrMapping/>
-  </p:clrMapOvr>
-</p:sld>
-</file>
-
-<file path=ppt/slides/slide14.xml><?xml version="1.0" encoding="utf-8"?>
-<p:sld xmlns:a="http://schemas.openxmlformats.org/drawingml/2006/main" xmlns:r="http://schemas.openxmlformats.org/officeDocument/2006/relationships" xmlns:p="http://schemas.openxmlformats.org/presentationml/2006/main">
-  <p:cSld>
-    <p:spTree>
-      <p:nvGrpSpPr>
-        <p:cNvPr id="1" name=""/>
-        <p:cNvGrpSpPr/>
-        <p:nvPr/>
-      </p:nvGrpSpPr>
-      <p:grpSpPr>
-        <a:xfrm>
-          <a:off x="0" y="0"/>
-          <a:ext cx="0" cy="0"/>
-          <a:chOff x="0" y="0"/>
-          <a:chExt cx="0" cy="0"/>
-        </a:xfrm>
-      </p:grpSpPr>
-      <p:sp>
-        <p:nvSpPr>
-          <p:cNvPr id="2" name="Tytuł 1"/>
-          <p:cNvSpPr>
-            <a:spLocks noGrp="1"/>
-          </p:cNvSpPr>
-          <p:nvPr>
-            <p:ph type="title"/>
-          </p:nvPr>
-        </p:nvSpPr>
-        <p:spPr/>
-        <p:txBody>
-          <a:bodyPr>
-            <a:normAutofit fontScale="90000"/>
-          </a:bodyPr>
-          <a:lstStyle/>
-          <a:p>
-            <a:r>
-              <a:rPr lang="pl-PL" dirty="0" smtClean="0"/>
-              <a:t>Przygotowany przykład – fragmenty kodu </a:t>
-            </a:r>
-            <a:r>
-              <a:rPr lang="pl-PL" dirty="0" smtClean="0"/>
-              <a:t>w QSPI</a:t>
+              <a:t>external</a:t>
+            </a:r>
+            <a:r>
+              <a:rPr lang="pl-PL" dirty="0" smtClean="0"/>
+              <a:t> serial </a:t>
+            </a:r>
+            <a:r>
+              <a:rPr lang="pl-PL" dirty="0" err="1" smtClean="0"/>
+              <a:t>memory</a:t>
+            </a:r>
+            <a:r>
+              <a:rPr lang="pl-PL" dirty="0" smtClean="0"/>
+              <a:t> </a:t>
+            </a:r>
+            <a:r>
+              <a:rPr lang="pl-PL" dirty="0" err="1" smtClean="0"/>
+              <a:t>acces</a:t>
+            </a:r>
+            <a:r>
+              <a:rPr lang="pl-PL" dirty="0" smtClean="0"/>
+              <a:t> </a:t>
+            </a:r>
+            <a:r>
+              <a:rPr lang="pl-PL" dirty="0" err="1" smtClean="0"/>
+              <a:t>though</a:t>
+            </a:r>
+            <a:r>
+              <a:rPr lang="pl-PL" dirty="0" smtClean="0"/>
+              <a:t> - QSPI</a:t>
             </a:r>
             <a:endParaRPr lang="pl-PL" dirty="0"/>
           </a:p>
@@ -4577,6 +4609,178 @@
   <p:clrMapOvr>
     <a:masterClrMapping/>
   </p:clrMapOvr>
+  <p:timing>
+    <p:tnLst>
+      <p:par>
+        <p:cTn id="1" dur="indefinite" restart="never" nodeType="tmRoot"/>
+      </p:par>
+    </p:tnLst>
+  </p:timing>
+</p:sld>
+</file>
+
+<file path=ppt/slides/slide14.xml><?xml version="1.0" encoding="utf-8"?>
+<p:sld xmlns:a="http://schemas.openxmlformats.org/drawingml/2006/main" xmlns:r="http://schemas.openxmlformats.org/officeDocument/2006/relationships" xmlns:p="http://schemas.openxmlformats.org/presentationml/2006/main">
+  <p:cSld>
+    <p:spTree>
+      <p:nvGrpSpPr>
+        <p:cNvPr id="1" name=""/>
+        <p:cNvGrpSpPr/>
+        <p:nvPr/>
+      </p:nvGrpSpPr>
+      <p:grpSpPr>
+        <a:xfrm>
+          <a:off x="0" y="0"/>
+          <a:ext cx="0" cy="0"/>
+          <a:chOff x="0" y="0"/>
+          <a:chExt cx="0" cy="0"/>
+        </a:xfrm>
+      </p:grpSpPr>
+      <p:sp>
+        <p:nvSpPr>
+          <p:cNvPr id="2" name="Tytuł 1"/>
+          <p:cNvSpPr>
+            <a:spLocks noGrp="1"/>
+          </p:cNvSpPr>
+          <p:nvPr>
+            <p:ph type="title"/>
+          </p:nvPr>
+        </p:nvSpPr>
+        <p:spPr>
+          <a:xfrm>
+            <a:off x="142844" y="142852"/>
+            <a:ext cx="8543956" cy="1143000"/>
+          </a:xfrm>
+        </p:spPr>
+        <p:txBody>
+          <a:bodyPr>
+            <a:normAutofit fontScale="90000"/>
+          </a:bodyPr>
+          <a:lstStyle/>
+          <a:p>
+            <a:r>
+              <a:rPr lang="pl-PL" dirty="0" err="1" smtClean="0"/>
+              <a:t>Prepared</a:t>
+            </a:r>
+            <a:r>
+              <a:rPr lang="pl-PL" dirty="0" smtClean="0"/>
+              <a:t> </a:t>
+            </a:r>
+            <a:r>
+              <a:rPr lang="pl-PL" dirty="0" err="1" smtClean="0"/>
+              <a:t>example</a:t>
+            </a:r>
+            <a:r>
+              <a:rPr lang="pl-PL" dirty="0" smtClean="0"/>
+              <a:t> </a:t>
+            </a:r>
+            <a:r>
+              <a:rPr lang="pl-PL" dirty="0" smtClean="0"/>
+              <a:t>– </a:t>
+            </a:r>
+            <a:br>
+              <a:rPr lang="pl-PL" dirty="0" smtClean="0"/>
+            </a:br>
+            <a:r>
+              <a:rPr lang="pl-PL" dirty="0" err="1" smtClean="0"/>
+              <a:t>Programming</a:t>
+            </a:r>
+            <a:r>
+              <a:rPr lang="pl-PL" dirty="0" smtClean="0"/>
+              <a:t> and </a:t>
+            </a:r>
+            <a:r>
+              <a:rPr lang="pl-PL" dirty="0" err="1" smtClean="0"/>
+              <a:t>testing</a:t>
+            </a:r>
+            <a:r>
+              <a:rPr lang="pl-PL" dirty="0" smtClean="0"/>
+              <a:t> </a:t>
+            </a:r>
+            <a:endParaRPr lang="pl-PL" dirty="0"/>
+          </a:p>
+        </p:txBody>
+      </p:sp>
+      <p:pic>
+        <p:nvPicPr>
+          <p:cNvPr id="4" name="Picture 7" descr="D:\STM32_VSCodeWorkSpace\stm32h747_lvgl_master_start\Pictures\h747lvgl_Photo.jpg"/>
+          <p:cNvPicPr>
+            <a:picLocks noChangeAspect="1" noChangeArrowheads="1"/>
+          </p:cNvPicPr>
+          <p:nvPr/>
+        </p:nvPicPr>
+        <p:blipFill>
+          <a:blip r:embed="rId2" cstate="print"/>
+          <a:srcRect/>
+          <a:stretch>
+            <a:fillRect/>
+          </a:stretch>
+        </p:blipFill>
+        <p:spPr bwMode="auto">
+          <a:xfrm rot="1333094">
+            <a:off x="4121880" y="2158843"/>
+            <a:ext cx="4538685" cy="3448141"/>
+          </a:xfrm>
+          <a:prstGeom prst="rect">
+            <a:avLst/>
+          </a:prstGeom>
+          <a:noFill/>
+        </p:spPr>
+      </p:pic>
+      <p:sp>
+        <p:nvSpPr>
+          <p:cNvPr id="5" name="pole tekstowe 4"/>
+          <p:cNvSpPr txBox="1"/>
+          <p:nvPr/>
+        </p:nvSpPr>
+        <p:spPr>
+          <a:xfrm>
+            <a:off x="857224" y="2714620"/>
+            <a:ext cx="2432204" cy="369332"/>
+          </a:xfrm>
+          <a:prstGeom prst="rect">
+            <a:avLst/>
+          </a:prstGeom>
+          <a:noFill/>
+        </p:spPr>
+        <p:txBody>
+          <a:bodyPr wrap="none" rtlCol="0">
+            <a:spAutoFit/>
+          </a:bodyPr>
+          <a:lstStyle/>
+          <a:p>
+            <a:r>
+              <a:rPr lang="pl-PL" dirty="0" err="1" smtClean="0"/>
+              <a:t>Command</a:t>
+            </a:r>
+            <a:r>
+              <a:rPr lang="pl-PL" dirty="0" smtClean="0"/>
+              <a:t>: </a:t>
+            </a:r>
+            <a:r>
+              <a:rPr lang="pl-PL" b="1" dirty="0" smtClean="0"/>
+              <a:t>make </a:t>
+            </a:r>
+            <a:r>
+              <a:rPr lang="pl-PL" b="1" dirty="0" err="1" smtClean="0"/>
+              <a:t>CubeF</a:t>
+            </a:r>
+            <a:endParaRPr lang="pl-PL" b="1" dirty="0"/>
+          </a:p>
+        </p:txBody>
+      </p:sp>
+    </p:spTree>
+  </p:cSld>
+  <p:clrMapOvr>
+    <a:masterClrMapping/>
+  </p:clrMapOvr>
+  <p:timing>
+    <p:tnLst>
+      <p:par>
+        <p:cTn id="1" dur="indefinite" restart="never" nodeType="tmRoot"/>
+      </p:par>
+    </p:tnLst>
+  </p:timing>
 </p:sld>
 </file>
 
@@ -4607,12 +4811,7 @@
             <p:ph type="title"/>
           </p:nvPr>
         </p:nvSpPr>
-        <p:spPr>
-          <a:xfrm>
-            <a:off x="142844" y="274638"/>
-            <a:ext cx="8543956" cy="1143000"/>
-          </a:xfrm>
-        </p:spPr>
+        <p:spPr/>
         <p:txBody>
           <a:bodyPr>
             <a:normAutofit fontScale="90000"/>
@@ -4621,77 +4820,432 @@
           <a:p>
             <a:r>
               <a:rPr lang="pl-PL" dirty="0" smtClean="0"/>
-              <a:t>Przygotowany przykład </a:t>
-            </a:r>
-            <a:r>
-              <a:rPr lang="pl-PL" dirty="0" smtClean="0"/>
-              <a:t> -Programowanie i testowanie</a:t>
+              <a:t>More </a:t>
+            </a:r>
+            <a:r>
+              <a:rPr lang="pl-PL" dirty="0" err="1" smtClean="0"/>
+              <a:t>examples</a:t>
+            </a:r>
+            <a:r>
+              <a:rPr lang="pl-PL" dirty="0" smtClean="0"/>
+              <a:t> STM32H747-Disco </a:t>
+            </a:r>
+            <a:r>
+              <a:rPr lang="pl-PL" dirty="0" err="1" smtClean="0"/>
+              <a:t>Board</a:t>
             </a:r>
             <a:endParaRPr lang="pl-PL" dirty="0"/>
           </a:p>
         </p:txBody>
       </p:sp>
-      <p:pic>
-        <p:nvPicPr>
-          <p:cNvPr id="4" name="Picture 7" descr="D:\STM32_VSCodeWorkSpace\stm32h747_lvgl_master_start\Pictures\h747lvgl_Photo.jpg"/>
-          <p:cNvPicPr>
-            <a:picLocks noChangeAspect="1" noChangeArrowheads="1"/>
-          </p:cNvPicPr>
-          <p:nvPr/>
-        </p:nvPicPr>
-        <p:blipFill>
-          <a:blip r:embed="rId2" cstate="print"/>
-          <a:srcRect/>
-          <a:stretch>
-            <a:fillRect/>
-          </a:stretch>
-        </p:blipFill>
-        <p:spPr bwMode="auto">
-          <a:xfrm rot="1333094">
-            <a:off x="4121881" y="1944529"/>
-            <a:ext cx="4538685" cy="3448141"/>
-          </a:xfrm>
-          <a:prstGeom prst="rect">
-            <a:avLst/>
-          </a:prstGeom>
-          <a:noFill/>
-        </p:spPr>
-      </p:pic>
-      <p:sp>
-        <p:nvSpPr>
-          <p:cNvPr id="5" name="pole tekstowe 4"/>
-          <p:cNvSpPr txBox="1"/>
-          <p:nvPr/>
-        </p:nvSpPr>
-        <p:spPr>
-          <a:xfrm>
-            <a:off x="857224" y="2714620"/>
-            <a:ext cx="2340321" cy="369332"/>
-          </a:xfrm>
-          <a:prstGeom prst="rect">
-            <a:avLst/>
-          </a:prstGeom>
-          <a:noFill/>
-        </p:spPr>
-        <p:txBody>
-          <a:bodyPr wrap="none" rtlCol="0">
-            <a:spAutoFit/>
+      <p:sp>
+        <p:nvSpPr>
+          <p:cNvPr id="3" name="Symbol zastępczy zawartości 2"/>
+          <p:cNvSpPr>
+            <a:spLocks noGrp="1"/>
+          </p:cNvSpPr>
+          <p:nvPr>
+            <p:ph idx="1"/>
+          </p:nvPr>
+        </p:nvSpPr>
+        <p:spPr/>
+        <p:txBody>
+          <a:bodyPr>
+            <a:normAutofit/>
           </a:bodyPr>
           <a:lstStyle/>
           <a:p>
             <a:r>
-              <a:rPr lang="pl-PL" dirty="0" smtClean="0"/>
-              <a:t>Komenda: </a:t>
-            </a:r>
-            <a:r>
-              <a:rPr lang="pl-PL" b="1" dirty="0" smtClean="0"/>
-              <a:t>make </a:t>
-            </a:r>
-            <a:r>
-              <a:rPr lang="pl-PL" b="1" dirty="0" err="1" smtClean="0"/>
-              <a:t>CubeF</a:t>
-            </a:r>
-            <a:endParaRPr lang="pl-PL" b="1" dirty="0"/>
+              <a:rPr lang="pl-PL" sz="1600" dirty="0" smtClean="0"/>
+              <a:t>STM32H7 </a:t>
+            </a:r>
+            <a:r>
+              <a:rPr lang="pl-PL" sz="1600" dirty="0" err="1" smtClean="0"/>
+              <a:t>Cube</a:t>
+            </a:r>
+            <a:r>
+              <a:rPr lang="pl-PL" sz="1600" dirty="0" smtClean="0"/>
+              <a:t> </a:t>
+            </a:r>
+            <a:r>
+              <a:rPr lang="pl-PL" sz="1600" dirty="0" err="1" smtClean="0"/>
+              <a:t>mcu</a:t>
+            </a:r>
+            <a:r>
+              <a:rPr lang="pl-PL" sz="1600" dirty="0" smtClean="0"/>
+              <a:t> </a:t>
+            </a:r>
+            <a:r>
+              <a:rPr lang="pl-PL" sz="1600" dirty="0" err="1" smtClean="0"/>
+              <a:t>package</a:t>
+            </a:r>
+            <a:r>
+              <a:rPr lang="pl-PL" sz="1600" dirty="0" smtClean="0"/>
+              <a:t>:</a:t>
+            </a:r>
+            <a:br>
+              <a:rPr lang="pl-PL" sz="1600" dirty="0" smtClean="0"/>
+            </a:br>
+            <a:r>
+              <a:rPr lang="pl-PL" sz="1600" dirty="0" smtClean="0">
+                <a:hlinkClick r:id="rId2"/>
+              </a:rPr>
+              <a:t>https</a:t>
+            </a:r>
+            <a:r>
+              <a:rPr lang="pl-PL" sz="1600" dirty="0" smtClean="0">
+                <a:hlinkClick r:id="rId2"/>
+              </a:rPr>
+              <a:t>://</a:t>
+            </a:r>
+            <a:r>
+              <a:rPr lang="pl-PL" sz="1600" dirty="0" smtClean="0">
+                <a:hlinkClick r:id="rId2"/>
+              </a:rPr>
+              <a:t>www.st.com/resource/en/application_note/dm00393275-stm32cube-mcu-package-examples-for-stm32h7-series-stmicroelectronics.pdf</a:t>
+            </a:r>
+            <a:r>
+              <a:rPr lang="pl-PL" sz="1600" dirty="0" smtClean="0"/>
+              <a:t> </a:t>
+            </a:r>
+          </a:p>
+          <a:p>
+            <a:r>
+              <a:rPr lang="pl-PL" sz="1600" dirty="0" smtClean="0"/>
+              <a:t>LVGL + </a:t>
+            </a:r>
+            <a:r>
+              <a:rPr lang="pl-PL" sz="1600" dirty="0" err="1" smtClean="0"/>
+              <a:t>Almost</a:t>
+            </a:r>
+            <a:r>
+              <a:rPr lang="pl-PL" sz="1600" dirty="0" smtClean="0"/>
+              <a:t> </a:t>
+            </a:r>
+            <a:r>
+              <a:rPr lang="pl-PL" sz="1600" dirty="0" err="1" smtClean="0"/>
+              <a:t>totally</a:t>
+            </a:r>
+            <a:r>
+              <a:rPr lang="pl-PL" sz="1600" dirty="0" smtClean="0"/>
+              <a:t> </a:t>
+            </a:r>
+            <a:r>
+              <a:rPr lang="pl-PL" sz="1600" dirty="0" err="1" smtClean="0"/>
+              <a:t>generated</a:t>
+            </a:r>
+            <a:r>
+              <a:rPr lang="pl-PL" sz="1600" dirty="0" smtClean="0"/>
+              <a:t> </a:t>
+            </a:r>
+            <a:r>
+              <a:rPr lang="pl-PL" sz="1600" dirty="0" err="1" smtClean="0"/>
+              <a:t>init</a:t>
+            </a:r>
+            <a:r>
+              <a:rPr lang="pl-PL" sz="1600" dirty="0" smtClean="0"/>
+              <a:t> </a:t>
+            </a:r>
+            <a:r>
+              <a:rPr lang="pl-PL" sz="1600" dirty="0" err="1" smtClean="0"/>
+              <a:t>code</a:t>
+            </a:r>
+            <a:r>
+              <a:rPr lang="pl-PL" sz="1600" dirty="0" smtClean="0"/>
+              <a:t> by </a:t>
+            </a:r>
+            <a:r>
+              <a:rPr lang="pl-PL" sz="1600" dirty="0" err="1" smtClean="0"/>
+              <a:t>CubeMX</a:t>
+            </a:r>
+            <a:r>
+              <a:rPr lang="pl-PL" sz="1600" dirty="0" smtClean="0"/>
+              <a:t> for </a:t>
+            </a:r>
+            <a:r>
+              <a:rPr lang="pl-PL" sz="1600" dirty="0" err="1" smtClean="0"/>
+              <a:t>the</a:t>
+            </a:r>
+            <a:r>
+              <a:rPr lang="pl-PL" sz="1600" dirty="0" smtClean="0"/>
+              <a:t> Display </a:t>
+            </a:r>
+            <a:r>
+              <a:rPr lang="pl-PL" sz="1600" dirty="0" err="1" smtClean="0"/>
+              <a:t>handling</a:t>
+            </a:r>
+            <a:r>
+              <a:rPr lang="pl-PL" sz="1600" dirty="0" smtClean="0"/>
+              <a:t> </a:t>
+            </a:r>
+            <a:r>
+              <a:rPr lang="pl-PL" sz="1600" dirty="0" err="1" smtClean="0"/>
+              <a:t>command</a:t>
+            </a:r>
+            <a:r>
+              <a:rPr lang="pl-PL" sz="1600" dirty="0" smtClean="0"/>
+              <a:t> </a:t>
+            </a:r>
+            <a:r>
+              <a:rPr lang="pl-PL" sz="1600" dirty="0" err="1" smtClean="0"/>
+              <a:t>mode</a:t>
+            </a:r>
+            <a:r>
+              <a:rPr lang="pl-PL" sz="1600" dirty="0" smtClean="0"/>
+              <a:t> and video. </a:t>
+            </a:r>
+            <a:r>
+              <a:rPr lang="pl-PL" sz="1600" dirty="0" err="1" smtClean="0"/>
+              <a:t>Some</a:t>
+            </a:r>
+            <a:r>
+              <a:rPr lang="pl-PL" sz="1600" dirty="0" smtClean="0"/>
+              <a:t> </a:t>
+            </a:r>
+            <a:r>
+              <a:rPr lang="pl-PL" sz="1600" dirty="0" err="1" smtClean="0"/>
+              <a:t>fixes</a:t>
+            </a:r>
+            <a:r>
+              <a:rPr lang="pl-PL" sz="1600" dirty="0" smtClean="0"/>
+              <a:t> </a:t>
+            </a:r>
+            <a:r>
+              <a:rPr lang="pl-PL" sz="1600" dirty="0" err="1" smtClean="0"/>
+              <a:t>is</a:t>
+            </a:r>
+            <a:r>
+              <a:rPr lang="pl-PL" sz="1600" dirty="0" smtClean="0"/>
+              <a:t> </a:t>
+            </a:r>
+            <a:r>
+              <a:rPr lang="pl-PL" sz="1600" dirty="0" err="1" smtClean="0"/>
+              <a:t>need</a:t>
+            </a:r>
+            <a:r>
+              <a:rPr lang="pl-PL" sz="1600" dirty="0" smtClean="0"/>
+              <a:t> but </a:t>
+            </a:r>
+            <a:r>
+              <a:rPr lang="pl-PL" sz="1600" dirty="0" err="1" smtClean="0"/>
+              <a:t>it</a:t>
+            </a:r>
+            <a:r>
+              <a:rPr lang="pl-PL" sz="1600" dirty="0" smtClean="0"/>
+              <a:t> </a:t>
+            </a:r>
+            <a:r>
+              <a:rPr lang="pl-PL" sz="1600" dirty="0" err="1" smtClean="0"/>
+              <a:t>work</a:t>
+            </a:r>
+            <a:r>
+              <a:rPr lang="pl-PL" sz="1600" dirty="0" smtClean="0"/>
+              <a:t> </a:t>
+            </a:r>
+            <a:r>
+              <a:rPr lang="pl-PL" sz="1600" dirty="0" err="1" smtClean="0"/>
+              <a:t>correctly</a:t>
+            </a:r>
+            <a:r>
+              <a:rPr lang="pl-PL" sz="1600" dirty="0" smtClean="0"/>
+              <a:t>! </a:t>
+            </a:r>
+            <a:r>
+              <a:rPr lang="pl-PL" sz="1600" dirty="0" err="1" smtClean="0">
+                <a:sym typeface="Wingdings" pitchFamily="2" charset="2"/>
+              </a:rPr>
+              <a:t>You</a:t>
+            </a:r>
+            <a:r>
+              <a:rPr lang="pl-PL" sz="1600" dirty="0" smtClean="0">
+                <a:sym typeface="Wingdings" pitchFamily="2" charset="2"/>
+              </a:rPr>
+              <a:t> </a:t>
+            </a:r>
+            <a:r>
+              <a:rPr lang="pl-PL" sz="1600" dirty="0" err="1" smtClean="0">
+                <a:sym typeface="Wingdings" pitchFamily="2" charset="2"/>
+              </a:rPr>
+              <a:t>can</a:t>
+            </a:r>
+            <a:r>
+              <a:rPr lang="pl-PL" sz="1600" dirty="0" smtClean="0">
+                <a:sym typeface="Wingdings" pitchFamily="2" charset="2"/>
+              </a:rPr>
+              <a:t> </a:t>
+            </a:r>
+            <a:r>
+              <a:rPr lang="pl-PL" sz="1600" dirty="0" err="1" smtClean="0">
+                <a:sym typeface="Wingdings" pitchFamily="2" charset="2"/>
+              </a:rPr>
+              <a:t>prepare</a:t>
+            </a:r>
+            <a:r>
+              <a:rPr lang="pl-PL" sz="1600" dirty="0" smtClean="0">
+                <a:sym typeface="Wingdings" pitchFamily="2" charset="2"/>
+              </a:rPr>
+              <a:t> </a:t>
+            </a:r>
+            <a:r>
+              <a:rPr lang="pl-PL" sz="1600" dirty="0" err="1" smtClean="0">
+                <a:sym typeface="Wingdings" pitchFamily="2" charset="2"/>
+              </a:rPr>
+              <a:t>very</a:t>
+            </a:r>
+            <a:r>
+              <a:rPr lang="pl-PL" sz="1600" dirty="0" smtClean="0">
+                <a:sym typeface="Wingdings" pitchFamily="2" charset="2"/>
+              </a:rPr>
+              <a:t> </a:t>
+            </a:r>
+            <a:r>
+              <a:rPr lang="pl-PL" sz="1600" dirty="0" err="1" smtClean="0">
+                <a:sym typeface="Wingdings" pitchFamily="2" charset="2"/>
+              </a:rPr>
+              <a:t>easy</a:t>
+            </a:r>
+            <a:r>
+              <a:rPr lang="pl-PL" sz="1600" dirty="0" smtClean="0">
+                <a:sym typeface="Wingdings" pitchFamily="2" charset="2"/>
+              </a:rPr>
+              <a:t> </a:t>
+            </a:r>
+            <a:r>
+              <a:rPr lang="pl-PL" sz="1600" dirty="0" err="1" smtClean="0">
+                <a:sym typeface="Wingdings" pitchFamily="2" charset="2"/>
+              </a:rPr>
+              <a:t>fixes</a:t>
+            </a:r>
+            <a:r>
+              <a:rPr lang="pl-PL" sz="1600" dirty="0" smtClean="0">
+                <a:sym typeface="Wingdings" pitchFamily="2" charset="2"/>
+              </a:rPr>
+              <a:t> </a:t>
+            </a:r>
+            <a:r>
+              <a:rPr lang="pl-PL" sz="1600" dirty="0" err="1" smtClean="0">
+                <a:sym typeface="Wingdings" pitchFamily="2" charset="2"/>
+              </a:rPr>
+              <a:t>based</a:t>
+            </a:r>
+            <a:r>
+              <a:rPr lang="pl-PL" sz="1600" dirty="0" smtClean="0">
+                <a:sym typeface="Wingdings" pitchFamily="2" charset="2"/>
+              </a:rPr>
+              <a:t> on </a:t>
+            </a:r>
+            <a:r>
+              <a:rPr lang="pl-PL" sz="1600" dirty="0" err="1" smtClean="0">
+                <a:sym typeface="Wingdings" pitchFamily="2" charset="2"/>
+              </a:rPr>
+              <a:t>the</a:t>
+            </a:r>
+            <a:r>
+              <a:rPr lang="pl-PL" sz="1600" dirty="0" smtClean="0">
+                <a:sym typeface="Wingdings" pitchFamily="2" charset="2"/>
+              </a:rPr>
+              <a:t> </a:t>
+            </a:r>
+            <a:r>
+              <a:rPr lang="pl-PL" sz="1600" dirty="0" err="1" smtClean="0">
+                <a:sym typeface="Wingdings" pitchFamily="2" charset="2"/>
+              </a:rPr>
+              <a:t>presented</a:t>
+            </a:r>
+            <a:r>
+              <a:rPr lang="pl-PL" sz="1600" dirty="0" smtClean="0">
+                <a:sym typeface="Wingdings" pitchFamily="2" charset="2"/>
+              </a:rPr>
+              <a:t> </a:t>
+            </a:r>
+            <a:r>
+              <a:rPr lang="pl-PL" sz="1600" dirty="0" err="1" smtClean="0">
+                <a:sym typeface="Wingdings" pitchFamily="2" charset="2"/>
+              </a:rPr>
+              <a:t>examples</a:t>
+            </a:r>
+            <a:r>
+              <a:rPr lang="pl-PL" sz="1600" dirty="0" smtClean="0">
+                <a:sym typeface="Wingdings" pitchFamily="2" charset="2"/>
+              </a:rPr>
+              <a:t>.</a:t>
+            </a:r>
+            <a:r>
+              <a:rPr lang="pl-PL" sz="1600" dirty="0" smtClean="0"/>
+              <a:t/>
+            </a:r>
+            <a:br>
+              <a:rPr lang="pl-PL" sz="1600" dirty="0" smtClean="0"/>
+            </a:br>
+            <a:r>
+              <a:rPr lang="pl-PL" sz="1600" dirty="0" smtClean="0"/>
+              <a:t> </a:t>
+            </a:r>
+            <a:r>
+              <a:rPr lang="pl-PL" sz="1600" dirty="0" smtClean="0">
+                <a:hlinkClick r:id="rId3"/>
+              </a:rPr>
+              <a:t>https://</a:t>
+            </a:r>
+            <a:r>
+              <a:rPr lang="pl-PL" sz="1600" dirty="0" smtClean="0">
+                <a:hlinkClick r:id="rId3"/>
+              </a:rPr>
+              <a:t>github.com/trteodor/STM32H747_DISCO_LVGL_PORT_SIMPLE</a:t>
+            </a:r>
+            <a:r>
+              <a:rPr lang="pl-PL" sz="1600" dirty="0" smtClean="0"/>
+              <a:t> </a:t>
+            </a:r>
+          </a:p>
+          <a:p>
+            <a:endParaRPr lang="pl-PL" sz="1600" dirty="0" smtClean="0"/>
+          </a:p>
+          <a:p>
+            <a:endParaRPr lang="pl-PL" sz="1600" dirty="0" smtClean="0"/>
+          </a:p>
+          <a:p>
+            <a:pPr>
+              <a:buNone/>
+            </a:pPr>
+            <a:endParaRPr lang="pl-PL" sz="1600" dirty="0" smtClean="0"/>
+          </a:p>
+          <a:p>
+            <a:r>
+              <a:rPr lang="pl-PL" sz="1600" dirty="0" err="1" smtClean="0"/>
+              <a:t>Presented</a:t>
+            </a:r>
+            <a:r>
+              <a:rPr lang="pl-PL" sz="1600" dirty="0" smtClean="0"/>
+              <a:t> </a:t>
+            </a:r>
+            <a:r>
+              <a:rPr lang="pl-PL" sz="1600" dirty="0" err="1" smtClean="0"/>
+              <a:t>example</a:t>
+            </a:r>
+            <a:r>
+              <a:rPr lang="pl-PL" sz="1600" dirty="0" smtClean="0"/>
+              <a:t> </a:t>
+            </a:r>
+            <a:br>
+              <a:rPr lang="pl-PL" sz="1600" dirty="0" smtClean="0"/>
+            </a:br>
+            <a:r>
+              <a:rPr lang="pl-PL" sz="1600" dirty="0" smtClean="0">
+                <a:hlinkClick r:id="rId4"/>
+              </a:rPr>
+              <a:t> https://github.com/trteodor/stm32h747_disco_lvgl_bare_metal</a:t>
+            </a:r>
+            <a:r>
+              <a:rPr lang="pl-PL" sz="1600" dirty="0" smtClean="0"/>
+              <a:t> </a:t>
+            </a:r>
+          </a:p>
+          <a:p>
+            <a:pPr>
+              <a:buNone/>
+            </a:pPr>
+            <a:endParaRPr lang="pl-PL" sz="1600" dirty="0"/>
           </a:p>
         </p:txBody>
       </p:sp>
@@ -4700,6 +5254,13 @@
   <p:clrMapOvr>
     <a:masterClrMapping/>
   </p:clrMapOvr>
+  <p:timing>
+    <p:tnLst>
+      <p:par>
+        <p:cTn id="1" dur="indefinite" restart="never" nodeType="tmRoot"/>
+      </p:par>
+    </p:tnLst>
+  </p:timing>
 </p:sld>
 </file>
 
@@ -4732,73 +5293,200 @@
         </p:nvSpPr>
         <p:spPr/>
         <p:txBody>
-          <a:bodyPr/>
-          <a:lstStyle/>
-          <a:p>
-            <a:r>
-              <a:rPr lang="pl-PL" dirty="0" smtClean="0"/>
-              <a:t>Podsumowanie</a:t>
-            </a:r>
-            <a:endParaRPr lang="pl-PL" dirty="0"/>
-          </a:p>
-        </p:txBody>
-      </p:sp>
-      <p:sp>
-        <p:nvSpPr>
-          <p:cNvPr id="3" name="Symbol zastępczy zawartości 2"/>
-          <p:cNvSpPr>
-            <a:spLocks noGrp="1"/>
-          </p:cNvSpPr>
-          <p:nvPr>
-            <p:ph idx="1"/>
-          </p:nvPr>
-        </p:nvSpPr>
-        <p:spPr/>
-        <p:txBody>
           <a:bodyPr>
             <a:normAutofit/>
           </a:bodyPr>
           <a:lstStyle/>
           <a:p>
             <a:r>
+              <a:rPr lang="pl-PL" sz="6000" dirty="0" err="1" smtClean="0">
+                <a:solidFill>
+                  <a:schemeClr val="accent5">
+                    <a:lumMod val="75000"/>
+                  </a:schemeClr>
+                </a:solidFill>
+                <a:latin typeface="Berlin Sans FB Demi" pitchFamily="34" charset="0"/>
+              </a:rPr>
+              <a:t>Summary</a:t>
+            </a:r>
+            <a:endParaRPr lang="pl-PL" sz="6000" dirty="0">
+              <a:solidFill>
+                <a:schemeClr val="accent5">
+                  <a:lumMod val="75000"/>
+                </a:schemeClr>
+              </a:solidFill>
+              <a:latin typeface="Berlin Sans FB Demi" pitchFamily="34" charset="0"/>
+            </a:endParaRPr>
+          </a:p>
+        </p:txBody>
+      </p:sp>
+      <p:sp>
+        <p:nvSpPr>
+          <p:cNvPr id="3" name="Symbol zastępczy zawartości 2"/>
+          <p:cNvSpPr>
+            <a:spLocks noGrp="1"/>
+          </p:cNvSpPr>
+          <p:nvPr>
+            <p:ph idx="1"/>
+          </p:nvPr>
+        </p:nvSpPr>
+        <p:spPr/>
+        <p:txBody>
+          <a:bodyPr>
+            <a:normAutofit/>
+          </a:bodyPr>
+          <a:lstStyle/>
+          <a:p>
+            <a:r>
               <a:rPr lang="pl-PL" sz="2200" dirty="0" smtClean="0"/>
-              <a:t>Uruchomiono wyświetlacz sterowany przez DSI</a:t>
-            </a:r>
-          </a:p>
-          <a:p>
+              <a:t>Display </a:t>
+            </a:r>
+            <a:r>
+              <a:rPr lang="pl-PL" sz="2200" dirty="0" err="1" smtClean="0"/>
+              <a:t>driven</a:t>
+            </a:r>
             <a:r>
               <a:rPr lang="pl-PL" sz="2200" dirty="0" smtClean="0"/>
-              <a:t>Przedstawiono możliwości biblioteki LVGL</a:t>
-            </a:r>
-          </a:p>
-          <a:p>
+              <a:t> </a:t>
+            </a:r>
+            <a:r>
+              <a:rPr lang="pl-PL" sz="2200" dirty="0" err="1" smtClean="0"/>
+              <a:t>through</a:t>
+            </a:r>
             <a:r>
               <a:rPr lang="pl-PL" sz="2200" dirty="0" smtClean="0"/>
-              <a:t>Zaprezentowano program generator GUI – </a:t>
+              <a:t> DSI </a:t>
             </a:r>
             <a:r>
               <a:rPr lang="pl-PL" sz="2200" dirty="0" err="1" smtClean="0"/>
+              <a:t>has</a:t>
+            </a:r>
+            <a:r>
+              <a:rPr lang="pl-PL" sz="2200" dirty="0" smtClean="0"/>
+              <a:t> </a:t>
+            </a:r>
+            <a:r>
+              <a:rPr lang="pl-PL" sz="2200" dirty="0" err="1" smtClean="0"/>
+              <a:t>been</a:t>
+            </a:r>
+            <a:r>
+              <a:rPr lang="pl-PL" sz="2200" dirty="0" smtClean="0"/>
+              <a:t> </a:t>
+            </a:r>
+            <a:r>
+              <a:rPr lang="pl-PL" sz="2200" dirty="0" err="1" smtClean="0"/>
+              <a:t>runned</a:t>
+            </a:r>
+            <a:endParaRPr lang="pl-PL" sz="2200" dirty="0" smtClean="0"/>
+          </a:p>
+          <a:p>
+            <a:r>
+              <a:rPr lang="pl-PL" sz="2200" dirty="0" smtClean="0"/>
+              <a:t>C</a:t>
+            </a:r>
+            <a:r>
+              <a:rPr lang="en-US" sz="2200" dirty="0" err="1" smtClean="0"/>
+              <a:t>apabilities</a:t>
+            </a:r>
+            <a:r>
+              <a:rPr lang="en-US" sz="2200" dirty="0" smtClean="0"/>
+              <a:t> </a:t>
+            </a:r>
+            <a:r>
+              <a:rPr lang="en-US" sz="2200" dirty="0" smtClean="0"/>
+              <a:t>of LVGL </a:t>
+            </a:r>
+            <a:r>
+              <a:rPr lang="pl-PL" sz="2200" dirty="0" err="1" smtClean="0"/>
+              <a:t>has</a:t>
+            </a:r>
+            <a:r>
+              <a:rPr lang="pl-PL" sz="2200" dirty="0" smtClean="0"/>
+              <a:t> </a:t>
+            </a:r>
+            <a:r>
+              <a:rPr lang="en-US" sz="2200" dirty="0" smtClean="0"/>
+              <a:t>been shown</a:t>
+            </a:r>
+            <a:endParaRPr lang="pl-PL" sz="2200" dirty="0" smtClean="0"/>
+          </a:p>
+          <a:p>
+            <a:r>
+              <a:rPr lang="en-US" sz="2200" dirty="0" smtClean="0"/>
+              <a:t>The </a:t>
+            </a:r>
+            <a:r>
+              <a:rPr lang="en-US" sz="2200" dirty="0" smtClean="0"/>
+              <a:t>GUI generator - </a:t>
+            </a:r>
+            <a:r>
+              <a:rPr lang="en-US" sz="2200" dirty="0" err="1" smtClean="0"/>
               <a:t>SquareLine</a:t>
             </a:r>
+            <a:r>
+              <a:rPr lang="en-US" sz="2200" dirty="0" smtClean="0"/>
+              <a:t> </a:t>
+            </a:r>
+            <a:r>
+              <a:rPr lang="pl-PL" sz="2200" dirty="0" err="1" smtClean="0"/>
+              <a:t>has</a:t>
+            </a:r>
+            <a:r>
+              <a:rPr lang="pl-PL" sz="2200" dirty="0" smtClean="0"/>
+              <a:t> </a:t>
+            </a:r>
+            <a:r>
+              <a:rPr lang="pl-PL" sz="2200" dirty="0" err="1" smtClean="0"/>
+              <a:t>been</a:t>
+            </a:r>
+            <a:r>
+              <a:rPr lang="pl-PL" sz="2200" dirty="0" smtClean="0"/>
+              <a:t> </a:t>
+            </a:r>
+            <a:r>
+              <a:rPr lang="en-US" sz="2200" dirty="0" smtClean="0"/>
+              <a:t>present</a:t>
+            </a:r>
             <a:endParaRPr lang="pl-PL" sz="2200" dirty="0" smtClean="0"/>
           </a:p>
           <a:p>
             <a:endParaRPr lang="pl-PL" sz="2200" dirty="0" smtClean="0"/>
           </a:p>
           <a:p>
-            <a:endParaRPr lang="pl-PL" sz="2200" dirty="0" smtClean="0"/>
-          </a:p>
-          <a:p>
+            <a:r>
+              <a:rPr lang="pl-PL" sz="2200" dirty="0" err="1" smtClean="0"/>
+              <a:t>Mentioned</a:t>
+            </a:r>
             <a:r>
               <a:rPr lang="pl-PL" sz="2200" dirty="0" smtClean="0"/>
-              <a:t>Wspomniano/ pobieżnie omówiono o układy</a:t>
+              <a:t> </a:t>
+            </a:r>
+            <a:r>
+              <a:rPr lang="pl-PL" sz="2200" dirty="0" err="1" smtClean="0"/>
+              <a:t>about</a:t>
+            </a:r>
+            <a:r>
+              <a:rPr lang="pl-PL" sz="2200" dirty="0" smtClean="0"/>
+              <a:t>:</a:t>
+            </a:r>
+            <a:r>
+              <a:rPr lang="pl-PL" sz="2200" dirty="0" smtClean="0"/>
+              <a:t/>
             </a:r>
             <a:br>
               <a:rPr lang="pl-PL" sz="2200" dirty="0" smtClean="0"/>
             </a:br>
             <a:r>
               <a:rPr lang="pl-PL" sz="2200" dirty="0" smtClean="0"/>
-              <a:t>      SDRAM, QSPI, LTDC, DSI</a:t>
+              <a:t>      SDRAM, QSPI, LTDC, </a:t>
+            </a:r>
+            <a:r>
+              <a:rPr lang="pl-PL" sz="2200" dirty="0" smtClean="0"/>
+              <a:t>DSI, DLT </a:t>
+            </a:r>
+            <a:r>
+              <a:rPr lang="pl-PL" sz="2200" dirty="0" err="1" smtClean="0"/>
+              <a:t>Viewer</a:t>
             </a:r>
             <a:endParaRPr lang="pl-PL" sz="2200" dirty="0"/>
           </a:p>
@@ -4809,6 +5497,13 @@
   <p:clrMapOvr>
     <a:masterClrMapping/>
   </p:clrMapOvr>
+  <p:timing>
+    <p:tnLst>
+      <p:par>
+        <p:cTn id="1" dur="indefinite" restart="never" nodeType="tmRoot"/>
+      </p:par>
+    </p:tnLst>
+  </p:timing>
 </p:sld>
 </file>
 
@@ -4829,16 +5524,270 @@
           <a:chExt cx="0" cy="0"/>
         </a:xfrm>
       </p:grpSpPr>
+      <p:sp>
+        <p:nvSpPr>
+          <p:cNvPr id="2" name="Tytuł 1"/>
+          <p:cNvSpPr>
+            <a:spLocks noGrp="1"/>
+          </p:cNvSpPr>
+          <p:nvPr>
+            <p:ph type="title"/>
+          </p:nvPr>
+        </p:nvSpPr>
+        <p:spPr>
+          <a:xfrm>
+            <a:off x="428596" y="357166"/>
+            <a:ext cx="5857916" cy="846158"/>
+          </a:xfrm>
+        </p:spPr>
+        <p:txBody>
+          <a:bodyPr>
+            <a:noAutofit/>
+          </a:bodyPr>
+          <a:lstStyle/>
+          <a:p>
+            <a:r>
+              <a:rPr lang="pl-PL" sz="3500" dirty="0" err="1" smtClean="0">
+                <a:solidFill>
+                  <a:schemeClr val="accent1"/>
+                </a:solidFill>
+                <a:latin typeface="Berlin Sans FB Demi" pitchFamily="34" charset="0"/>
+              </a:rPr>
+              <a:t>Prepared</a:t>
+            </a:r>
+            <a:r>
+              <a:rPr lang="pl-PL" sz="3500" dirty="0" smtClean="0">
+                <a:solidFill>
+                  <a:schemeClr val="accent1"/>
+                </a:solidFill>
+                <a:latin typeface="Berlin Sans FB Demi" pitchFamily="34" charset="0"/>
+              </a:rPr>
+              <a:t> </a:t>
+            </a:r>
+            <a:r>
+              <a:rPr lang="pl-PL" sz="3500" dirty="0" err="1" smtClean="0">
+                <a:solidFill>
+                  <a:schemeClr val="accent1"/>
+                </a:solidFill>
+                <a:latin typeface="Berlin Sans FB Demi" pitchFamily="34" charset="0"/>
+              </a:rPr>
+              <a:t>Example</a:t>
+            </a:r>
+            <a:r>
+              <a:rPr lang="pl-PL" sz="3500" dirty="0" smtClean="0">
+                <a:solidFill>
+                  <a:schemeClr val="accent1"/>
+                </a:solidFill>
+                <a:latin typeface="Berlin Sans FB Demi" pitchFamily="34" charset="0"/>
+              </a:rPr>
+              <a:t> </a:t>
+            </a:r>
+            <a:r>
+              <a:rPr lang="pl-PL" sz="3500" dirty="0" err="1" smtClean="0">
+                <a:solidFill>
+                  <a:schemeClr val="accent1"/>
+                </a:solidFill>
+                <a:latin typeface="Berlin Sans FB Demi" pitchFamily="34" charset="0"/>
+              </a:rPr>
+              <a:t>based</a:t>
+            </a:r>
+            <a:r>
+              <a:rPr lang="pl-PL" sz="3500" dirty="0" smtClean="0">
+                <a:solidFill>
+                  <a:schemeClr val="accent1"/>
+                </a:solidFill>
+                <a:latin typeface="Berlin Sans FB Demi" pitchFamily="34" charset="0"/>
+              </a:rPr>
+              <a:t> on</a:t>
+            </a:r>
+            <a:br>
+              <a:rPr lang="pl-PL" sz="3500" dirty="0" smtClean="0">
+                <a:solidFill>
+                  <a:schemeClr val="accent1"/>
+                </a:solidFill>
+                <a:latin typeface="Berlin Sans FB Demi" pitchFamily="34" charset="0"/>
+              </a:rPr>
+            </a:br>
+            <a:r>
+              <a:rPr lang="pl-PL" sz="3500" dirty="0" smtClean="0">
+                <a:solidFill>
+                  <a:srgbClr val="EE208C"/>
+                </a:solidFill>
+                <a:latin typeface="Berlin Sans FB Demi" pitchFamily="34" charset="0"/>
+              </a:rPr>
+              <a:t> STM32H747-Discovery</a:t>
+            </a:r>
+            <a:r>
+              <a:rPr lang="pl-PL" sz="3500" dirty="0" smtClean="0">
+                <a:solidFill>
+                  <a:schemeClr val="accent1"/>
+                </a:solidFill>
+                <a:latin typeface="Berlin Sans FB Demi" pitchFamily="34" charset="0"/>
+              </a:rPr>
+              <a:t> </a:t>
+            </a:r>
+            <a:endParaRPr lang="pl-PL" sz="3500" dirty="0">
+              <a:solidFill>
+                <a:schemeClr val="accent1"/>
+              </a:solidFill>
+              <a:latin typeface="Berlin Sans FB Demi" pitchFamily="34" charset="0"/>
+            </a:endParaRPr>
+          </a:p>
+        </p:txBody>
+      </p:sp>
+      <p:sp>
+        <p:nvSpPr>
+          <p:cNvPr id="3" name="Symbol zastępczy zawartości 2"/>
+          <p:cNvSpPr>
+            <a:spLocks noGrp="1"/>
+          </p:cNvSpPr>
+          <p:nvPr>
+            <p:ph idx="1"/>
+          </p:nvPr>
+        </p:nvSpPr>
+        <p:spPr>
+          <a:xfrm>
+            <a:off x="0" y="5072074"/>
+            <a:ext cx="4857784" cy="1268403"/>
+          </a:xfrm>
+        </p:spPr>
+        <p:txBody>
+          <a:bodyPr>
+            <a:normAutofit fontScale="25000" lnSpcReduction="20000"/>
+          </a:bodyPr>
+          <a:lstStyle/>
+          <a:p>
+            <a:pPr>
+              <a:buNone/>
+            </a:pPr>
+            <a:r>
+              <a:rPr lang="pl-PL" sz="1800" b="1" dirty="0" smtClean="0"/>
+              <a:t>	</a:t>
+            </a:r>
+          </a:p>
+          <a:p>
+            <a:pPr>
+              <a:buNone/>
+            </a:pPr>
+            <a:r>
+              <a:rPr lang="pl-PL" sz="4800" b="1" dirty="0" smtClean="0"/>
+              <a:t>	</a:t>
+            </a:r>
+            <a:r>
+              <a:rPr lang="pl-PL" sz="4800" b="1" dirty="0" err="1" smtClean="0"/>
+              <a:t>Github</a:t>
+            </a:r>
+            <a:r>
+              <a:rPr lang="pl-PL" sz="4800" b="1" dirty="0" smtClean="0"/>
+              <a:t>:</a:t>
+            </a:r>
+            <a:r>
+              <a:rPr lang="pl-PL" sz="4800" dirty="0" smtClean="0"/>
+              <a:t/>
+            </a:r>
+            <a:br>
+              <a:rPr lang="pl-PL" sz="4800" dirty="0" smtClean="0"/>
+            </a:br>
+            <a:r>
+              <a:rPr lang="pl-PL" sz="4800" dirty="0" smtClean="0">
+                <a:hlinkClick r:id="rId2"/>
+              </a:rPr>
+              <a:t>https://github.com/trteodor/stm32h747_disco_lvgl_bare_metal</a:t>
+            </a:r>
+            <a:r>
+              <a:rPr lang="pl-PL" sz="4800" dirty="0" smtClean="0"/>
+              <a:t> </a:t>
+            </a:r>
+          </a:p>
+          <a:p>
+            <a:pPr>
+              <a:buNone/>
+            </a:pPr>
+            <a:r>
+              <a:rPr lang="pl-PL" sz="4800" dirty="0" smtClean="0"/>
+              <a:t/>
+            </a:r>
+            <a:br>
+              <a:rPr lang="pl-PL" sz="4800" dirty="0" smtClean="0"/>
+            </a:br>
+            <a:r>
+              <a:rPr lang="pl-PL" sz="4800" b="1" dirty="0" err="1" smtClean="0"/>
+              <a:t>Free</a:t>
+            </a:r>
+            <a:r>
+              <a:rPr lang="pl-PL" sz="4800" b="1" dirty="0" smtClean="0"/>
+              <a:t> </a:t>
+            </a:r>
+            <a:r>
+              <a:rPr lang="pl-PL" sz="4800" b="1" dirty="0" err="1" smtClean="0"/>
+              <a:t>Icons</a:t>
+            </a:r>
+            <a:r>
+              <a:rPr lang="pl-PL" sz="4800" b="1" dirty="0" smtClean="0"/>
+              <a:t>:</a:t>
+            </a:r>
+            <a:r>
+              <a:rPr lang="pl-PL" sz="4800" dirty="0" smtClean="0"/>
+              <a:t/>
+            </a:r>
+            <a:br>
+              <a:rPr lang="pl-PL" sz="4800" dirty="0" smtClean="0"/>
+            </a:br>
+            <a:r>
+              <a:rPr lang="pl-PL" sz="4800" dirty="0" smtClean="0">
+                <a:hlinkClick r:id="rId3"/>
+              </a:rPr>
+              <a:t>https://all-free-download.com/free-icon/pack-jpeg.html</a:t>
+            </a:r>
+            <a:r>
+              <a:rPr lang="pl-PL" sz="4800" dirty="0" smtClean="0"/>
+              <a:t/>
+            </a:r>
+            <a:br>
+              <a:rPr lang="pl-PL" sz="4800" dirty="0" smtClean="0"/>
+            </a:br>
+            <a:r>
+              <a:rPr lang="pl-PL" sz="4800" dirty="0" smtClean="0"/>
+              <a:t/>
+            </a:r>
+            <a:br>
+              <a:rPr lang="pl-PL" sz="4800" dirty="0" smtClean="0"/>
+            </a:br>
+            <a:r>
+              <a:rPr lang="pl-PL" sz="4800" b="1" dirty="0" err="1" smtClean="0"/>
+              <a:t>Benchmark</a:t>
+            </a:r>
+            <a:r>
+              <a:rPr lang="pl-PL" sz="4800" b="1" dirty="0" smtClean="0"/>
+              <a:t> video show:</a:t>
+            </a:r>
+            <a:r>
+              <a:rPr lang="pl-PL" sz="4800" dirty="0" smtClean="0"/>
+              <a:t/>
+            </a:r>
+            <a:br>
+              <a:rPr lang="pl-PL" sz="4800" dirty="0" smtClean="0"/>
+            </a:br>
+            <a:r>
+              <a:rPr lang="pl-PL" sz="4800" dirty="0" smtClean="0">
+                <a:hlinkClick r:id="rId4"/>
+              </a:rPr>
+              <a:t>https://youtu.be/5MxftdVXUOgd</a:t>
+            </a:r>
+            <a:endParaRPr lang="pl-PL" sz="4800" dirty="0"/>
+          </a:p>
+        </p:txBody>
+      </p:sp>
       <p:pic>
         <p:nvPicPr>
-          <p:cNvPr id="9" name="Picture 7" descr="D:\STM32_VSCodeWorkSpace\stm32h747_lvgl_master_start\Pictures\h747lvgl_Photo.jpg"/>
+          <p:cNvPr id="4" name="Picture 7" descr="D:\STM32_VSCodeWorkSpace\stm32h747_lvgl_master_start\Pictures\h747lvgl_Photo.jpg"/>
           <p:cNvPicPr>
             <a:picLocks noChangeAspect="1" noChangeArrowheads="1"/>
           </p:cNvPicPr>
           <p:nvPr/>
         </p:nvPicPr>
         <p:blipFill>
-          <a:blip r:embed="rId3" cstate="print"/>
+          <a:blip r:embed="rId5" cstate="print"/>
           <a:srcRect/>
           <a:stretch>
             <a:fillRect/>
@@ -4846,8 +5795,8 @@
         </p:blipFill>
         <p:spPr bwMode="auto">
           <a:xfrm rot="2918870">
-            <a:off x="4920813" y="2718931"/>
-            <a:ext cx="3785946" cy="2876268"/>
+            <a:off x="6907091" y="494188"/>
+            <a:ext cx="2005314" cy="1523482"/>
           </a:xfrm>
           <a:prstGeom prst="rect">
             <a:avLst/>
@@ -4857,49 +5806,632 @@
       </p:pic>
       <p:sp>
         <p:nvSpPr>
-          <p:cNvPr id="2" name="Tytuł 1"/>
-          <p:cNvSpPr>
-            <a:spLocks noGrp="1"/>
-          </p:cNvSpPr>
-          <p:nvPr>
-            <p:ph type="title"/>
-          </p:nvPr>
+          <p:cNvPr id="5" name="Prostokąt zaokrąglony 4"/>
+          <p:cNvSpPr/>
+          <p:nvPr/>
         </p:nvSpPr>
         <p:spPr>
           <a:xfrm>
-            <a:off x="428596" y="571480"/>
-            <a:ext cx="8229600" cy="1143000"/>
+            <a:off x="2428860" y="1500174"/>
+            <a:ext cx="3071834" cy="3500462"/>
           </a:xfrm>
+          <a:prstGeom prst="roundRect">
+            <a:avLst/>
+          </a:prstGeom>
         </p:spPr>
-        <p:txBody>
-          <a:bodyPr/>
-          <a:lstStyle/>
-          <a:p>
+        <p:style>
+          <a:lnRef idx="2">
+            <a:schemeClr val="accent1">
+              <a:shade val="50000"/>
+            </a:schemeClr>
+          </a:lnRef>
+          <a:fillRef idx="1">
+            <a:schemeClr val="accent1"/>
+          </a:fillRef>
+          <a:effectRef idx="0">
+            <a:schemeClr val="accent1"/>
+          </a:effectRef>
+          <a:fontRef idx="minor">
+            <a:schemeClr val="lt1"/>
+          </a:fontRef>
+        </p:style>
+        <p:txBody>
+          <a:bodyPr rtlCol="0" anchor="ctr"/>
+          <a:lstStyle/>
+          <a:p>
+            <a:pPr algn="ctr"/>
+            <a:endParaRPr lang="pl-PL" dirty="0" smtClean="0"/>
+          </a:p>
+          <a:p>
+            <a:pPr algn="ctr"/>
+            <a:endParaRPr lang="pl-PL" dirty="0" smtClean="0"/>
+          </a:p>
+          <a:p>
+            <a:pPr algn="ctr"/>
+            <a:endParaRPr lang="pl-PL" dirty="0" smtClean="0"/>
+          </a:p>
+          <a:p>
+            <a:pPr algn="ctr"/>
+            <a:endParaRPr lang="pl-PL" dirty="0" smtClean="0"/>
+          </a:p>
+          <a:p>
+            <a:pPr algn="ctr"/>
+            <a:endParaRPr lang="pl-PL" dirty="0" smtClean="0"/>
+          </a:p>
+          <a:p>
+            <a:pPr algn="ctr"/>
+            <a:endParaRPr lang="pl-PL" dirty="0" smtClean="0"/>
+          </a:p>
+          <a:p>
+            <a:pPr algn="ctr"/>
+            <a:endParaRPr lang="pl-PL" dirty="0" smtClean="0"/>
+          </a:p>
+          <a:p>
+            <a:pPr algn="ctr"/>
+            <a:endParaRPr lang="pl-PL" dirty="0" smtClean="0"/>
+          </a:p>
+          <a:p>
+            <a:pPr algn="ctr"/>
+            <a:endParaRPr lang="pl-PL" dirty="0" smtClean="0"/>
+          </a:p>
+          <a:p>
+            <a:pPr algn="ctr"/>
+            <a:r>
+              <a:rPr lang="pl-PL" dirty="0" smtClean="0"/>
+              <a:t>STM32H7</a:t>
+            </a:r>
+            <a:endParaRPr lang="pl-PL" dirty="0"/>
+          </a:p>
+        </p:txBody>
+      </p:sp>
+      <p:sp>
+        <p:nvSpPr>
+          <p:cNvPr id="6" name="Prostokąt zaokrąglony 5"/>
+          <p:cNvSpPr/>
+          <p:nvPr/>
+        </p:nvSpPr>
+        <p:spPr>
+          <a:xfrm>
+            <a:off x="5929322" y="2143116"/>
+            <a:ext cx="1428760" cy="571504"/>
+          </a:xfrm>
+          <a:prstGeom prst="roundRect">
+            <a:avLst/>
+          </a:prstGeom>
+        </p:spPr>
+        <p:style>
+          <a:lnRef idx="2">
+            <a:schemeClr val="accent1">
+              <a:shade val="50000"/>
+            </a:schemeClr>
+          </a:lnRef>
+          <a:fillRef idx="1">
+            <a:schemeClr val="accent1"/>
+          </a:fillRef>
+          <a:effectRef idx="0">
+            <a:schemeClr val="accent1"/>
+          </a:effectRef>
+          <a:fontRef idx="minor">
+            <a:schemeClr val="lt1"/>
+          </a:fontRef>
+        </p:style>
+        <p:txBody>
+          <a:bodyPr rtlCol="0" anchor="ctr"/>
+          <a:lstStyle/>
+          <a:p>
+            <a:pPr algn="ctr"/>
+            <a:r>
+              <a:rPr lang="pl-PL" dirty="0" smtClean="0"/>
+              <a:t>Display</a:t>
+            </a:r>
+            <a:endParaRPr lang="pl-PL" dirty="0"/>
+          </a:p>
+        </p:txBody>
+      </p:sp>
+      <p:sp>
+        <p:nvSpPr>
+          <p:cNvPr id="7" name="Prostokąt zaokrąglony 6"/>
+          <p:cNvSpPr/>
+          <p:nvPr/>
+        </p:nvSpPr>
+        <p:spPr>
+          <a:xfrm>
+            <a:off x="5929322" y="2714620"/>
+            <a:ext cx="1428760" cy="214314"/>
+          </a:xfrm>
+          <a:prstGeom prst="roundRect">
+            <a:avLst/>
+          </a:prstGeom>
+        </p:spPr>
+        <p:style>
+          <a:lnRef idx="2">
+            <a:schemeClr val="accent1">
+              <a:shade val="50000"/>
+            </a:schemeClr>
+          </a:lnRef>
+          <a:fillRef idx="1">
+            <a:schemeClr val="accent1"/>
+          </a:fillRef>
+          <a:effectRef idx="0">
+            <a:schemeClr val="accent1"/>
+          </a:effectRef>
+          <a:fontRef idx="minor">
+            <a:schemeClr val="lt1"/>
+          </a:fontRef>
+        </p:style>
+        <p:txBody>
+          <a:bodyPr rtlCol="0" anchor="ctr"/>
+          <a:lstStyle/>
+          <a:p>
+            <a:pPr algn="ctr"/>
+            <a:r>
+              <a:rPr lang="pl-PL" dirty="0" err="1" smtClean="0"/>
+              <a:t>Touch</a:t>
+            </a:r>
+            <a:r>
+              <a:rPr lang="pl-PL" dirty="0" smtClean="0"/>
+              <a:t> Panel</a:t>
+            </a:r>
+            <a:endParaRPr lang="pl-PL" dirty="0"/>
+          </a:p>
+        </p:txBody>
+      </p:sp>
+      <p:sp>
+        <p:nvSpPr>
+          <p:cNvPr id="8" name="Prostokąt zaokrąglony 7"/>
+          <p:cNvSpPr/>
+          <p:nvPr/>
+        </p:nvSpPr>
+        <p:spPr>
+          <a:xfrm>
+            <a:off x="285720" y="2047865"/>
+            <a:ext cx="1428760" cy="357190"/>
+          </a:xfrm>
+          <a:prstGeom prst="roundRect">
+            <a:avLst/>
+          </a:prstGeom>
+        </p:spPr>
+        <p:style>
+          <a:lnRef idx="2">
+            <a:schemeClr val="accent1">
+              <a:shade val="50000"/>
+            </a:schemeClr>
+          </a:lnRef>
+          <a:fillRef idx="1">
+            <a:schemeClr val="accent1"/>
+          </a:fillRef>
+          <a:effectRef idx="0">
+            <a:schemeClr val="accent1"/>
+          </a:effectRef>
+          <a:fontRef idx="minor">
+            <a:schemeClr val="lt1"/>
+          </a:fontRef>
+        </p:style>
+        <p:txBody>
+          <a:bodyPr rtlCol="0" anchor="ctr"/>
+          <a:lstStyle/>
+          <a:p>
+            <a:pPr algn="ctr"/>
+            <a:r>
+              <a:rPr lang="pl-PL" dirty="0" smtClean="0"/>
+              <a:t>SDRAM</a:t>
+            </a:r>
+            <a:endParaRPr lang="pl-PL" dirty="0"/>
+          </a:p>
+        </p:txBody>
+      </p:sp>
+      <p:sp>
+        <p:nvSpPr>
+          <p:cNvPr id="9" name="Prostokąt zaokrąglony 8"/>
+          <p:cNvSpPr/>
+          <p:nvPr/>
+        </p:nvSpPr>
+        <p:spPr>
+          <a:xfrm>
+            <a:off x="285720" y="2928934"/>
+            <a:ext cx="1428760" cy="357190"/>
+          </a:xfrm>
+          <a:prstGeom prst="roundRect">
+            <a:avLst/>
+          </a:prstGeom>
+        </p:spPr>
+        <p:style>
+          <a:lnRef idx="2">
+            <a:schemeClr val="accent1">
+              <a:shade val="50000"/>
+            </a:schemeClr>
+          </a:lnRef>
+          <a:fillRef idx="1">
+            <a:schemeClr val="accent1"/>
+          </a:fillRef>
+          <a:effectRef idx="0">
+            <a:schemeClr val="accent1"/>
+          </a:effectRef>
+          <a:fontRef idx="minor">
+            <a:schemeClr val="lt1"/>
+          </a:fontRef>
+        </p:style>
+        <p:txBody>
+          <a:bodyPr rtlCol="0" anchor="ctr"/>
+          <a:lstStyle/>
+          <a:p>
+            <a:pPr algn="ctr"/>
+            <a:r>
+              <a:rPr lang="pl-PL" dirty="0" smtClean="0"/>
+              <a:t>Serial </a:t>
+            </a:r>
+            <a:r>
+              <a:rPr lang="pl-PL" dirty="0" err="1" smtClean="0"/>
+              <a:t>FLash</a:t>
+            </a:r>
+            <a:endParaRPr lang="pl-PL" dirty="0"/>
+          </a:p>
+        </p:txBody>
+      </p:sp>
+      <p:cxnSp>
+        <p:nvCxnSpPr>
+          <p:cNvPr id="16" name="Łącznik prosty 15"/>
+          <p:cNvCxnSpPr/>
+          <p:nvPr/>
+        </p:nvCxnSpPr>
+        <p:spPr>
+          <a:xfrm flipV="1">
+            <a:off x="1714480" y="2214554"/>
+            <a:ext cx="714380" cy="11906"/>
+          </a:xfrm>
+          <a:prstGeom prst="line">
+            <a:avLst/>
+          </a:prstGeom>
+          <a:ln w="19050"/>
+        </p:spPr>
+        <p:style>
+          <a:lnRef idx="1">
+            <a:schemeClr val="accent1"/>
+          </a:lnRef>
+          <a:fillRef idx="0">
+            <a:schemeClr val="accent1"/>
+          </a:fillRef>
+          <a:effectRef idx="0">
+            <a:schemeClr val="accent1"/>
+          </a:effectRef>
+          <a:fontRef idx="minor">
+            <a:schemeClr val="tx1"/>
+          </a:fontRef>
+        </p:style>
+      </p:cxnSp>
+      <p:cxnSp>
+        <p:nvCxnSpPr>
+          <p:cNvPr id="21" name="Łącznik prosty 20"/>
+          <p:cNvCxnSpPr>
+            <a:stCxn id="9" idx="3"/>
+          </p:cNvCxnSpPr>
+          <p:nvPr/>
+        </p:nvCxnSpPr>
+        <p:spPr>
+          <a:xfrm>
+            <a:off x="1714480" y="3107529"/>
+            <a:ext cx="714380" cy="35719"/>
+          </a:xfrm>
+          <a:prstGeom prst="line">
+            <a:avLst/>
+          </a:prstGeom>
+          <a:ln w="19050"/>
+        </p:spPr>
+        <p:style>
+          <a:lnRef idx="1">
+            <a:schemeClr val="accent1"/>
+          </a:lnRef>
+          <a:fillRef idx="0">
+            <a:schemeClr val="accent1"/>
+          </a:fillRef>
+          <a:effectRef idx="0">
+            <a:schemeClr val="accent1"/>
+          </a:effectRef>
+          <a:fontRef idx="minor">
+            <a:schemeClr val="tx1"/>
+          </a:fontRef>
+        </p:style>
+      </p:cxnSp>
+      <p:sp>
+        <p:nvSpPr>
+          <p:cNvPr id="22" name="Prostokąt zaokrąglony 21"/>
+          <p:cNvSpPr/>
+          <p:nvPr/>
+        </p:nvSpPr>
+        <p:spPr>
+          <a:xfrm>
+            <a:off x="4357686" y="2285992"/>
+            <a:ext cx="1000132" cy="500066"/>
+          </a:xfrm>
+          <a:prstGeom prst="roundRect">
+            <a:avLst/>
+          </a:prstGeom>
+        </p:spPr>
+        <p:style>
+          <a:lnRef idx="2">
+            <a:schemeClr val="accent1">
+              <a:shade val="50000"/>
+            </a:schemeClr>
+          </a:lnRef>
+          <a:fillRef idx="1">
+            <a:schemeClr val="accent1"/>
+          </a:fillRef>
+          <a:effectRef idx="0">
+            <a:schemeClr val="accent1"/>
+          </a:effectRef>
+          <a:fontRef idx="minor">
+            <a:schemeClr val="lt1"/>
+          </a:fontRef>
+        </p:style>
+        <p:txBody>
+          <a:bodyPr rtlCol="0" anchor="ctr"/>
+          <a:lstStyle/>
+          <a:p>
+            <a:pPr algn="ctr"/>
+            <a:r>
+              <a:rPr lang="pl-PL" dirty="0" smtClean="0"/>
+              <a:t>LTDC</a:t>
+            </a:r>
+            <a:endParaRPr lang="pl-PL" dirty="0"/>
+          </a:p>
+        </p:txBody>
+      </p:sp>
+      <p:sp>
+        <p:nvSpPr>
+          <p:cNvPr id="23" name="Prostokąt zaokrąglony 22"/>
+          <p:cNvSpPr/>
+          <p:nvPr/>
+        </p:nvSpPr>
+        <p:spPr>
+          <a:xfrm>
+            <a:off x="4357686" y="2928934"/>
+            <a:ext cx="1000132" cy="428628"/>
+          </a:xfrm>
+          <a:prstGeom prst="roundRect">
+            <a:avLst/>
+          </a:prstGeom>
+        </p:spPr>
+        <p:style>
+          <a:lnRef idx="2">
+            <a:schemeClr val="accent1">
+              <a:shade val="50000"/>
+            </a:schemeClr>
+          </a:lnRef>
+          <a:fillRef idx="1">
+            <a:schemeClr val="accent1"/>
+          </a:fillRef>
+          <a:effectRef idx="0">
+            <a:schemeClr val="accent1"/>
+          </a:effectRef>
+          <a:fontRef idx="minor">
+            <a:schemeClr val="lt1"/>
+          </a:fontRef>
+        </p:style>
+        <p:txBody>
+          <a:bodyPr rtlCol="0" anchor="ctr"/>
+          <a:lstStyle/>
+          <a:p>
+            <a:pPr algn="ctr"/>
+            <a:r>
+              <a:rPr lang="pl-PL" dirty="0" smtClean="0"/>
+              <a:t>DSI</a:t>
+            </a:r>
+            <a:endParaRPr lang="pl-PL" dirty="0"/>
+          </a:p>
+        </p:txBody>
+      </p:sp>
+      <p:sp>
+        <p:nvSpPr>
+          <p:cNvPr id="24" name="Prostokąt zaokrąglony 23"/>
+          <p:cNvSpPr/>
+          <p:nvPr/>
+        </p:nvSpPr>
+        <p:spPr>
+          <a:xfrm>
+            <a:off x="2571736" y="1785926"/>
+            <a:ext cx="1643074" cy="1643074"/>
+          </a:xfrm>
+          <a:prstGeom prst="roundRect">
+            <a:avLst/>
+          </a:prstGeom>
+        </p:spPr>
+        <p:style>
+          <a:lnRef idx="2">
+            <a:schemeClr val="accent1">
+              <a:shade val="50000"/>
+            </a:schemeClr>
+          </a:lnRef>
+          <a:fillRef idx="1">
+            <a:schemeClr val="accent1"/>
+          </a:fillRef>
+          <a:effectRef idx="0">
+            <a:schemeClr val="accent1"/>
+          </a:effectRef>
+          <a:fontRef idx="minor">
+            <a:schemeClr val="lt1"/>
+          </a:fontRef>
+        </p:style>
+        <p:txBody>
+          <a:bodyPr rtlCol="0" anchor="ctr"/>
+          <a:lstStyle/>
+          <a:p>
+            <a:pPr algn="ctr"/>
             <a:r>
               <a:rPr lang="pl-PL" dirty="0" smtClean="0">
                 <a:solidFill>
-                  <a:srgbClr val="EE208C"/>
+                  <a:srgbClr val="FF0000"/>
                 </a:solidFill>
                 <a:latin typeface="Berlin Sans FB Demi" pitchFamily="34" charset="0"/>
               </a:rPr>
-              <a:t>STM32H747-Discovery</a:t>
+              <a:t>LVGL</a:t>
+            </a:r>
+            <a:r>
+              <a:rPr lang="pl-PL" dirty="0" smtClean="0">
+                <a:latin typeface="Berlin Sans FB Demi" pitchFamily="34" charset="0"/>
+              </a:rPr>
+              <a:t> </a:t>
+            </a:r>
+            <a:r>
+              <a:rPr lang="pl-PL" dirty="0" err="1" smtClean="0">
+                <a:latin typeface="Berlin Sans FB Demi" pitchFamily="34" charset="0"/>
+              </a:rPr>
+              <a:t>with</a:t>
+            </a:r>
+            <a:r>
+              <a:rPr lang="pl-PL" dirty="0" smtClean="0">
+                <a:latin typeface="Berlin Sans FB Demi" pitchFamily="34" charset="0"/>
+              </a:rPr>
+              <a:t> GUI </a:t>
+            </a:r>
+            <a:r>
+              <a:rPr lang="pl-PL" dirty="0" err="1" smtClean="0">
+                <a:latin typeface="Berlin Sans FB Demi" pitchFamily="34" charset="0"/>
+              </a:rPr>
+              <a:t>generated</a:t>
+            </a:r>
+            <a:r>
+              <a:rPr lang="pl-PL" dirty="0" smtClean="0">
+                <a:latin typeface="Berlin Sans FB Demi" pitchFamily="34" charset="0"/>
+              </a:rPr>
+              <a:t> by </a:t>
+            </a:r>
+            <a:r>
+              <a:rPr lang="pl-PL" dirty="0" err="1" smtClean="0">
+                <a:solidFill>
+                  <a:srgbClr val="FF0000"/>
+                </a:solidFill>
+                <a:latin typeface="Berlin Sans FB Demi" pitchFamily="34" charset="0"/>
+              </a:rPr>
+              <a:t>SquareLine</a:t>
             </a:r>
             <a:endParaRPr lang="pl-PL" dirty="0">
-              <a:latin typeface="Bernard MT Condensed" pitchFamily="18" charset="0"/>
+              <a:solidFill>
+                <a:srgbClr val="FF0000"/>
+              </a:solidFill>
+              <a:latin typeface="Berlin Sans FB Demi" pitchFamily="34" charset="0"/>
             </a:endParaRPr>
           </a:p>
         </p:txBody>
       </p:sp>
       <p:sp>
         <p:nvSpPr>
-          <p:cNvPr id="7" name="pole tekstowe 6"/>
+          <p:cNvPr id="25" name="Prostokąt zaokrąglony 24"/>
+          <p:cNvSpPr/>
+          <p:nvPr/>
+        </p:nvSpPr>
+        <p:spPr>
+          <a:xfrm>
+            <a:off x="2714612" y="3714752"/>
+            <a:ext cx="1571636" cy="428628"/>
+          </a:xfrm>
+          <a:prstGeom prst="roundRect">
+            <a:avLst/>
+          </a:prstGeom>
+        </p:spPr>
+        <p:style>
+          <a:lnRef idx="2">
+            <a:schemeClr val="accent1">
+              <a:shade val="50000"/>
+            </a:schemeClr>
+          </a:lnRef>
+          <a:fillRef idx="1">
+            <a:schemeClr val="accent1"/>
+          </a:fillRef>
+          <a:effectRef idx="0">
+            <a:schemeClr val="accent1"/>
+          </a:effectRef>
+          <a:fontRef idx="minor">
+            <a:schemeClr val="lt1"/>
+          </a:fontRef>
+        </p:style>
+        <p:txBody>
+          <a:bodyPr rtlCol="0" anchor="ctr"/>
+          <a:lstStyle/>
+          <a:p>
+            <a:pPr algn="ctr"/>
+            <a:r>
+              <a:rPr lang="pl-PL" dirty="0" smtClean="0"/>
+              <a:t>Cortex-M7</a:t>
+            </a:r>
+            <a:endParaRPr lang="pl-PL" dirty="0"/>
+          </a:p>
+        </p:txBody>
+      </p:sp>
+      <p:cxnSp>
+        <p:nvCxnSpPr>
+          <p:cNvPr id="27" name="Łącznik prosty 26"/>
+          <p:cNvCxnSpPr>
+            <a:stCxn id="6" idx="1"/>
+          </p:cNvCxnSpPr>
+          <p:nvPr/>
+        </p:nvCxnSpPr>
+        <p:spPr>
+          <a:xfrm rot="10800000">
+            <a:off x="5429256" y="2428868"/>
+            <a:ext cx="500066" cy="1588"/>
+          </a:xfrm>
+          <a:prstGeom prst="line">
+            <a:avLst/>
+          </a:prstGeom>
+          <a:ln w="19050"/>
+        </p:spPr>
+        <p:style>
+          <a:lnRef idx="1">
+            <a:schemeClr val="accent1"/>
+          </a:lnRef>
+          <a:fillRef idx="0">
+            <a:schemeClr val="accent1"/>
+          </a:fillRef>
+          <a:effectRef idx="0">
+            <a:schemeClr val="accent1"/>
+          </a:effectRef>
+          <a:fontRef idx="minor">
+            <a:schemeClr val="tx1"/>
+          </a:fontRef>
+        </p:style>
+      </p:cxnSp>
+      <p:cxnSp>
+        <p:nvCxnSpPr>
+          <p:cNvPr id="29" name="Łącznik prosty 28"/>
+          <p:cNvCxnSpPr>
+            <a:stCxn id="7" idx="1"/>
+          </p:cNvCxnSpPr>
+          <p:nvPr/>
+        </p:nvCxnSpPr>
+        <p:spPr>
+          <a:xfrm rot="10800000" flipV="1">
+            <a:off x="5500694" y="2821776"/>
+            <a:ext cx="428628" cy="35719"/>
+          </a:xfrm>
+          <a:prstGeom prst="line">
+            <a:avLst/>
+          </a:prstGeom>
+        </p:spPr>
+        <p:style>
+          <a:lnRef idx="1">
+            <a:schemeClr val="accent1"/>
+          </a:lnRef>
+          <a:fillRef idx="0">
+            <a:schemeClr val="accent1"/>
+          </a:fillRef>
+          <a:effectRef idx="0">
+            <a:schemeClr val="accent1"/>
+          </a:effectRef>
+          <a:fontRef idx="minor">
+            <a:schemeClr val="tx1"/>
+          </a:fontRef>
+        </p:style>
+      </p:cxnSp>
+      <p:sp>
+        <p:nvSpPr>
+          <p:cNvPr id="30" name="pole tekstowe 29"/>
           <p:cNvSpPr txBox="1"/>
           <p:nvPr/>
         </p:nvSpPr>
         <p:spPr>
           <a:xfrm>
-            <a:off x="142844" y="2071678"/>
-            <a:ext cx="4898649" cy="3416320"/>
+            <a:off x="1785918" y="1785926"/>
+            <a:ext cx="611065" cy="369332"/>
           </a:xfrm>
           <a:prstGeom prst="rect">
             <a:avLst/>
@@ -4914,116 +6446,99 @@
           <a:p>
             <a:r>
               <a:rPr lang="pl-PL" dirty="0" smtClean="0"/>
-              <a:t>Najważniejsze Właściwości</a:t>
-            </a:r>
-          </a:p>
-          <a:p>
-            <a:r>
-              <a:rPr lang="pl-PL" b="1" dirty="0" smtClean="0"/>
-              <a:t>Mikrokontroler STM32H747XIH6</a:t>
-            </a:r>
-          </a:p>
-          <a:p>
-            <a:r>
-              <a:rPr lang="pl-PL" b="1" dirty="0" smtClean="0"/>
-              <a:t>Pamięć </a:t>
-            </a:r>
-            <a:r>
-              <a:rPr lang="pl-PL" b="1" dirty="0" err="1" smtClean="0"/>
-              <a:t>Flash</a:t>
-            </a:r>
-            <a:r>
-              <a:rPr lang="pl-PL" b="1" dirty="0" smtClean="0"/>
-              <a:t> -2 MB, Pamięć RAM - 1 MB</a:t>
-            </a:r>
-          </a:p>
-          <a:p>
-            <a:r>
-              <a:rPr lang="pl-PL" b="1" dirty="0" smtClean="0"/>
-              <a:t>4-calowy wyświetlacz LCD z panelem dotykowym</a:t>
-            </a:r>
-          </a:p>
-          <a:p>
-            <a:r>
-              <a:rPr lang="pl-PL" b="1" dirty="0" smtClean="0"/>
-              <a:t>128 </a:t>
-            </a:r>
-            <a:r>
-              <a:rPr lang="pl-PL" b="1" dirty="0" err="1" smtClean="0"/>
-              <a:t>Mbytes</a:t>
-            </a:r>
-            <a:r>
-              <a:rPr lang="pl-PL" b="1" dirty="0" smtClean="0"/>
-              <a:t> pamięci </a:t>
-            </a:r>
-            <a:r>
-              <a:rPr lang="pl-PL" b="1" dirty="0" err="1" smtClean="0"/>
-              <a:t>Quad-SPI</a:t>
-            </a:r>
-            <a:r>
-              <a:rPr lang="pl-PL" b="1" dirty="0" smtClean="0"/>
-              <a:t> NOR </a:t>
-            </a:r>
-            <a:r>
-              <a:rPr lang="pl-PL" b="1" dirty="0" err="1" smtClean="0"/>
-              <a:t>Flash</a:t>
-            </a:r>
-            <a:r>
-              <a:rPr lang="pl-PL" b="1" dirty="0" smtClean="0"/>
-              <a:t/>
-            </a:r>
-            <a:br>
-              <a:rPr lang="pl-PL" b="1" dirty="0" smtClean="0"/>
-            </a:br>
-            <a:r>
-              <a:rPr lang="pl-PL" b="1" dirty="0" smtClean="0"/>
-              <a:t>32-Mbytes pamięć SDRAM</a:t>
-            </a:r>
-          </a:p>
-          <a:p>
-            <a:r>
-              <a:rPr lang="pl-PL" dirty="0" smtClean="0"/>
-              <a:t/>
-            </a:r>
-            <a:br>
-              <a:rPr lang="pl-PL" dirty="0" smtClean="0"/>
-            </a:br>
-            <a:r>
-              <a:rPr lang="pl-PL" dirty="0" smtClean="0"/>
-              <a:t>Wbudowany programator i </a:t>
-            </a:r>
-            <a:r>
-              <a:rPr lang="pl-PL" dirty="0" err="1" smtClean="0"/>
-              <a:t>debugger</a:t>
-            </a:r>
-            <a:r>
-              <a:rPr lang="pl-PL" dirty="0" smtClean="0"/>
-              <a:t> ST-LINK/V3</a:t>
-            </a:r>
-          </a:p>
-          <a:p>
-            <a:r>
-              <a:rPr lang="pl-PL" dirty="0" smtClean="0"/>
-              <a:t>Ethernet zgodny z IEEE-802.3-2002 i POE	</a:t>
-            </a:r>
-          </a:p>
-          <a:p>
-            <a:r>
-              <a:rPr lang="pl-PL" dirty="0" smtClean="0"/>
-              <a:t>USB OTG HS</a:t>
-            </a:r>
-          </a:p>
-          <a:p>
-            <a:r>
-              <a:rPr lang="pl-PL" dirty="0" smtClean="0"/>
-              <a:t>4 x dioda LED</a:t>
-            </a:r>
-          </a:p>
-          <a:p>
-            <a:r>
-              <a:rPr lang="pl-PL" dirty="0" smtClean="0"/>
-              <a:t>Przycisk do dyspozycji użytkownika i przycisk Reset</a:t>
-            </a:r>
+              <a:t>FMC</a:t>
+            </a:r>
+            <a:endParaRPr lang="pl-PL" dirty="0"/>
+          </a:p>
+        </p:txBody>
+      </p:sp>
+      <p:sp>
+        <p:nvSpPr>
+          <p:cNvPr id="31" name="pole tekstowe 30"/>
+          <p:cNvSpPr txBox="1"/>
+          <p:nvPr/>
+        </p:nvSpPr>
+        <p:spPr>
+          <a:xfrm>
+            <a:off x="1714480" y="2714620"/>
+            <a:ext cx="622286" cy="369332"/>
+          </a:xfrm>
+          <a:prstGeom prst="rect">
+            <a:avLst/>
+          </a:prstGeom>
+          <a:noFill/>
+        </p:spPr>
+        <p:txBody>
+          <a:bodyPr wrap="none" rtlCol="0">
+            <a:spAutoFit/>
+          </a:bodyPr>
+          <a:lstStyle/>
+          <a:p>
+            <a:r>
+              <a:rPr lang="pl-PL" dirty="0" smtClean="0"/>
+              <a:t>QSPI</a:t>
+            </a:r>
+            <a:endParaRPr lang="pl-PL" dirty="0"/>
+          </a:p>
+        </p:txBody>
+      </p:sp>
+      <p:sp>
+        <p:nvSpPr>
+          <p:cNvPr id="32" name="pole tekstowe 31"/>
+          <p:cNvSpPr txBox="1"/>
+          <p:nvPr/>
+        </p:nvSpPr>
+        <p:spPr>
+          <a:xfrm>
+            <a:off x="5500694" y="2071678"/>
+            <a:ext cx="490840" cy="369332"/>
+          </a:xfrm>
+          <a:prstGeom prst="rect">
+            <a:avLst/>
+          </a:prstGeom>
+          <a:noFill/>
+        </p:spPr>
+        <p:txBody>
+          <a:bodyPr wrap="none" rtlCol="0">
+            <a:spAutoFit/>
+          </a:bodyPr>
+          <a:lstStyle/>
+          <a:p>
+            <a:r>
+              <a:rPr lang="pl-PL" dirty="0" smtClean="0"/>
+              <a:t>DSI</a:t>
+            </a:r>
+            <a:endParaRPr lang="pl-PL" dirty="0"/>
+          </a:p>
+        </p:txBody>
+      </p:sp>
+      <p:sp>
+        <p:nvSpPr>
+          <p:cNvPr id="33" name="pole tekstowe 32"/>
+          <p:cNvSpPr txBox="1"/>
+          <p:nvPr/>
+        </p:nvSpPr>
+        <p:spPr>
+          <a:xfrm>
+            <a:off x="5500694" y="2857496"/>
+            <a:ext cx="482824" cy="369332"/>
+          </a:xfrm>
+          <a:prstGeom prst="rect">
+            <a:avLst/>
+          </a:prstGeom>
+          <a:noFill/>
+        </p:spPr>
+        <p:txBody>
+          <a:bodyPr wrap="none" rtlCol="0">
+            <a:spAutoFit/>
+          </a:bodyPr>
+          <a:lstStyle/>
+          <a:p>
+            <a:r>
+              <a:rPr lang="pl-PL" dirty="0" smtClean="0"/>
+              <a:t>I2C</a:t>
+            </a:r>
+            <a:endParaRPr lang="pl-PL" dirty="0"/>
           </a:p>
         </p:txBody>
       </p:sp>
@@ -5032,6 +6547,13 @@
   <p:clrMapOvr>
     <a:masterClrMapping/>
   </p:clrMapOvr>
+  <p:timing>
+    <p:tnLst>
+      <p:par>
+        <p:cTn id="1" dur="indefinite" restart="never" nodeType="tmRoot"/>
+      </p:par>
+    </p:tnLst>
+  </p:timing>
 </p:sld>
 </file>
 
@@ -5062,72 +6584,138 @@
             <p:ph type="title"/>
           </p:nvPr>
         </p:nvSpPr>
-        <p:spPr/>
-        <p:txBody>
-          <a:bodyPr/>
-          <a:lstStyle/>
-          <a:p>
-            <a:r>
-              <a:rPr lang="pl-PL" dirty="0" smtClean="0">
+        <p:spPr>
+          <a:xfrm>
+            <a:off x="500034" y="428604"/>
+            <a:ext cx="8229600" cy="1143000"/>
+          </a:xfrm>
+        </p:spPr>
+        <p:txBody>
+          <a:bodyPr>
+            <a:normAutofit fontScale="90000"/>
+          </a:bodyPr>
+          <a:lstStyle/>
+          <a:p>
+            <a:r>
+              <a:rPr lang="en-US" b="1" dirty="0" smtClean="0">
                 <a:solidFill>
-                  <a:schemeClr val="tx2">
-                    <a:lumMod val="60000"/>
-                    <a:lumOff val="40000"/>
-                  </a:schemeClr>
+                  <a:srgbClr val="FF0000"/>
                 </a:solidFill>
-                <a:latin typeface="Berlin Sans FB Demi" pitchFamily="34" charset="0"/>
-              </a:rPr>
-              <a:t>SQUARE LINE STUDIO</a:t>
-            </a:r>
+              </a:rPr>
+              <a:t>Light and Versatile</a:t>
+            </a:r>
+            <a:r>
+              <a:rPr lang="en-US" b="1" dirty="0" smtClean="0"/>
+              <a:t/>
+            </a:r>
+            <a:br>
+              <a:rPr lang="en-US" b="1" dirty="0" smtClean="0"/>
+            </a:br>
+            <a:r>
+              <a:rPr lang="en-US" b="1" dirty="0" smtClean="0"/>
+              <a:t>Graphics Library</a:t>
+            </a:r>
+            <a:br>
+              <a:rPr lang="en-US" b="1" dirty="0" smtClean="0"/>
+            </a:br>
             <a:endParaRPr lang="pl-PL" dirty="0"/>
           </a:p>
         </p:txBody>
       </p:sp>
-      <p:pic>
-        <p:nvPicPr>
-          <p:cNvPr id="4" name="Picture 2"/>
-          <p:cNvPicPr>
-            <a:picLocks noGrp="1" noChangeAspect="1" noChangeArrowheads="1"/>
-          </p:cNvPicPr>
+      <p:sp>
+        <p:nvSpPr>
+          <p:cNvPr id="3" name="Symbol zastępczy zawartości 2"/>
+          <p:cNvSpPr>
+            <a:spLocks noGrp="1"/>
+          </p:cNvSpPr>
           <p:nvPr>
             <p:ph idx="1"/>
           </p:nvPr>
-        </p:nvPicPr>
-        <p:blipFill>
-          <a:blip r:embed="rId2" cstate="print"/>
-          <a:srcRect/>
-          <a:stretch>
-            <a:fillRect/>
-          </a:stretch>
-        </p:blipFill>
-        <p:spPr bwMode="auto">
+        </p:nvSpPr>
+        <p:spPr>
           <a:xfrm>
-            <a:off x="2000232" y="2857496"/>
-            <a:ext cx="7027206" cy="3857652"/>
+            <a:off x="500034" y="1500174"/>
+            <a:ext cx="7543824" cy="3911609"/>
           </a:xfrm>
-          <a:prstGeom prst="rect">
-            <a:avLst/>
-          </a:prstGeom>
-          <a:noFill/>
-          <a:ln w="9525">
-            <a:noFill/>
-            <a:miter lim="800000"/>
-            <a:headEnd/>
-            <a:tailEnd/>
-          </a:ln>
-          <a:effectLst/>
         </p:spPr>
-      </p:pic>
-      <p:sp>
-        <p:nvSpPr>
-          <p:cNvPr id="5" name="pole tekstowe 4"/>
+        <p:txBody>
+          <a:bodyPr>
+            <a:normAutofit lnSpcReduction="10000"/>
+          </a:bodyPr>
+          <a:lstStyle/>
+          <a:p>
+            <a:pPr fontAlgn="base"/>
+            <a:r>
+              <a:rPr lang="en-US" b="1" dirty="0" smtClean="0">
+                <a:solidFill>
+                  <a:srgbClr val="FF0000"/>
+                </a:solidFill>
+              </a:rPr>
+              <a:t>LVGL</a:t>
+            </a:r>
+            <a:r>
+              <a:rPr lang="en-US" dirty="0" smtClean="0">
+                <a:solidFill>
+                  <a:srgbClr val="FF0000"/>
+                </a:solidFill>
+              </a:rPr>
+              <a:t> </a:t>
+            </a:r>
+            <a:r>
+              <a:rPr lang="en-US" dirty="0" smtClean="0"/>
+              <a:t>is the most popular free and open-source embedded graphics library to create beautiful UIs for any MCU, MPU and display type.</a:t>
+            </a:r>
+          </a:p>
+          <a:p>
+            <a:pPr fontAlgn="base"/>
+            <a:r>
+              <a:rPr lang="en-US" dirty="0" smtClean="0"/>
+              <a:t>Use </a:t>
+            </a:r>
+            <a:r>
+              <a:rPr lang="en-US" b="1" dirty="0" err="1" smtClean="0">
+                <a:solidFill>
+                  <a:srgbClr val="FF0000"/>
+                </a:solidFill>
+              </a:rPr>
+              <a:t>SquareLine</a:t>
+            </a:r>
+            <a:r>
+              <a:rPr lang="en-US" b="1" dirty="0" smtClean="0">
+                <a:solidFill>
+                  <a:srgbClr val="FF0000"/>
+                </a:solidFill>
+              </a:rPr>
+              <a:t> Studio</a:t>
+            </a:r>
+            <a:r>
+              <a:rPr lang="en-US" dirty="0" smtClean="0"/>
+              <a:t>, our drag and drop UI editor to simplify the development, or </a:t>
+            </a:r>
+            <a:r>
+              <a:rPr lang="en-US" b="1" dirty="0" smtClean="0"/>
+              <a:t>Hire us</a:t>
+            </a:r>
+            <a:r>
+              <a:rPr lang="en-US" dirty="0" smtClean="0"/>
+              <a:t> to design and implement your next UI.</a:t>
+            </a:r>
+          </a:p>
+          <a:p>
+            <a:endParaRPr lang="pl-PL" dirty="0"/>
+          </a:p>
+        </p:txBody>
+      </p:sp>
+      <p:sp>
+        <p:nvSpPr>
+          <p:cNvPr id="4" name="pole tekstowe 3"/>
           <p:cNvSpPr txBox="1"/>
           <p:nvPr/>
         </p:nvSpPr>
         <p:spPr>
           <a:xfrm>
-            <a:off x="214282" y="1285860"/>
-            <a:ext cx="7643866" cy="1754326"/>
+            <a:off x="2928926" y="5929330"/>
+            <a:ext cx="1598451" cy="369332"/>
           </a:xfrm>
           <a:prstGeom prst="rect">
             <a:avLst/>
@@ -5135,67 +6723,69 @@
           <a:noFill/>
         </p:spPr>
         <p:txBody>
-          <a:bodyPr wrap="square" rtlCol="0">
+          <a:bodyPr wrap="none" rtlCol="0">
             <a:spAutoFit/>
           </a:bodyPr>
           <a:lstStyle/>
           <a:p>
             <a:r>
-              <a:rPr lang="pl-PL" dirty="0" smtClean="0"/>
-              <a:t>Najważniejsze właściwości:</a:t>
-            </a:r>
-          </a:p>
-          <a:p>
-            <a:pPr>
-              <a:buFont typeface="Arial" pitchFamily="34" charset="0"/>
-              <a:buChar char="•"/>
-            </a:pPr>
-            <a:r>
-              <a:rPr lang="pl-PL" dirty="0" smtClean="0"/>
-              <a:t> Generowanie kodu w języku C</a:t>
-            </a:r>
-          </a:p>
-          <a:p>
-            <a:pPr>
-              <a:buFont typeface="Arial" pitchFamily="34" charset="0"/>
-              <a:buChar char="•"/>
-            </a:pPr>
-            <a:r>
-              <a:rPr lang="pl-PL" dirty="0" smtClean="0"/>
-              <a:t> Konfigurowanie </a:t>
-            </a:r>
-            <a:r>
-              <a:rPr lang="pl-PL" dirty="0" err="1" smtClean="0"/>
-              <a:t>widgetów</a:t>
-            </a:r>
-            <a:r>
-              <a:rPr lang="pl-PL" dirty="0" smtClean="0"/>
-              <a:t>, przycisków itp. </a:t>
-            </a:r>
-            <a:br>
-              <a:rPr lang="pl-PL" dirty="0" smtClean="0"/>
-            </a:br>
-            <a:r>
-              <a:rPr lang="pl-PL" dirty="0" smtClean="0"/>
-              <a:t>	 – np. wywołanie niestandardowej funkcji</a:t>
-            </a:r>
-          </a:p>
-          <a:p>
-            <a:pPr>
-              <a:buFont typeface="Arial" pitchFamily="34" charset="0"/>
-              <a:buChar char="•"/>
-            </a:pPr>
-            <a:r>
-              <a:rPr lang="pl-PL" b="1" dirty="0" smtClean="0"/>
-              <a:t>  Łatwość obsługi!</a:t>
-            </a:r>
-            <a:r>
-              <a:rPr lang="pl-PL" dirty="0" smtClean="0"/>
-              <a:t/>
-            </a:r>
-            <a:br>
-              <a:rPr lang="pl-PL" dirty="0" smtClean="0"/>
-            </a:br>
+              <a:rPr lang="pl-PL" dirty="0" smtClean="0">
+                <a:hlinkClick r:id="rId2"/>
+              </a:rPr>
+              <a:t>https://lvgl.io</a:t>
+            </a:r>
+            <a:r>
+              <a:rPr lang="pl-PL" dirty="0" smtClean="0">
+                <a:hlinkClick r:id="rId2"/>
+              </a:rPr>
+              <a:t>/</a:t>
+            </a:r>
+            <a:r>
+              <a:rPr lang="pl-PL" dirty="0" smtClean="0"/>
+              <a:t> </a:t>
+            </a:r>
+            <a:endParaRPr lang="pl-PL" dirty="0"/>
+          </a:p>
+        </p:txBody>
+      </p:sp>
+      <p:sp>
+        <p:nvSpPr>
+          <p:cNvPr id="5" name="pole tekstowe 4"/>
+          <p:cNvSpPr txBox="1"/>
+          <p:nvPr/>
+        </p:nvSpPr>
+        <p:spPr>
+          <a:xfrm>
+            <a:off x="4572000" y="5500702"/>
+            <a:ext cx="3828805" cy="369332"/>
+          </a:xfrm>
+          <a:prstGeom prst="rect">
+            <a:avLst/>
+          </a:prstGeom>
+          <a:noFill/>
+        </p:spPr>
+        <p:txBody>
+          <a:bodyPr wrap="none" rtlCol="0">
+            <a:spAutoFit/>
+          </a:bodyPr>
+          <a:lstStyle/>
+          <a:p>
+            <a:r>
+              <a:rPr lang="pl-PL" dirty="0" smtClean="0">
+                <a:hlinkClick r:id="rId3"/>
+              </a:rPr>
+              <a:t>https://</a:t>
+            </a:r>
+            <a:r>
+              <a:rPr lang="pl-PL" dirty="0" smtClean="0">
+                <a:hlinkClick r:id="rId3"/>
+              </a:rPr>
+              <a:t>docs.lvgl.io/master/index.html</a:t>
+            </a:r>
+            <a:r>
+              <a:rPr lang="pl-PL" dirty="0" smtClean="0"/>
+              <a:t> </a:t>
+            </a:r>
             <a:endParaRPr lang="pl-PL" dirty="0"/>
           </a:p>
         </p:txBody>
@@ -5205,6 +6795,13 @@
   <p:clrMapOvr>
     <a:masterClrMapping/>
   </p:clrMapOvr>
+  <p:timing>
+    <p:tnLst>
+      <p:par>
+        <p:cTn id="1" dur="indefinite" restart="never" nodeType="tmRoot"/>
+      </p:par>
+    </p:tnLst>
+  </p:timing>
 </p:sld>
 </file>
 
@@ -5243,37 +6840,318 @@
             <a:r>
               <a:rPr lang="pl-PL" dirty="0" smtClean="0">
                 <a:solidFill>
-                  <a:srgbClr val="EE208C"/>
+                  <a:schemeClr val="tx2">
+                    <a:lumMod val="60000"/>
+                    <a:lumOff val="40000"/>
+                  </a:schemeClr>
                 </a:solidFill>
                 <a:latin typeface="Berlin Sans FB Demi" pitchFamily="34" charset="0"/>
               </a:rPr>
-              <a:t>MCU - STM32H747</a:t>
-            </a:r>
-            <a:endParaRPr lang="pl-PL" dirty="0">
-              <a:solidFill>
-                <a:srgbClr val="EE208C"/>
-              </a:solidFill>
-              <a:latin typeface="Berlin Sans FB Demi" pitchFamily="34" charset="0"/>
-            </a:endParaRPr>
-          </a:p>
-        </p:txBody>
-      </p:sp>
-      <p:sp>
-        <p:nvSpPr>
-          <p:cNvPr id="3" name="Symbol zastępczy zawartości 2"/>
-          <p:cNvSpPr>
-            <a:spLocks noGrp="1"/>
-          </p:cNvSpPr>
+              <a:t>SQUARE LINE STUDIO</a:t>
+            </a:r>
+            <a:endParaRPr lang="pl-PL" dirty="0"/>
+          </a:p>
+        </p:txBody>
+      </p:sp>
+      <p:pic>
+        <p:nvPicPr>
+          <p:cNvPr id="4" name="Picture 2"/>
+          <p:cNvPicPr>
+            <a:picLocks noGrp="1" noChangeAspect="1" noChangeArrowheads="1"/>
+          </p:cNvPicPr>
           <p:nvPr>
             <p:ph idx="1"/>
           </p:nvPr>
-        </p:nvSpPr>
-        <p:spPr/>
-        <p:txBody>
-          <a:bodyPr/>
-          <a:lstStyle/>
-          <a:p>
-            <a:endParaRPr lang="pl-PL"/>
+        </p:nvPicPr>
+        <p:blipFill>
+          <a:blip r:embed="rId2" cstate="print"/>
+          <a:srcRect/>
+          <a:stretch>
+            <a:fillRect/>
+          </a:stretch>
+        </p:blipFill>
+        <p:spPr bwMode="auto">
+          <a:xfrm>
+            <a:off x="2116794" y="2714620"/>
+            <a:ext cx="7027206" cy="3857652"/>
+          </a:xfrm>
+          <a:prstGeom prst="rect">
+            <a:avLst/>
+          </a:prstGeom>
+          <a:noFill/>
+          <a:ln w="9525">
+            <a:noFill/>
+            <a:miter lim="800000"/>
+            <a:headEnd/>
+            <a:tailEnd/>
+          </a:ln>
+          <a:effectLst/>
+        </p:spPr>
+      </p:pic>
+      <p:sp>
+        <p:nvSpPr>
+          <p:cNvPr id="5" name="pole tekstowe 4"/>
+          <p:cNvSpPr txBox="1"/>
+          <p:nvPr/>
+        </p:nvSpPr>
+        <p:spPr>
+          <a:xfrm>
+            <a:off x="214282" y="1285860"/>
+            <a:ext cx="7643866" cy="1754326"/>
+          </a:xfrm>
+          <a:prstGeom prst="rect">
+            <a:avLst/>
+          </a:prstGeom>
+          <a:noFill/>
+        </p:spPr>
+        <p:txBody>
+          <a:bodyPr wrap="square" rtlCol="0">
+            <a:spAutoFit/>
+          </a:bodyPr>
+          <a:lstStyle/>
+          <a:p>
+            <a:r>
+              <a:rPr lang="pl-PL" dirty="0" smtClean="0"/>
+              <a:t>Most </a:t>
+            </a:r>
+            <a:r>
+              <a:rPr lang="pl-PL" dirty="0" err="1" smtClean="0"/>
+              <a:t>important</a:t>
+            </a:r>
+            <a:r>
+              <a:rPr lang="pl-PL" dirty="0" smtClean="0"/>
+              <a:t> </a:t>
+            </a:r>
+            <a:r>
+              <a:rPr lang="pl-PL" dirty="0" err="1" smtClean="0"/>
+              <a:t>properties</a:t>
+            </a:r>
+            <a:r>
+              <a:rPr lang="pl-PL" dirty="0" smtClean="0"/>
+              <a:t>:</a:t>
+            </a:r>
+            <a:endParaRPr lang="pl-PL" dirty="0" smtClean="0"/>
+          </a:p>
+          <a:p>
+            <a:pPr>
+              <a:buFont typeface="Arial" pitchFamily="34" charset="0"/>
+              <a:buChar char="•"/>
+            </a:pPr>
+            <a:r>
+              <a:rPr lang="pl-PL" dirty="0" smtClean="0"/>
+              <a:t> </a:t>
+            </a:r>
+            <a:r>
+              <a:rPr lang="pl-PL" dirty="0" err="1" smtClean="0"/>
+              <a:t>Code</a:t>
+            </a:r>
+            <a:r>
+              <a:rPr lang="pl-PL" dirty="0" smtClean="0"/>
+              <a:t> </a:t>
+            </a:r>
+            <a:r>
+              <a:rPr lang="pl-PL" dirty="0" err="1" smtClean="0"/>
+              <a:t>generation</a:t>
+            </a:r>
+            <a:r>
+              <a:rPr lang="pl-PL" dirty="0" smtClean="0"/>
+              <a:t> for C </a:t>
+            </a:r>
+            <a:r>
+              <a:rPr lang="pl-PL" dirty="0" err="1" smtClean="0"/>
+              <a:t>compilers</a:t>
+            </a:r>
+            <a:endParaRPr lang="pl-PL" dirty="0" smtClean="0"/>
+          </a:p>
+          <a:p>
+            <a:pPr>
+              <a:buFont typeface="Arial" pitchFamily="34" charset="0"/>
+              <a:buChar char="•"/>
+            </a:pPr>
+            <a:r>
+              <a:rPr lang="pl-PL" dirty="0" smtClean="0"/>
+              <a:t> </a:t>
+            </a:r>
+            <a:r>
+              <a:rPr lang="pl-PL" dirty="0" err="1" smtClean="0"/>
+              <a:t>Creating</a:t>
+            </a:r>
+            <a:r>
+              <a:rPr lang="pl-PL" dirty="0" smtClean="0"/>
+              <a:t> </a:t>
+            </a:r>
+            <a:r>
+              <a:rPr lang="pl-PL" dirty="0" err="1" smtClean="0"/>
+              <a:t>widgets</a:t>
+            </a:r>
+            <a:r>
+              <a:rPr lang="pl-PL" dirty="0" smtClean="0"/>
+              <a:t>, </a:t>
+            </a:r>
+            <a:r>
+              <a:rPr lang="pl-PL" dirty="0" err="1" smtClean="0"/>
+              <a:t>buttons</a:t>
+            </a:r>
+            <a:r>
+              <a:rPr lang="pl-PL" dirty="0" smtClean="0"/>
+              <a:t> etc. </a:t>
+            </a:r>
+            <a:r>
+              <a:rPr lang="pl-PL" dirty="0" err="1" smtClean="0"/>
+              <a:t>in</a:t>
+            </a:r>
+            <a:r>
+              <a:rPr lang="pl-PL" dirty="0" smtClean="0"/>
+              <a:t> </a:t>
+            </a:r>
+            <a:r>
+              <a:rPr lang="pl-PL" dirty="0" err="1" smtClean="0"/>
+              <a:t>simple</a:t>
+            </a:r>
+            <a:r>
+              <a:rPr lang="pl-PL" dirty="0" smtClean="0"/>
+              <a:t> GUI </a:t>
+            </a:r>
+            <a:r>
+              <a:rPr lang="pl-PL" dirty="0" smtClean="0"/>
+              <a:t/>
+            </a:r>
+            <a:br>
+              <a:rPr lang="pl-PL" dirty="0" smtClean="0"/>
+            </a:br>
+            <a:r>
+              <a:rPr lang="pl-PL" dirty="0" smtClean="0"/>
+              <a:t>	 </a:t>
+            </a:r>
+            <a:r>
+              <a:rPr lang="pl-PL" dirty="0" smtClean="0"/>
+              <a:t>– </a:t>
+            </a:r>
+            <a:r>
+              <a:rPr lang="pl-PL" dirty="0" err="1" smtClean="0"/>
+              <a:t>calling</a:t>
+            </a:r>
+            <a:r>
+              <a:rPr lang="pl-PL" dirty="0" smtClean="0"/>
+              <a:t> </a:t>
+            </a:r>
+            <a:r>
+              <a:rPr lang="pl-PL" dirty="0" err="1" smtClean="0"/>
+              <a:t>external</a:t>
+            </a:r>
+            <a:r>
+              <a:rPr lang="pl-PL" dirty="0" smtClean="0"/>
+              <a:t> </a:t>
+            </a:r>
+            <a:r>
+              <a:rPr lang="pl-PL" dirty="0" err="1" smtClean="0"/>
+              <a:t>function</a:t>
+            </a:r>
+            <a:r>
+              <a:rPr lang="pl-PL" dirty="0" smtClean="0"/>
+              <a:t> for </a:t>
+            </a:r>
+            <a:r>
+              <a:rPr lang="pl-PL" dirty="0" err="1" smtClean="0"/>
+              <a:t>example</a:t>
+            </a:r>
+            <a:r>
+              <a:rPr lang="pl-PL" dirty="0" smtClean="0"/>
+              <a:t> to </a:t>
+            </a:r>
+            <a:r>
+              <a:rPr lang="pl-PL" dirty="0" err="1" smtClean="0"/>
+              <a:t>co-operating</a:t>
+            </a:r>
+            <a:r>
+              <a:rPr lang="pl-PL" dirty="0" smtClean="0"/>
+              <a:t> </a:t>
+            </a:r>
+            <a:r>
+              <a:rPr lang="pl-PL" dirty="0" err="1" smtClean="0"/>
+              <a:t>with</a:t>
+            </a:r>
+            <a:r>
+              <a:rPr lang="pl-PL" dirty="0" smtClean="0"/>
+              <a:t> HW</a:t>
+            </a:r>
+            <a:endParaRPr lang="pl-PL" dirty="0" smtClean="0"/>
+          </a:p>
+          <a:p>
+            <a:pPr>
+              <a:buFont typeface="Arial" pitchFamily="34" charset="0"/>
+              <a:buChar char="•"/>
+            </a:pPr>
+            <a:r>
+              <a:rPr lang="pl-PL" b="1" dirty="0" smtClean="0"/>
+              <a:t>  </a:t>
+            </a:r>
+            <a:r>
+              <a:rPr lang="pl-PL" b="1" dirty="0" err="1" smtClean="0"/>
+              <a:t>Very</a:t>
+            </a:r>
+            <a:r>
+              <a:rPr lang="pl-PL" b="1" dirty="0" smtClean="0"/>
+              <a:t> </a:t>
+            </a:r>
+            <a:r>
+              <a:rPr lang="pl-PL" b="1" dirty="0" err="1" smtClean="0"/>
+              <a:t>easy</a:t>
+            </a:r>
+            <a:r>
+              <a:rPr lang="pl-PL" b="1" dirty="0" smtClean="0"/>
+              <a:t> to start!</a:t>
+            </a:r>
+            <a:r>
+              <a:rPr lang="pl-PL" dirty="0" smtClean="0"/>
+              <a:t/>
+            </a:r>
+            <a:br>
+              <a:rPr lang="pl-PL" dirty="0" smtClean="0"/>
+            </a:br>
+            <a:endParaRPr lang="pl-PL" dirty="0"/>
+          </a:p>
+        </p:txBody>
+      </p:sp>
+      <p:sp>
+        <p:nvSpPr>
+          <p:cNvPr id="6" name="pole tekstowe 5"/>
+          <p:cNvSpPr txBox="1"/>
+          <p:nvPr/>
+        </p:nvSpPr>
+        <p:spPr>
+          <a:xfrm>
+            <a:off x="0" y="6072206"/>
+            <a:ext cx="2310697" cy="369332"/>
+          </a:xfrm>
+          <a:prstGeom prst="rect">
+            <a:avLst/>
+          </a:prstGeom>
+          <a:noFill/>
+        </p:spPr>
+        <p:txBody>
+          <a:bodyPr wrap="none" rtlCol="0">
+            <a:spAutoFit/>
+          </a:bodyPr>
+          <a:lstStyle/>
+          <a:p>
+            <a:r>
+              <a:rPr lang="pl-PL" dirty="0" smtClean="0">
+                <a:hlinkClick r:id="rId3"/>
+              </a:rPr>
+              <a:t>https://squareline.io</a:t>
+            </a:r>
+            <a:r>
+              <a:rPr lang="pl-PL" dirty="0" smtClean="0">
+                <a:hlinkClick r:id="rId3"/>
+              </a:rPr>
+              <a:t>/</a:t>
+            </a:r>
+            <a:r>
+              <a:rPr lang="pl-PL" dirty="0" smtClean="0"/>
+              <a:t>  </a:t>
+            </a:r>
+            <a:endParaRPr lang="pl-PL" dirty="0"/>
           </a:p>
         </p:txBody>
       </p:sp>
@@ -5282,6 +7160,13 @@
   <p:clrMapOvr>
     <a:masterClrMapping/>
   </p:clrMapOvr>
+  <p:timing>
+    <p:tnLst>
+      <p:par>
+        <p:cTn id="1" dur="indefinite" restart="never" nodeType="tmRoot"/>
+      </p:par>
+    </p:tnLst>
+  </p:timing>
 </p:sld>
 </file>
 
@@ -5302,6 +7187,67 @@
           <a:chExt cx="0" cy="0"/>
         </a:xfrm>
       </p:grpSpPr>
+      <p:pic>
+        <p:nvPicPr>
+          <p:cNvPr id="5" name="Picture 2"/>
+          <p:cNvPicPr>
+            <a:picLocks noGrp="1" noChangeAspect="1" noChangeArrowheads="1"/>
+          </p:cNvPicPr>
+          <p:nvPr>
+            <p:ph idx="1"/>
+          </p:nvPr>
+        </p:nvPicPr>
+        <p:blipFill>
+          <a:blip r:embed="rId3" cstate="print"/>
+          <a:srcRect/>
+          <a:stretch>
+            <a:fillRect/>
+          </a:stretch>
+        </p:blipFill>
+        <p:spPr bwMode="auto">
+          <a:xfrm>
+            <a:off x="4500562" y="5214950"/>
+            <a:ext cx="1544628" cy="1382691"/>
+          </a:xfrm>
+          <a:prstGeom prst="rect">
+            <a:avLst/>
+          </a:prstGeom>
+          <a:noFill/>
+          <a:ln w="9525">
+            <a:noFill/>
+            <a:miter lim="800000"/>
+            <a:headEnd/>
+            <a:tailEnd/>
+          </a:ln>
+          <a:effectLst/>
+        </p:spPr>
+      </p:pic>
+      <p:pic>
+        <p:nvPicPr>
+          <p:cNvPr id="9" name="Picture 7" descr="D:\STM32_VSCodeWorkSpace\stm32h747_lvgl_master_start\Pictures\h747lvgl_Photo.jpg"/>
+          <p:cNvPicPr>
+            <a:picLocks noChangeAspect="1" noChangeArrowheads="1"/>
+          </p:cNvPicPr>
+          <p:nvPr/>
+        </p:nvPicPr>
+        <p:blipFill>
+          <a:blip r:embed="rId4" cstate="print"/>
+          <a:srcRect/>
+          <a:stretch>
+            <a:fillRect/>
+          </a:stretch>
+        </p:blipFill>
+        <p:spPr bwMode="auto">
+          <a:xfrm rot="2918870">
+            <a:off x="4794926" y="2218865"/>
+            <a:ext cx="3785946" cy="2876268"/>
+          </a:xfrm>
+          <a:prstGeom prst="rect">
+            <a:avLst/>
+          </a:prstGeom>
+          <a:noFill/>
+        </p:spPr>
+      </p:pic>
       <p:sp>
         <p:nvSpPr>
           <p:cNvPr id="2" name="Tytuł 1"/>
@@ -5314,35 +7260,14 @@
         </p:nvSpPr>
         <p:spPr>
           <a:xfrm>
-            <a:off x="428596" y="214290"/>
-            <a:ext cx="8229600" cy="1274786"/>
+            <a:off x="428596" y="571480"/>
+            <a:ext cx="8229600" cy="1143000"/>
           </a:xfrm>
         </p:spPr>
         <p:txBody>
-          <a:bodyPr>
-            <a:normAutofit fontScale="90000"/>
-          </a:bodyPr>
-          <a:lstStyle/>
-          <a:p>
-            <a:r>
-              <a:rPr lang="pl-PL" dirty="0" smtClean="0"/>
-              <a:t>Sterownik wyświetlacza OTM8009A</a:t>
-            </a:r>
-            <a:r>
-              <a:rPr lang="pl-PL" dirty="0" smtClean="0"/>
-              <a:t/>
-            </a:r>
-            <a:br>
-              <a:rPr lang="pl-PL" dirty="0" smtClean="0"/>
-            </a:br>
-            <a:r>
-              <a:rPr lang="pl-PL" dirty="0" err="1" smtClean="0"/>
-              <a:t>On-The-Board</a:t>
-            </a:r>
-            <a:r>
-              <a:rPr lang="pl-PL" dirty="0" smtClean="0"/>
-              <a:t> </a:t>
-            </a:r>
+          <a:bodyPr/>
+          <a:lstStyle/>
+          <a:p>
             <a:r>
               <a:rPr lang="pl-PL" dirty="0" smtClean="0">
                 <a:solidFill>
@@ -5352,33 +7277,255 @@
               </a:rPr>
               <a:t>STM32H747-Discovery</a:t>
             </a:r>
-            <a:r>
-              <a:rPr lang="pl-PL" dirty="0" smtClean="0"/>
+            <a:endParaRPr lang="pl-PL" dirty="0">
+              <a:latin typeface="Bernard MT Condensed" pitchFamily="18" charset="0"/>
+            </a:endParaRPr>
+          </a:p>
+        </p:txBody>
+      </p:sp>
+      <p:sp>
+        <p:nvSpPr>
+          <p:cNvPr id="7" name="pole tekstowe 6"/>
+          <p:cNvSpPr txBox="1"/>
+          <p:nvPr/>
+        </p:nvSpPr>
+        <p:spPr>
+          <a:xfrm>
+            <a:off x="142844" y="2071678"/>
+            <a:ext cx="5036700" cy="3416320"/>
+          </a:xfrm>
+          <a:prstGeom prst="rect">
+            <a:avLst/>
+          </a:prstGeom>
+          <a:noFill/>
+        </p:spPr>
+        <p:txBody>
+          <a:bodyPr wrap="none" rtlCol="0">
+            <a:spAutoFit/>
+          </a:bodyPr>
+          <a:lstStyle/>
+          <a:p>
+            <a:r>
+              <a:rPr lang="pl-PL" dirty="0" smtClean="0"/>
+              <a:t>Most </a:t>
+            </a:r>
+            <a:r>
+              <a:rPr lang="pl-PL" dirty="0" err="1" smtClean="0"/>
+              <a:t>important</a:t>
+            </a:r>
+            <a:r>
+              <a:rPr lang="pl-PL" dirty="0" smtClean="0"/>
+              <a:t> </a:t>
+            </a:r>
+            <a:r>
+              <a:rPr lang="pl-PL" dirty="0" err="1" smtClean="0"/>
+              <a:t>properties</a:t>
+            </a:r>
+            <a:endParaRPr lang="pl-PL" dirty="0" smtClean="0"/>
+          </a:p>
+          <a:p>
+            <a:r>
+              <a:rPr lang="pl-PL" b="1" dirty="0" smtClean="0"/>
+              <a:t>MCU</a:t>
+            </a:r>
+            <a:r>
+              <a:rPr lang="pl-PL" b="1" dirty="0" smtClean="0"/>
+              <a:t> STM32H747XIH6</a:t>
+            </a:r>
+          </a:p>
+          <a:p>
+            <a:r>
+              <a:rPr lang="pl-PL" b="1" dirty="0" err="1" smtClean="0"/>
+              <a:t>Flash</a:t>
+            </a:r>
+            <a:r>
+              <a:rPr lang="pl-PL" b="1" dirty="0" smtClean="0"/>
+              <a:t> </a:t>
+            </a:r>
+            <a:r>
+              <a:rPr lang="pl-PL" b="1" dirty="0" smtClean="0"/>
+              <a:t>-2 MB, </a:t>
+            </a:r>
+            <a:r>
+              <a:rPr lang="pl-PL" b="1" dirty="0" smtClean="0"/>
+              <a:t> RAM </a:t>
+            </a:r>
+            <a:r>
+              <a:rPr lang="pl-PL" b="1" dirty="0" smtClean="0"/>
+              <a:t>- 1 MB</a:t>
+            </a:r>
+          </a:p>
+          <a:p>
+            <a:r>
+              <a:rPr lang="pl-PL" b="1" dirty="0" smtClean="0"/>
+              <a:t>4-inch</a:t>
+            </a:r>
+            <a:r>
+              <a:rPr lang="pl-PL" b="1" dirty="0" smtClean="0"/>
+              <a:t> </a:t>
+            </a:r>
+            <a:r>
+              <a:rPr lang="pl-PL" b="1" dirty="0" smtClean="0"/>
+              <a:t>LCD Display </a:t>
+            </a:r>
+            <a:r>
+              <a:rPr lang="pl-PL" b="1" dirty="0" err="1" smtClean="0"/>
+              <a:t>with</a:t>
+            </a:r>
+            <a:r>
+              <a:rPr lang="pl-PL" b="1" dirty="0" smtClean="0"/>
+              <a:t> </a:t>
+            </a:r>
+            <a:r>
+              <a:rPr lang="pl-PL" b="1" dirty="0" err="1" smtClean="0"/>
+              <a:t>touch</a:t>
+            </a:r>
+            <a:r>
+              <a:rPr lang="pl-PL" b="1" dirty="0" smtClean="0"/>
+              <a:t> panel</a:t>
+            </a:r>
+            <a:endParaRPr lang="pl-PL" b="1" dirty="0" smtClean="0"/>
+          </a:p>
+          <a:p>
+            <a:r>
+              <a:rPr lang="pl-PL" b="1" dirty="0" smtClean="0"/>
+              <a:t>128 </a:t>
+            </a:r>
+            <a:r>
+              <a:rPr lang="pl-PL" b="1" dirty="0" err="1" smtClean="0"/>
+              <a:t>Mbytes</a:t>
+            </a:r>
+            <a:r>
+              <a:rPr lang="pl-PL" b="1" dirty="0" smtClean="0"/>
+              <a:t> </a:t>
+            </a:r>
+            <a:r>
+              <a:rPr lang="pl-PL" b="1" dirty="0" err="1" smtClean="0"/>
+              <a:t>Quad-SPI</a:t>
+            </a:r>
+            <a:r>
+              <a:rPr lang="pl-PL" b="1" dirty="0" smtClean="0"/>
+              <a:t> </a:t>
+            </a:r>
+            <a:r>
+              <a:rPr lang="pl-PL" b="1" dirty="0" smtClean="0"/>
+              <a:t>NOR </a:t>
+            </a:r>
+            <a:r>
+              <a:rPr lang="pl-PL" b="1" dirty="0" err="1" smtClean="0"/>
+              <a:t>Flash</a:t>
+            </a:r>
+            <a:r>
+              <a:rPr lang="pl-PL" b="1" dirty="0" smtClean="0"/>
+              <a:t> </a:t>
+            </a:r>
+            <a:r>
+              <a:rPr lang="pl-PL" b="1" dirty="0" err="1" smtClean="0"/>
+              <a:t>memory</a:t>
+            </a:r>
+            <a:r>
+              <a:rPr lang="pl-PL" b="1" dirty="0" smtClean="0"/>
               <a:t/>
             </a:r>
             <a:br>
-              <a:rPr lang="pl-PL" dirty="0" smtClean="0"/>
+              <a:rPr lang="pl-PL" b="1" dirty="0" smtClean="0"/>
             </a:br>
-            <a:endParaRPr lang="pl-PL" dirty="0"/>
-          </a:p>
-        </p:txBody>
-      </p:sp>
-      <p:sp>
-        <p:nvSpPr>
-          <p:cNvPr id="3" name="Symbol zastępczy zawartości 2"/>
-          <p:cNvSpPr>
-            <a:spLocks noGrp="1"/>
-          </p:cNvSpPr>
-          <p:nvPr>
-            <p:ph idx="1"/>
-          </p:nvPr>
-        </p:nvSpPr>
-        <p:spPr/>
-        <p:txBody>
-          <a:bodyPr/>
-          <a:lstStyle/>
-          <a:p>
-            <a:endParaRPr lang="pl-PL" dirty="0"/>
+            <a:r>
+              <a:rPr lang="pl-PL" b="1" dirty="0" smtClean="0"/>
+              <a:t>32-Mbytes </a:t>
+            </a:r>
+            <a:r>
+              <a:rPr lang="pl-PL" b="1" dirty="0" smtClean="0"/>
+              <a:t>SDRAM </a:t>
+            </a:r>
+            <a:r>
+              <a:rPr lang="pl-PL" b="1" dirty="0" err="1" smtClean="0"/>
+              <a:t>memory</a:t>
+            </a:r>
+            <a:endParaRPr lang="pl-PL" b="1" dirty="0" smtClean="0"/>
+          </a:p>
+          <a:p>
+            <a:r>
+              <a:rPr lang="pl-PL" dirty="0" smtClean="0"/>
+              <a:t/>
+            </a:r>
+            <a:br>
+              <a:rPr lang="pl-PL" dirty="0" smtClean="0"/>
+            </a:br>
+            <a:r>
+              <a:rPr lang="pl-PL" dirty="0" err="1" smtClean="0"/>
+              <a:t>Embedded</a:t>
+            </a:r>
+            <a:r>
+              <a:rPr lang="pl-PL" dirty="0" smtClean="0"/>
+              <a:t> </a:t>
+            </a:r>
+            <a:r>
+              <a:rPr lang="pl-PL" dirty="0" err="1" smtClean="0"/>
+              <a:t>programmed</a:t>
+            </a:r>
+            <a:r>
+              <a:rPr lang="pl-PL" dirty="0" smtClean="0"/>
+              <a:t> and </a:t>
+            </a:r>
+            <a:r>
+              <a:rPr lang="pl-PL" dirty="0" err="1" smtClean="0"/>
+              <a:t>debugger</a:t>
+            </a:r>
+            <a:r>
+              <a:rPr lang="pl-PL" dirty="0" smtClean="0"/>
+              <a:t> </a:t>
+            </a:r>
+            <a:r>
+              <a:rPr lang="pl-PL" dirty="0" smtClean="0"/>
+              <a:t>ST-LINK/V3</a:t>
+            </a:r>
+          </a:p>
+          <a:p>
+            <a:r>
+              <a:rPr lang="pl-PL" dirty="0" smtClean="0"/>
+              <a:t>Ethernet </a:t>
+            </a:r>
+            <a:r>
+              <a:rPr lang="pl-PL" dirty="0" smtClean="0"/>
+              <a:t>IEEE-802.3-2002 </a:t>
+            </a:r>
+            <a:r>
+              <a:rPr lang="pl-PL" dirty="0" smtClean="0"/>
+              <a:t>i POE	</a:t>
+            </a:r>
+          </a:p>
+          <a:p>
+            <a:r>
+              <a:rPr lang="pl-PL" dirty="0" smtClean="0"/>
+              <a:t>USB OTG HS</a:t>
+            </a:r>
+          </a:p>
+          <a:p>
+            <a:r>
+              <a:rPr lang="pl-PL" dirty="0" smtClean="0"/>
+              <a:t>4 x </a:t>
+            </a:r>
+            <a:r>
+              <a:rPr lang="pl-PL" dirty="0" smtClean="0"/>
+              <a:t>LED</a:t>
+            </a:r>
+            <a:endParaRPr lang="pl-PL" dirty="0" smtClean="0"/>
+          </a:p>
+          <a:p>
+            <a:r>
+              <a:rPr lang="pl-PL" dirty="0" err="1" smtClean="0"/>
+              <a:t>User</a:t>
+            </a:r>
+            <a:r>
+              <a:rPr lang="pl-PL" dirty="0" smtClean="0"/>
+              <a:t> and Reset </a:t>
+            </a:r>
+            <a:r>
+              <a:rPr lang="pl-PL" dirty="0" err="1" smtClean="0"/>
+              <a:t>Button</a:t>
+            </a:r>
+            <a:endParaRPr lang="pl-PL" dirty="0" smtClean="0"/>
           </a:p>
         </p:txBody>
       </p:sp>
@@ -5387,6 +7534,13 @@
   <p:clrMapOvr>
     <a:masterClrMapping/>
   </p:clrMapOvr>
+  <p:timing>
+    <p:tnLst>
+      <p:par>
+        <p:cTn id="1" dur="indefinite" restart="never" nodeType="tmRoot"/>
+      </p:par>
+    </p:tnLst>
+  </p:timing>
 </p:sld>
 </file>
 
@@ -5417,43 +7571,374 @@
             <p:ph type="title"/>
           </p:nvPr>
         </p:nvSpPr>
-        <p:spPr/>
+        <p:spPr>
+          <a:xfrm>
+            <a:off x="571472" y="142852"/>
+            <a:ext cx="7472386" cy="917596"/>
+          </a:xfrm>
+        </p:spPr>
         <p:txBody>
           <a:bodyPr/>
           <a:lstStyle/>
           <a:p>
             <a:r>
-              <a:rPr lang="pl-PL" dirty="0" smtClean="0"/>
+              <a:rPr lang="pl-PL" dirty="0" smtClean="0">
+                <a:solidFill>
+                  <a:srgbClr val="EE208C"/>
+                </a:solidFill>
+                <a:latin typeface="Berlin Sans FB Demi" pitchFamily="34" charset="0"/>
+              </a:rPr>
               <a:t>Display serial </a:t>
             </a:r>
             <a:r>
-              <a:rPr lang="pl-PL" dirty="0" err="1" smtClean="0"/>
+              <a:rPr lang="pl-PL" dirty="0" err="1" smtClean="0">
+                <a:solidFill>
+                  <a:srgbClr val="EE208C"/>
+                </a:solidFill>
+                <a:latin typeface="Berlin Sans FB Demi" pitchFamily="34" charset="0"/>
+              </a:rPr>
               <a:t>interface</a:t>
             </a:r>
             <a:r>
-              <a:rPr lang="pl-PL" dirty="0" smtClean="0"/>
+              <a:rPr lang="pl-PL" dirty="0" smtClean="0">
+                <a:solidFill>
+                  <a:srgbClr val="EE208C"/>
+                </a:solidFill>
+                <a:latin typeface="Berlin Sans FB Demi" pitchFamily="34" charset="0"/>
+              </a:rPr>
               <a:t> (DSI)</a:t>
             </a:r>
+            <a:endParaRPr lang="pl-PL" dirty="0">
+              <a:solidFill>
+                <a:srgbClr val="EE208C"/>
+              </a:solidFill>
+              <a:latin typeface="Berlin Sans FB Demi" pitchFamily="34" charset="0"/>
+            </a:endParaRPr>
+          </a:p>
+        </p:txBody>
+      </p:sp>
+      <p:pic>
+        <p:nvPicPr>
+          <p:cNvPr id="1026" name="Picture 2"/>
+          <p:cNvPicPr>
+            <a:picLocks noChangeAspect="1" noChangeArrowheads="1"/>
+          </p:cNvPicPr>
+          <p:nvPr/>
+        </p:nvPicPr>
+        <p:blipFill>
+          <a:blip r:embed="rId2"/>
+          <a:srcRect/>
+          <a:stretch>
+            <a:fillRect/>
+          </a:stretch>
+        </p:blipFill>
+        <p:spPr bwMode="auto">
+          <a:xfrm>
+            <a:off x="71406" y="928670"/>
+            <a:ext cx="3831880" cy="4643470"/>
+          </a:xfrm>
+          <a:prstGeom prst="rect">
+            <a:avLst/>
+          </a:prstGeom>
+          <a:noFill/>
+          <a:ln w="9525">
+            <a:noFill/>
+            <a:miter lim="800000"/>
+            <a:headEnd/>
+            <a:tailEnd/>
+          </a:ln>
+          <a:effectLst/>
+        </p:spPr>
+      </p:pic>
+      <p:sp>
+        <p:nvSpPr>
+          <p:cNvPr id="5" name="pole tekstowe 4"/>
+          <p:cNvSpPr txBox="1"/>
+          <p:nvPr/>
+        </p:nvSpPr>
+        <p:spPr>
+          <a:xfrm>
+            <a:off x="4286248" y="3857628"/>
+            <a:ext cx="3295607" cy="1200329"/>
+          </a:xfrm>
+          <a:prstGeom prst="rect">
+            <a:avLst/>
+          </a:prstGeom>
+          <a:noFill/>
+        </p:spPr>
+        <p:txBody>
+          <a:bodyPr wrap="square" rtlCol="0">
+            <a:spAutoFit/>
+          </a:bodyPr>
+          <a:lstStyle/>
+          <a:p>
+            <a:pPr>
+              <a:buFont typeface="Arial" pitchFamily="34" charset="0"/>
+              <a:buChar char="•"/>
+            </a:pPr>
+            <a:r>
+              <a:rPr lang="pl-PL" dirty="0" smtClean="0">
+                <a:latin typeface="Adobe Fan Heiti Std B" pitchFamily="34" charset="-128"/>
+                <a:ea typeface="Adobe Fan Heiti Std B" pitchFamily="34" charset="-128"/>
+              </a:rPr>
+              <a:t>  </a:t>
+            </a:r>
+            <a:r>
+              <a:rPr lang="pl-PL" dirty="0" err="1" smtClean="0">
+                <a:latin typeface="Adobe Fan Heiti Std B" pitchFamily="34" charset="-128"/>
+                <a:ea typeface="Adobe Fan Heiti Std B" pitchFamily="34" charset="-128"/>
+              </a:rPr>
+              <a:t>Allowed</a:t>
+            </a:r>
+            <a:r>
+              <a:rPr lang="pl-PL" dirty="0" smtClean="0">
+                <a:latin typeface="Adobe Fan Heiti Std B" pitchFamily="34" charset="-128"/>
+                <a:ea typeface="Adobe Fan Heiti Std B" pitchFamily="34" charset="-128"/>
+              </a:rPr>
+              <a:t> </a:t>
+            </a:r>
+            <a:r>
+              <a:rPr lang="pl-PL" dirty="0" err="1" smtClean="0">
+                <a:latin typeface="Adobe Fan Heiti Std B" pitchFamily="34" charset="-128"/>
+                <a:ea typeface="Adobe Fan Heiti Std B" pitchFamily="34" charset="-128"/>
+              </a:rPr>
+              <a:t>Operating</a:t>
+            </a:r>
+            <a:r>
+              <a:rPr lang="pl-PL" dirty="0" smtClean="0">
+                <a:latin typeface="Adobe Fan Heiti Std B" pitchFamily="34" charset="-128"/>
+                <a:ea typeface="Adobe Fan Heiti Std B" pitchFamily="34" charset="-128"/>
+              </a:rPr>
+              <a:t> </a:t>
+            </a:r>
+            <a:r>
+              <a:rPr lang="pl-PL" dirty="0" err="1" smtClean="0">
+                <a:latin typeface="Adobe Fan Heiti Std B" pitchFamily="34" charset="-128"/>
+                <a:ea typeface="Adobe Fan Heiti Std B" pitchFamily="34" charset="-128"/>
+              </a:rPr>
+              <a:t>modes</a:t>
+            </a:r>
+            <a:endParaRPr lang="pl-PL" dirty="0" smtClean="0">
+              <a:latin typeface="Adobe Fan Heiti Std B" pitchFamily="34" charset="-128"/>
+              <a:ea typeface="Adobe Fan Heiti Std B" pitchFamily="34" charset="-128"/>
+            </a:endParaRPr>
+          </a:p>
+          <a:p>
+            <a:pPr marL="342900">
+              <a:buFont typeface="Arial" pitchFamily="34" charset="0"/>
+              <a:buChar char="•"/>
+            </a:pPr>
+            <a:r>
+              <a:rPr lang="pl-PL" dirty="0" smtClean="0">
+                <a:latin typeface="Bahnschrift Light" pitchFamily="34" charset="0"/>
+                <a:ea typeface="Adobe Fan Heiti Std B" pitchFamily="34" charset="-128"/>
+              </a:rPr>
+              <a:t>Video </a:t>
+            </a:r>
+            <a:r>
+              <a:rPr lang="pl-PL" dirty="0" err="1" smtClean="0">
+                <a:latin typeface="Bahnschrift Light" pitchFamily="34" charset="0"/>
+                <a:ea typeface="Adobe Fan Heiti Std B" pitchFamily="34" charset="-128"/>
+              </a:rPr>
+              <a:t>mode</a:t>
+            </a:r>
+            <a:endParaRPr lang="pl-PL" dirty="0" smtClean="0">
+              <a:latin typeface="Bahnschrift Light" pitchFamily="34" charset="0"/>
+              <a:ea typeface="Adobe Fan Heiti Std B" pitchFamily="34" charset="-128"/>
+            </a:endParaRPr>
+          </a:p>
+          <a:p>
+            <a:pPr marL="342900">
+              <a:buFont typeface="Arial" pitchFamily="34" charset="0"/>
+              <a:buChar char="•"/>
+            </a:pPr>
+            <a:r>
+              <a:rPr lang="pl-PL" dirty="0" smtClean="0">
+                <a:latin typeface="Bahnschrift Light" pitchFamily="34" charset="0"/>
+                <a:ea typeface="Adobe Fan Heiti Std B" pitchFamily="34" charset="-128"/>
+              </a:rPr>
+              <a:t>APB </a:t>
+            </a:r>
+            <a:r>
+              <a:rPr lang="pl-PL" dirty="0" err="1" smtClean="0">
+                <a:latin typeface="Bahnschrift Light" pitchFamily="34" charset="0"/>
+                <a:ea typeface="Adobe Fan Heiti Std B" pitchFamily="34" charset="-128"/>
+              </a:rPr>
+              <a:t>Command</a:t>
+            </a:r>
+            <a:r>
+              <a:rPr lang="pl-PL" dirty="0" smtClean="0">
+                <a:latin typeface="Bahnschrift Light" pitchFamily="34" charset="0"/>
+                <a:ea typeface="Adobe Fan Heiti Std B" pitchFamily="34" charset="-128"/>
+              </a:rPr>
+              <a:t> </a:t>
+            </a:r>
+            <a:r>
+              <a:rPr lang="pl-PL" dirty="0" err="1" smtClean="0">
+                <a:latin typeface="Bahnschrift Light" pitchFamily="34" charset="0"/>
+                <a:ea typeface="Adobe Fan Heiti Std B" pitchFamily="34" charset="-128"/>
+              </a:rPr>
+              <a:t>Mode</a:t>
+            </a:r>
+            <a:endParaRPr lang="pl-PL" dirty="0" smtClean="0">
+              <a:latin typeface="Bahnschrift Light" pitchFamily="34" charset="0"/>
+              <a:ea typeface="Adobe Fan Heiti Std B" pitchFamily="34" charset="-128"/>
+            </a:endParaRPr>
+          </a:p>
+          <a:p>
+            <a:pPr marL="342900">
+              <a:buFont typeface="Arial" pitchFamily="34" charset="0"/>
+              <a:buChar char="•"/>
+            </a:pPr>
+            <a:r>
+              <a:rPr lang="pl-PL" dirty="0" err="1" smtClean="0">
+                <a:latin typeface="Bahnschrift Light" pitchFamily="34" charset="0"/>
+                <a:ea typeface="Adobe Fan Heiti Std B" pitchFamily="34" charset="-128"/>
+              </a:rPr>
+              <a:t>Adapted</a:t>
+            </a:r>
+            <a:r>
+              <a:rPr lang="pl-PL" dirty="0" smtClean="0">
+                <a:latin typeface="Bahnschrift Light" pitchFamily="34" charset="0"/>
+                <a:ea typeface="Adobe Fan Heiti Std B" pitchFamily="34" charset="-128"/>
+              </a:rPr>
+              <a:t> </a:t>
+            </a:r>
+            <a:r>
+              <a:rPr lang="pl-PL" dirty="0" err="1" smtClean="0">
+                <a:latin typeface="Bahnschrift Light" pitchFamily="34" charset="0"/>
+                <a:ea typeface="Adobe Fan Heiti Std B" pitchFamily="34" charset="-128"/>
+              </a:rPr>
+              <a:t>Command</a:t>
+            </a:r>
+            <a:r>
+              <a:rPr lang="pl-PL" dirty="0" smtClean="0">
+                <a:latin typeface="Bahnschrift Light" pitchFamily="34" charset="0"/>
+                <a:ea typeface="Adobe Fan Heiti Std B" pitchFamily="34" charset="-128"/>
+              </a:rPr>
+              <a:t> </a:t>
+            </a:r>
+            <a:r>
+              <a:rPr lang="pl-PL" dirty="0" err="1" smtClean="0">
+                <a:latin typeface="Bahnschrift Light" pitchFamily="34" charset="0"/>
+                <a:ea typeface="Adobe Fan Heiti Std B" pitchFamily="34" charset="-128"/>
+              </a:rPr>
+              <a:t>Mode</a:t>
+            </a:r>
+            <a:endParaRPr lang="pl-PL" dirty="0">
+              <a:latin typeface="Bahnschrift Light" pitchFamily="34" charset="0"/>
+              <a:ea typeface="Adobe Fan Heiti Std B" pitchFamily="34" charset="-128"/>
+            </a:endParaRPr>
+          </a:p>
+        </p:txBody>
+      </p:sp>
+      <p:pic>
+        <p:nvPicPr>
+          <p:cNvPr id="1027" name="Picture 3"/>
+          <p:cNvPicPr>
+            <a:picLocks noChangeAspect="1" noChangeArrowheads="1"/>
+          </p:cNvPicPr>
+          <p:nvPr/>
+        </p:nvPicPr>
+        <p:blipFill>
+          <a:blip r:embed="rId3"/>
+          <a:srcRect/>
+          <a:stretch>
+            <a:fillRect/>
+          </a:stretch>
+        </p:blipFill>
+        <p:spPr bwMode="auto">
+          <a:xfrm>
+            <a:off x="4071934" y="1643050"/>
+            <a:ext cx="4876811" cy="1657998"/>
+          </a:xfrm>
+          <a:prstGeom prst="rect">
+            <a:avLst/>
+          </a:prstGeom>
+          <a:noFill/>
+          <a:ln w="9525">
+            <a:noFill/>
+            <a:miter lim="800000"/>
+            <a:headEnd/>
+            <a:tailEnd/>
+          </a:ln>
+          <a:effectLst/>
+        </p:spPr>
+      </p:pic>
+      <p:sp>
+        <p:nvSpPr>
+          <p:cNvPr id="7" name="pole tekstowe 6"/>
+          <p:cNvSpPr txBox="1"/>
+          <p:nvPr/>
+        </p:nvSpPr>
+        <p:spPr>
+          <a:xfrm>
+            <a:off x="357158" y="5857892"/>
+            <a:ext cx="3363357" cy="646331"/>
+          </a:xfrm>
+          <a:prstGeom prst="rect">
+            <a:avLst/>
+          </a:prstGeom>
+          <a:noFill/>
+        </p:spPr>
+        <p:txBody>
+          <a:bodyPr wrap="none" rtlCol="0">
+            <a:spAutoFit/>
+          </a:bodyPr>
+          <a:lstStyle/>
+          <a:p>
+            <a:r>
+              <a:rPr lang="pl-PL" b="1" dirty="0" smtClean="0"/>
+              <a:t>DSI </a:t>
+            </a:r>
+            <a:r>
+              <a:rPr lang="pl-PL" b="1" dirty="0" err="1" smtClean="0"/>
+              <a:t>Presentation</a:t>
+            </a:r>
+            <a:r>
+              <a:rPr lang="pl-PL" b="1" dirty="0" smtClean="0"/>
+              <a:t> </a:t>
+            </a:r>
+            <a:r>
+              <a:rPr lang="pl-PL" b="1" dirty="0" err="1" smtClean="0"/>
+              <a:t>prepared</a:t>
+            </a:r>
+            <a:r>
+              <a:rPr lang="pl-PL" b="1" dirty="0" smtClean="0"/>
+              <a:t> by ST: </a:t>
+            </a:r>
+            <a:r>
+              <a:rPr lang="pl-PL" dirty="0" smtClean="0">
+                <a:hlinkClick r:id="rId4"/>
+              </a:rPr>
+              <a:t/>
+            </a:r>
+            <a:br>
+              <a:rPr lang="pl-PL" dirty="0" smtClean="0">
+                <a:hlinkClick r:id="rId4"/>
+              </a:rPr>
+            </a:br>
+            <a:r>
+              <a:rPr lang="pl-PL" dirty="0" smtClean="0"/>
+              <a:t> </a:t>
+            </a:r>
+            <a:r>
+              <a:rPr lang="pl-PL" dirty="0" smtClean="0">
+                <a:hlinkClick r:id="rId5"/>
+              </a:rPr>
+              <a:t>https://</a:t>
+            </a:r>
+            <a:r>
+              <a:rPr lang="pl-PL" dirty="0" smtClean="0">
+                <a:hlinkClick r:id="rId5"/>
+              </a:rPr>
+              <a:t>youtu.be/3Juj9BAnd4g</a:t>
+            </a:r>
+            <a:r>
+              <a:rPr lang="pl-PL" dirty="0" smtClean="0"/>
+              <a:t> </a:t>
+            </a:r>
             <a:endParaRPr lang="pl-PL" dirty="0"/>
-          </a:p>
-        </p:txBody>
-      </p:sp>
-      <p:sp>
-        <p:nvSpPr>
-          <p:cNvPr id="3" name="Symbol zastępczy zawartości 2"/>
-          <p:cNvSpPr>
-            <a:spLocks noGrp="1"/>
-          </p:cNvSpPr>
-          <p:nvPr>
-            <p:ph idx="1"/>
-          </p:nvPr>
-        </p:nvSpPr>
-        <p:spPr/>
-        <p:txBody>
-          <a:bodyPr/>
-          <a:lstStyle/>
-          <a:p>
-            <a:endParaRPr lang="pl-PL"/>
           </a:p>
         </p:txBody>
       </p:sp>
@@ -5462,6 +7947,13 @@
   <p:clrMapOvr>
     <a:masterClrMapping/>
   </p:clrMapOvr>
+  <p:timing>
+    <p:tnLst>
+      <p:par>
+        <p:cTn id="1" dur="indefinite" restart="never" nodeType="tmRoot"/>
+      </p:par>
+    </p:tnLst>
+  </p:timing>
 </p:sld>
 </file>
 
@@ -5505,34 +7997,52 @@
           <a:lstStyle/>
           <a:p>
             <a:r>
-              <a:rPr lang="pl-PL" b="1" dirty="0" err="1" smtClean="0"/>
+              <a:rPr lang="pl-PL" b="1" dirty="0" err="1" smtClean="0">
+                <a:solidFill>
+                  <a:srgbClr val="EE208C"/>
+                </a:solidFill>
+              </a:rPr>
               <a:t>LCD-TFT</a:t>
             </a:r>
             <a:r>
-              <a:rPr lang="pl-PL" b="1" dirty="0" smtClean="0"/>
+              <a:rPr lang="pl-PL" b="1" dirty="0" smtClean="0">
+                <a:solidFill>
+                  <a:srgbClr val="EE208C"/>
+                </a:solidFill>
+              </a:rPr>
               <a:t> display </a:t>
             </a:r>
             <a:r>
-              <a:rPr lang="pl-PL" b="1" dirty="0" err="1" smtClean="0"/>
+              <a:rPr lang="pl-PL" b="1" dirty="0" err="1" smtClean="0">
+                <a:solidFill>
+                  <a:srgbClr val="EE208C"/>
+                </a:solidFill>
+              </a:rPr>
               <a:t>controller</a:t>
             </a:r>
             <a:r>
-              <a:rPr lang="pl-PL" b="1" dirty="0" smtClean="0"/>
+              <a:rPr lang="pl-PL" b="1" dirty="0" smtClean="0">
+                <a:solidFill>
+                  <a:srgbClr val="EE208C"/>
+                </a:solidFill>
+              </a:rPr>
               <a:t> (LTDC)</a:t>
             </a:r>
-            <a:endParaRPr lang="pl-PL" dirty="0"/>
+            <a:endParaRPr lang="pl-PL" dirty="0">
+              <a:solidFill>
+                <a:srgbClr val="EE208C"/>
+              </a:solidFill>
+            </a:endParaRPr>
           </a:p>
         </p:txBody>
       </p:sp>
       <p:pic>
         <p:nvPicPr>
-          <p:cNvPr id="1026" name="Picture 2"/>
+          <p:cNvPr id="2051" name="Picture 3"/>
           <p:cNvPicPr>
-            <a:picLocks noGrp="1" noChangeAspect="1" noChangeArrowheads="1"/>
+            <a:picLocks noChangeAspect="1" noChangeArrowheads="1"/>
           </p:cNvPicPr>
-          <p:nvPr>
-            <p:ph idx="1"/>
-          </p:nvPr>
+          <p:nvPr/>
         </p:nvPicPr>
         <p:blipFill>
           <a:blip r:embed="rId2"/>
@@ -5543,8 +8053,8 @@
         </p:blipFill>
         <p:spPr bwMode="auto">
           <a:xfrm>
-            <a:off x="2214546" y="1643050"/>
-            <a:ext cx="6264429" cy="4483100"/>
+            <a:off x="0" y="1500174"/>
+            <a:ext cx="8891756" cy="3256278"/>
           </a:xfrm>
           <a:prstGeom prst="rect">
             <a:avLst/>
@@ -5559,11 +8069,127 @@
           <a:effectLst/>
         </p:spPr>
       </p:pic>
+      <p:sp>
+        <p:nvSpPr>
+          <p:cNvPr id="7" name="Prostokąt 6"/>
+          <p:cNvSpPr/>
+          <p:nvPr/>
+        </p:nvSpPr>
+        <p:spPr>
+          <a:xfrm>
+            <a:off x="357158" y="5286388"/>
+            <a:ext cx="7500990" cy="646331"/>
+          </a:xfrm>
+          <a:prstGeom prst="rect">
+            <a:avLst/>
+          </a:prstGeom>
+        </p:spPr>
+        <p:txBody>
+          <a:bodyPr wrap="square">
+            <a:spAutoFit/>
+          </a:bodyPr>
+          <a:lstStyle/>
+          <a:p>
+            <a:r>
+              <a:rPr lang="pl-PL" b="1" dirty="0" smtClean="0"/>
+              <a:t>LTDC </a:t>
+            </a:r>
+            <a:r>
+              <a:rPr lang="pl-PL" b="1" dirty="0" err="1" smtClean="0"/>
+              <a:t>Presentation</a:t>
+            </a:r>
+            <a:r>
+              <a:rPr lang="pl-PL" b="1" dirty="0" smtClean="0"/>
+              <a:t> </a:t>
+            </a:r>
+            <a:r>
+              <a:rPr lang="pl-PL" b="1" dirty="0" err="1" smtClean="0"/>
+              <a:t>prepared</a:t>
+            </a:r>
+            <a:r>
+              <a:rPr lang="pl-PL" b="1" dirty="0" smtClean="0"/>
+              <a:t> by ST:</a:t>
+            </a:r>
+            <a:r>
+              <a:rPr lang="pl-PL" dirty="0" smtClean="0"/>
+              <a:t/>
+            </a:r>
+            <a:br>
+              <a:rPr lang="pl-PL" dirty="0" smtClean="0"/>
+            </a:br>
+            <a:r>
+              <a:rPr lang="pl-PL" dirty="0" smtClean="0">
+                <a:hlinkClick r:id="rId3"/>
+              </a:rPr>
+              <a:t>https://</a:t>
+            </a:r>
+            <a:r>
+              <a:rPr lang="pl-PL" dirty="0" smtClean="0">
+                <a:hlinkClick r:id="rId3"/>
+              </a:rPr>
+              <a:t>youtu.be/wPX9YAMbuZ8</a:t>
+            </a:r>
+            <a:r>
+              <a:rPr lang="pl-PL" dirty="0" smtClean="0"/>
+              <a:t> </a:t>
+            </a:r>
+            <a:endParaRPr lang="pl-PL" dirty="0"/>
+          </a:p>
+        </p:txBody>
+      </p:sp>
+      <p:sp>
+        <p:nvSpPr>
+          <p:cNvPr id="8" name="Prostokąt 7"/>
+          <p:cNvSpPr/>
+          <p:nvPr/>
+        </p:nvSpPr>
+        <p:spPr>
+          <a:xfrm>
+            <a:off x="571472" y="6215082"/>
+            <a:ext cx="8786858" cy="369332"/>
+          </a:xfrm>
+          <a:prstGeom prst="rect">
+            <a:avLst/>
+          </a:prstGeom>
+        </p:spPr>
+        <p:txBody>
+          <a:bodyPr wrap="square">
+            <a:spAutoFit/>
+          </a:bodyPr>
+          <a:lstStyle/>
+          <a:p>
+            <a:r>
+              <a:rPr lang="pl-PL" dirty="0" smtClean="0">
+                <a:hlinkClick r:id="rId4"/>
+              </a:rPr>
+              <a:t>https://fastbitlab.com/stm32-ltdc-lcd-tft-lvglmcu3-lecture-32-ltdc-configuration</a:t>
+            </a:r>
+            <a:r>
+              <a:rPr lang="pl-PL" dirty="0" smtClean="0">
+                <a:hlinkClick r:id="rId4"/>
+              </a:rPr>
+              <a:t>/</a:t>
+            </a:r>
+            <a:r>
+              <a:rPr lang="pl-PL" dirty="0" smtClean="0"/>
+              <a:t> </a:t>
+            </a:r>
+            <a:endParaRPr lang="pl-PL" dirty="0"/>
+          </a:p>
+        </p:txBody>
+      </p:sp>
     </p:spTree>
   </p:cSld>
   <p:clrMapOvr>
     <a:masterClrMapping/>
   </p:clrMapOvr>
+  <p:timing>
+    <p:tnLst>
+      <p:par>
+        <p:cTn id="1" dur="indefinite" restart="never" nodeType="tmRoot"/>
+      </p:par>
+    </p:tnLst>
+  </p:timing>
 </p:sld>
 </file>
 
@@ -5594,40 +8220,68 @@
             <p:ph type="title"/>
           </p:nvPr>
         </p:nvSpPr>
-        <p:spPr/>
+        <p:spPr>
+          <a:xfrm>
+            <a:off x="428596" y="214290"/>
+            <a:ext cx="8229600" cy="1274786"/>
+          </a:xfrm>
+        </p:spPr>
         <p:txBody>
           <a:bodyPr>
-            <a:normAutofit/>
+            <a:normAutofit fontScale="90000"/>
           </a:bodyPr>
           <a:lstStyle/>
           <a:p>
             <a:r>
-              <a:rPr lang="pl-PL" b="1" dirty="0" err="1" smtClean="0"/>
-              <a:t>LCD-TFT</a:t>
-            </a:r>
-            <a:r>
-              <a:rPr lang="pl-PL" b="1" dirty="0" smtClean="0"/>
-              <a:t> display </a:t>
-            </a:r>
-            <a:r>
-              <a:rPr lang="pl-PL" b="1" dirty="0" err="1" smtClean="0"/>
+              <a:rPr lang="pl-PL" dirty="0" smtClean="0"/>
+              <a:t>Display </a:t>
+            </a:r>
+            <a:r>
+              <a:rPr lang="pl-PL" dirty="0" err="1" smtClean="0"/>
               <a:t>controller</a:t>
             </a:r>
             <a:r>
-              <a:rPr lang="pl-PL" b="1" dirty="0" smtClean="0"/>
-              <a:t> (LTDC</a:t>
-            </a:r>
-            <a:r>
-              <a:rPr lang="pl-PL" b="1" dirty="0" smtClean="0"/>
-              <a:t>)</a:t>
-            </a:r>
+              <a:rPr lang="pl-PL" dirty="0" smtClean="0"/>
+              <a:t> OTM8009A</a:t>
+            </a:r>
+            <a:r>
+              <a:rPr lang="pl-PL" dirty="0" smtClean="0"/>
+              <a:t/>
+            </a:r>
+            <a:br>
+              <a:rPr lang="pl-PL" dirty="0" smtClean="0"/>
+            </a:br>
+            <a:r>
+              <a:rPr lang="pl-PL" dirty="0" err="1" smtClean="0"/>
+              <a:t>On-The-Board</a:t>
+            </a:r>
+            <a:r>
+              <a:rPr lang="pl-PL" dirty="0" smtClean="0"/>
+              <a:t> </a:t>
+            </a:r>
+            <a:r>
+              <a:rPr lang="pl-PL" dirty="0" smtClean="0">
+                <a:solidFill>
+                  <a:srgbClr val="EE208C"/>
+                </a:solidFill>
+                <a:latin typeface="Berlin Sans FB Demi" pitchFamily="34" charset="0"/>
+              </a:rPr>
+              <a:t>STM32H747-Discovery</a:t>
+            </a:r>
+            <a:r>
+              <a:rPr lang="pl-PL" dirty="0" smtClean="0"/>
+              <a:t/>
+            </a:r>
+            <a:br>
+              <a:rPr lang="pl-PL" dirty="0" smtClean="0"/>
+            </a:br>
             <a:endParaRPr lang="pl-PL" dirty="0"/>
           </a:p>
         </p:txBody>
       </p:sp>
       <p:pic>
         <p:nvPicPr>
-          <p:cNvPr id="2050" name="Picture 2"/>
+          <p:cNvPr id="5122" name="Picture 2"/>
           <p:cNvPicPr>
             <a:picLocks noGrp="1" noChangeAspect="1" noChangeArrowheads="1"/>
           </p:cNvPicPr>
@@ -5644,8 +8298,8 @@
         </p:blipFill>
         <p:spPr bwMode="auto">
           <a:xfrm>
-            <a:off x="457200" y="2101079"/>
-            <a:ext cx="8229600" cy="3524205"/>
+            <a:off x="1714480" y="1428736"/>
+            <a:ext cx="5577878" cy="3834497"/>
           </a:xfrm>
           <a:prstGeom prst="rect">
             <a:avLst/>
@@ -5660,11 +8314,60 @@
           <a:effectLst/>
         </p:spPr>
       </p:pic>
+      <p:sp>
+        <p:nvSpPr>
+          <p:cNvPr id="5" name="pole tekstowe 4"/>
+          <p:cNvSpPr txBox="1"/>
+          <p:nvPr/>
+        </p:nvSpPr>
+        <p:spPr>
+          <a:xfrm>
+            <a:off x="1857356" y="5643578"/>
+            <a:ext cx="5082673" cy="369332"/>
+          </a:xfrm>
+          <a:prstGeom prst="rect">
+            <a:avLst/>
+          </a:prstGeom>
+          <a:noFill/>
+        </p:spPr>
+        <p:txBody>
+          <a:bodyPr wrap="none" rtlCol="0">
+            <a:spAutoFit/>
+          </a:bodyPr>
+          <a:lstStyle/>
+          <a:p>
+            <a:r>
+              <a:rPr lang="pl-PL" dirty="0" smtClean="0">
+                <a:hlinkClick r:id="rId3"/>
+              </a:rPr>
+              <a:t>https://</a:t>
+            </a:r>
+            <a:r>
+              <a:rPr lang="pl-PL" dirty="0" smtClean="0">
+                <a:hlinkClick r:id="rId3"/>
+              </a:rPr>
+              <a:t>www.orientdisplay.com/pdf/OTM8009A.pdf</a:t>
+            </a:r>
+            <a:r>
+              <a:rPr lang="pl-PL" dirty="0" smtClean="0"/>
+              <a:t> </a:t>
+            </a:r>
+            <a:endParaRPr lang="pl-PL" dirty="0"/>
+          </a:p>
+        </p:txBody>
+      </p:sp>
     </p:spTree>
   </p:cSld>
   <p:clrMapOvr>
     <a:masterClrMapping/>
   </p:clrMapOvr>
+  <p:timing>
+    <p:tnLst>
+      <p:par>
+        <p:cTn id="1" dur="indefinite" restart="never" nodeType="tmRoot"/>
+      </p:par>
+    </p:tnLst>
+  </p:timing>
 </p:sld>
 </file>
 
@@ -5697,33 +8400,138 @@
         </p:nvSpPr>
         <p:spPr/>
         <p:txBody>
-          <a:bodyPr/>
-          <a:lstStyle/>
-          <a:p>
-            <a:r>
-              <a:rPr lang="pl-PL" dirty="0" smtClean="0"/>
-              <a:t>SDRAM</a:t>
+          <a:bodyPr>
+            <a:normAutofit fontScale="90000"/>
+          </a:bodyPr>
+          <a:lstStyle/>
+          <a:p>
+            <a:r>
+              <a:rPr lang="pl-PL" dirty="0" smtClean="0"/>
+              <a:t>SDRAM </a:t>
+            </a:r>
+            <a:r>
+              <a:rPr lang="pl-PL" dirty="0" smtClean="0"/>
+              <a:t>– </a:t>
+            </a:r>
+            <a:r>
+              <a:rPr lang="pl-PL" dirty="0" err="1" smtClean="0"/>
+              <a:t>Through</a:t>
+            </a:r>
+            <a:r>
+              <a:rPr lang="pl-PL" dirty="0" smtClean="0"/>
+              <a:t> FMC  is42s32800j</a:t>
             </a:r>
             <a:endParaRPr lang="pl-PL" dirty="0"/>
           </a:p>
         </p:txBody>
       </p:sp>
-      <p:sp>
-        <p:nvSpPr>
-          <p:cNvPr id="3" name="Symbol zastępczy zawartości 2"/>
-          <p:cNvSpPr>
-            <a:spLocks noGrp="1"/>
-          </p:cNvSpPr>
+      <p:pic>
+        <p:nvPicPr>
+          <p:cNvPr id="7170" name="Picture 2"/>
+          <p:cNvPicPr>
+            <a:picLocks noGrp="1" noChangeAspect="1" noChangeArrowheads="1"/>
+          </p:cNvPicPr>
           <p:nvPr>
             <p:ph idx="1"/>
           </p:nvPr>
-        </p:nvSpPr>
-        <p:spPr/>
-        <p:txBody>
-          <a:bodyPr/>
-          <a:lstStyle/>
-          <a:p>
-            <a:endParaRPr lang="pl-PL"/>
+        </p:nvPicPr>
+        <p:blipFill>
+          <a:blip r:embed="rId2"/>
+          <a:srcRect/>
+          <a:stretch>
+            <a:fillRect/>
+          </a:stretch>
+        </p:blipFill>
+        <p:spPr bwMode="auto">
+          <a:xfrm>
+            <a:off x="0" y="1714488"/>
+            <a:ext cx="4166112" cy="3643338"/>
+          </a:xfrm>
+          <a:prstGeom prst="rect">
+            <a:avLst/>
+          </a:prstGeom>
+          <a:noFill/>
+          <a:ln w="9525">
+            <a:noFill/>
+            <a:miter lim="800000"/>
+            <a:headEnd/>
+            <a:tailEnd/>
+          </a:ln>
+          <a:effectLst/>
+        </p:spPr>
+      </p:pic>
+      <p:pic>
+        <p:nvPicPr>
+          <p:cNvPr id="7171" name="Picture 3"/>
+          <p:cNvPicPr>
+            <a:picLocks noChangeAspect="1" noChangeArrowheads="1"/>
+          </p:cNvPicPr>
+          <p:nvPr/>
+        </p:nvPicPr>
+        <p:blipFill>
+          <a:blip r:embed="rId3"/>
+          <a:srcRect/>
+          <a:stretch>
+            <a:fillRect/>
+          </a:stretch>
+        </p:blipFill>
+        <p:spPr bwMode="auto">
+          <a:xfrm>
+            <a:off x="4169839" y="1785926"/>
+            <a:ext cx="4974161" cy="3345121"/>
+          </a:xfrm>
+          <a:prstGeom prst="rect">
+            <a:avLst/>
+          </a:prstGeom>
+          <a:noFill/>
+          <a:ln w="9525">
+            <a:noFill/>
+            <a:miter lim="800000"/>
+            <a:headEnd/>
+            <a:tailEnd/>
+          </a:ln>
+          <a:effectLst/>
+        </p:spPr>
+      </p:pic>
+      <p:sp>
+        <p:nvSpPr>
+          <p:cNvPr id="6" name="pole tekstowe 5"/>
+          <p:cNvSpPr txBox="1"/>
+          <p:nvPr/>
+        </p:nvSpPr>
+        <p:spPr>
+          <a:xfrm>
+            <a:off x="4231501" y="6143644"/>
+            <a:ext cx="4912499" cy="369332"/>
+          </a:xfrm>
+          <a:prstGeom prst="rect">
+            <a:avLst/>
+          </a:prstGeom>
+          <a:noFill/>
+        </p:spPr>
+        <p:txBody>
+          <a:bodyPr wrap="none" rtlCol="0">
+            <a:spAutoFit/>
+          </a:bodyPr>
+          <a:lstStyle/>
+          <a:p>
+            <a:r>
+              <a:rPr lang="pl-PL" dirty="0" smtClean="0">
+                <a:hlinkClick r:id="rId4"/>
+              </a:rPr>
+              <a:t>https://</a:t>
+            </a:r>
+            <a:r>
+              <a:rPr lang="pl-PL" dirty="0" smtClean="0">
+                <a:hlinkClick r:id="rId4"/>
+              </a:rPr>
+              <a:t>www.issi.com/WW/pdf/42-45S32800J.pdf</a:t>
+            </a:r>
+            <a:r>
+              <a:rPr lang="pl-PL" dirty="0" smtClean="0"/>
+              <a:t> </a:t>
+            </a:r>
+            <a:endParaRPr lang="pl-PL" dirty="0"/>
           </a:p>
         </p:txBody>
       </p:sp>
@@ -5732,6 +8540,13 @@
   <p:clrMapOvr>
     <a:masterClrMapping/>
   </p:clrMapOvr>
+  <p:timing>
+    <p:tnLst>
+      <p:par>
+        <p:cTn id="1" dur="indefinite" restart="never" nodeType="tmRoot"/>
+      </p:par>
+    </p:tnLst>
+  </p:timing>
 </p:sld>
 </file>
 
